--- a/Sildewebpack.pptx
+++ b/Sildewebpack.pptx
@@ -18,7 +18,7 @@
     <p:sldId id="262" r:id="rId9"/>
     <p:sldId id="265" r:id="rId10"/>
     <p:sldId id="266" r:id="rId11"/>
-    <p:sldId id="271" r:id="rId12"/>
+    <p:sldId id="276" r:id="rId12"/>
     <p:sldId id="272" r:id="rId13"/>
     <p:sldId id="273" r:id="rId14"/>
     <p:sldId id="267" r:id="rId15"/>
@@ -215,7 +215,7 @@
           <a:p>
             <a:fld id="{81365480-4B80-4D3A-8336-B68AF06109CE}" type="datetimeFigureOut">
               <a:rPr lang="vi-VN" smtClean="0"/>
-              <a:t>26/04/2017</a:t>
+              <a:t>27/04/2017</a:t>
             </a:fld>
             <a:endParaRPr lang="vi-VN"/>
           </a:p>
@@ -640,6 +640,960 @@
           <a:p>
             <a:fld id="{6F94225C-CF81-4B28-9764-855529CC82FE}" type="slidenum">
               <a:rPr lang="vi-VN" smtClean="0"/>
+              <a:t>11</a:t>
+            </a:fld>
+            <a:endParaRPr lang="vi-VN"/>
+          </a:p>
+        </p:txBody>
+      </p:sp>
+    </p:spTree>
+    <p:extLst>
+      <p:ext uri="{BB962C8B-B14F-4D97-AF65-F5344CB8AC3E}">
+        <p14:creationId xmlns:p14="http://schemas.microsoft.com/office/powerpoint/2010/main" val="1748501351"/>
+      </p:ext>
+    </p:extLst>
+  </p:cSld>
+  <p:clrMapOvr>
+    <a:masterClrMapping/>
+  </p:clrMapOvr>
+</p:notes>
+</file>
+
+<file path=ppt/notesSlides/notesSlide11.xml><?xml version="1.0" encoding="utf-8"?>
+<p:notes xmlns:a="http://schemas.openxmlformats.org/drawingml/2006/main" xmlns:r="http://schemas.openxmlformats.org/officeDocument/2006/relationships" xmlns:p="http://schemas.openxmlformats.org/presentationml/2006/main">
+  <p:cSld>
+    <p:spTree>
+      <p:nvGrpSpPr>
+        <p:cNvPr id="1" name=""/>
+        <p:cNvGrpSpPr/>
+        <p:nvPr/>
+      </p:nvGrpSpPr>
+      <p:grpSpPr>
+        <a:xfrm>
+          <a:off x="0" y="0"/>
+          <a:ext cx="0" cy="0"/>
+          <a:chOff x="0" y="0"/>
+          <a:chExt cx="0" cy="0"/>
+        </a:xfrm>
+      </p:grpSpPr>
+      <p:sp>
+        <p:nvSpPr>
+          <p:cNvPr id="2" name="Slide Image Placeholder 1"/>
+          <p:cNvSpPr>
+            <a:spLocks noGrp="1" noRot="1" noChangeAspect="1"/>
+          </p:cNvSpPr>
+          <p:nvPr>
+            <p:ph type="sldImg"/>
+          </p:nvPr>
+        </p:nvSpPr>
+        <p:spPr/>
+      </p:sp>
+      <p:sp>
+        <p:nvSpPr>
+          <p:cNvPr id="3" name="Notes Placeholder 2"/>
+          <p:cNvSpPr>
+            <a:spLocks noGrp="1"/>
+          </p:cNvSpPr>
+          <p:nvPr>
+            <p:ph type="body" idx="1"/>
+          </p:nvPr>
+        </p:nvSpPr>
+        <p:spPr/>
+        <p:txBody>
+          <a:bodyPr/>
+          <a:lstStyle/>
+          <a:p>
+            <a:endParaRPr lang="en-US" dirty="0"/>
+          </a:p>
+        </p:txBody>
+      </p:sp>
+      <p:sp>
+        <p:nvSpPr>
+          <p:cNvPr id="4" name="Slide Number Placeholder 3"/>
+          <p:cNvSpPr>
+            <a:spLocks noGrp="1"/>
+          </p:cNvSpPr>
+          <p:nvPr>
+            <p:ph type="sldNum" sz="quarter" idx="10"/>
+          </p:nvPr>
+        </p:nvSpPr>
+        <p:spPr/>
+        <p:txBody>
+          <a:bodyPr/>
+          <a:lstStyle/>
+          <a:p>
+            <a:fld id="{6F94225C-CF81-4B28-9764-855529CC82FE}" type="slidenum">
+              <a:rPr lang="vi-VN" smtClean="0"/>
+              <a:t>12</a:t>
+            </a:fld>
+            <a:endParaRPr lang="vi-VN"/>
+          </a:p>
+        </p:txBody>
+      </p:sp>
+    </p:spTree>
+    <p:extLst>
+      <p:ext uri="{BB962C8B-B14F-4D97-AF65-F5344CB8AC3E}">
+        <p14:creationId xmlns:p14="http://schemas.microsoft.com/office/powerpoint/2010/main" val="878053038"/>
+      </p:ext>
+    </p:extLst>
+  </p:cSld>
+  <p:clrMapOvr>
+    <a:masterClrMapping/>
+  </p:clrMapOvr>
+</p:notes>
+</file>
+
+<file path=ppt/notesSlides/notesSlide12.xml><?xml version="1.0" encoding="utf-8"?>
+<p:notes xmlns:a="http://schemas.openxmlformats.org/drawingml/2006/main" xmlns:r="http://schemas.openxmlformats.org/officeDocument/2006/relationships" xmlns:p="http://schemas.openxmlformats.org/presentationml/2006/main">
+  <p:cSld>
+    <p:spTree>
+      <p:nvGrpSpPr>
+        <p:cNvPr id="1" name=""/>
+        <p:cNvGrpSpPr/>
+        <p:nvPr/>
+      </p:nvGrpSpPr>
+      <p:grpSpPr>
+        <a:xfrm>
+          <a:off x="0" y="0"/>
+          <a:ext cx="0" cy="0"/>
+          <a:chOff x="0" y="0"/>
+          <a:chExt cx="0" cy="0"/>
+        </a:xfrm>
+      </p:grpSpPr>
+      <p:sp>
+        <p:nvSpPr>
+          <p:cNvPr id="2" name="Slide Image Placeholder 1"/>
+          <p:cNvSpPr>
+            <a:spLocks noGrp="1" noRot="1" noChangeAspect="1"/>
+          </p:cNvSpPr>
+          <p:nvPr>
+            <p:ph type="sldImg"/>
+          </p:nvPr>
+        </p:nvSpPr>
+        <p:spPr/>
+      </p:sp>
+      <p:sp>
+        <p:nvSpPr>
+          <p:cNvPr id="3" name="Notes Placeholder 2"/>
+          <p:cNvSpPr>
+            <a:spLocks noGrp="1"/>
+          </p:cNvSpPr>
+          <p:nvPr>
+            <p:ph type="body" idx="1"/>
+          </p:nvPr>
+        </p:nvSpPr>
+        <p:spPr/>
+        <p:txBody>
+          <a:bodyPr/>
+          <a:lstStyle/>
+          <a:p>
+            <a:endParaRPr lang="en-US" dirty="0"/>
+          </a:p>
+        </p:txBody>
+      </p:sp>
+      <p:sp>
+        <p:nvSpPr>
+          <p:cNvPr id="4" name="Slide Number Placeholder 3"/>
+          <p:cNvSpPr>
+            <a:spLocks noGrp="1"/>
+          </p:cNvSpPr>
+          <p:nvPr>
+            <p:ph type="sldNum" sz="quarter" idx="10"/>
+          </p:nvPr>
+        </p:nvSpPr>
+        <p:spPr/>
+        <p:txBody>
+          <a:bodyPr/>
+          <a:lstStyle/>
+          <a:p>
+            <a:fld id="{6F94225C-CF81-4B28-9764-855529CC82FE}" type="slidenum">
+              <a:rPr lang="vi-VN" smtClean="0"/>
+              <a:t>13</a:t>
+            </a:fld>
+            <a:endParaRPr lang="vi-VN"/>
+          </a:p>
+        </p:txBody>
+      </p:sp>
+    </p:spTree>
+    <p:extLst>
+      <p:ext uri="{BB962C8B-B14F-4D97-AF65-F5344CB8AC3E}">
+        <p14:creationId xmlns:p14="http://schemas.microsoft.com/office/powerpoint/2010/main" val="823017644"/>
+      </p:ext>
+    </p:extLst>
+  </p:cSld>
+  <p:clrMapOvr>
+    <a:masterClrMapping/>
+  </p:clrMapOvr>
+</p:notes>
+</file>
+
+<file path=ppt/notesSlides/notesSlide13.xml><?xml version="1.0" encoding="utf-8"?>
+<p:notes xmlns:a="http://schemas.openxmlformats.org/drawingml/2006/main" xmlns:r="http://schemas.openxmlformats.org/officeDocument/2006/relationships" xmlns:p="http://schemas.openxmlformats.org/presentationml/2006/main">
+  <p:cSld>
+    <p:spTree>
+      <p:nvGrpSpPr>
+        <p:cNvPr id="1" name=""/>
+        <p:cNvGrpSpPr/>
+        <p:nvPr/>
+      </p:nvGrpSpPr>
+      <p:grpSpPr>
+        <a:xfrm>
+          <a:off x="0" y="0"/>
+          <a:ext cx="0" cy="0"/>
+          <a:chOff x="0" y="0"/>
+          <a:chExt cx="0" cy="0"/>
+        </a:xfrm>
+      </p:grpSpPr>
+      <p:sp>
+        <p:nvSpPr>
+          <p:cNvPr id="2" name="Slide Image Placeholder 1"/>
+          <p:cNvSpPr>
+            <a:spLocks noGrp="1" noRot="1" noChangeAspect="1"/>
+          </p:cNvSpPr>
+          <p:nvPr>
+            <p:ph type="sldImg"/>
+          </p:nvPr>
+        </p:nvSpPr>
+        <p:spPr/>
+      </p:sp>
+      <p:sp>
+        <p:nvSpPr>
+          <p:cNvPr id="3" name="Notes Placeholder 2"/>
+          <p:cNvSpPr>
+            <a:spLocks noGrp="1"/>
+          </p:cNvSpPr>
+          <p:nvPr>
+            <p:ph type="body" idx="1"/>
+          </p:nvPr>
+        </p:nvSpPr>
+        <p:spPr/>
+        <p:txBody>
+          <a:bodyPr/>
+          <a:lstStyle/>
+          <a:p>
+            <a:pPr marL="0" marR="0" lvl="0" indent="0" algn="l" defTabSz="914400" rtl="0" eaLnBrk="1" fontAlgn="auto" latinLnBrk="0" hangingPunct="1">
+              <a:lnSpc>
+                <a:spcPct val="100000"/>
+              </a:lnSpc>
+              <a:spcBef>
+                <a:spcPts val="0"/>
+              </a:spcBef>
+              <a:spcAft>
+                <a:spcPts val="0"/>
+              </a:spcAft>
+              <a:buClrTx/>
+              <a:buSzTx/>
+              <a:buFontTx/>
+              <a:buNone/>
+              <a:tabLst/>
+              <a:defRPr/>
+            </a:pPr>
+            <a:r>
+              <a:rPr lang="en-US" dirty="0" smtClean="0"/>
+              <a:t>(</a:t>
+            </a:r>
+            <a:r>
+              <a:rPr lang="en-US" dirty="0" err="1" smtClean="0"/>
+              <a:t>tựa</a:t>
+            </a:r>
+            <a:r>
+              <a:rPr lang="en-US" dirty="0" smtClean="0"/>
+              <a:t> </a:t>
+            </a:r>
+            <a:r>
+              <a:rPr lang="en-US" dirty="0" err="1" smtClean="0"/>
+              <a:t>như</a:t>
+            </a:r>
+            <a:r>
+              <a:rPr lang="en-US" dirty="0" smtClean="0"/>
+              <a:t> Template layout </a:t>
+            </a:r>
+            <a:r>
+              <a:rPr lang="en-US" dirty="0" err="1" smtClean="0"/>
+              <a:t>trong</a:t>
+            </a:r>
+            <a:r>
+              <a:rPr lang="en-US" dirty="0" smtClean="0"/>
+              <a:t> express handlebars)</a:t>
+            </a:r>
+          </a:p>
+          <a:p>
+            <a:endParaRPr lang="en-US" dirty="0"/>
+          </a:p>
+        </p:txBody>
+      </p:sp>
+      <p:sp>
+        <p:nvSpPr>
+          <p:cNvPr id="4" name="Slide Number Placeholder 3"/>
+          <p:cNvSpPr>
+            <a:spLocks noGrp="1"/>
+          </p:cNvSpPr>
+          <p:nvPr>
+            <p:ph type="sldNum" sz="quarter" idx="10"/>
+          </p:nvPr>
+        </p:nvSpPr>
+        <p:spPr/>
+        <p:txBody>
+          <a:bodyPr/>
+          <a:lstStyle/>
+          <a:p>
+            <a:fld id="{6F94225C-CF81-4B28-9764-855529CC82FE}" type="slidenum">
+              <a:rPr lang="vi-VN" smtClean="0"/>
+              <a:t>14</a:t>
+            </a:fld>
+            <a:endParaRPr lang="vi-VN"/>
+          </a:p>
+        </p:txBody>
+      </p:sp>
+    </p:spTree>
+    <p:extLst>
+      <p:ext uri="{BB962C8B-B14F-4D97-AF65-F5344CB8AC3E}">
+        <p14:creationId xmlns:p14="http://schemas.microsoft.com/office/powerpoint/2010/main" val="308785235"/>
+      </p:ext>
+    </p:extLst>
+  </p:cSld>
+  <p:clrMapOvr>
+    <a:masterClrMapping/>
+  </p:clrMapOvr>
+</p:notes>
+</file>
+
+<file path=ppt/notesSlides/notesSlide14.xml><?xml version="1.0" encoding="utf-8"?>
+<p:notes xmlns:a="http://schemas.openxmlformats.org/drawingml/2006/main" xmlns:r="http://schemas.openxmlformats.org/officeDocument/2006/relationships" xmlns:p="http://schemas.openxmlformats.org/presentationml/2006/main">
+  <p:cSld>
+    <p:spTree>
+      <p:nvGrpSpPr>
+        <p:cNvPr id="1" name=""/>
+        <p:cNvGrpSpPr/>
+        <p:nvPr/>
+      </p:nvGrpSpPr>
+      <p:grpSpPr>
+        <a:xfrm>
+          <a:off x="0" y="0"/>
+          <a:ext cx="0" cy="0"/>
+          <a:chOff x="0" y="0"/>
+          <a:chExt cx="0" cy="0"/>
+        </a:xfrm>
+      </p:grpSpPr>
+      <p:sp>
+        <p:nvSpPr>
+          <p:cNvPr id="2" name="Slide Image Placeholder 1"/>
+          <p:cNvSpPr>
+            <a:spLocks noGrp="1" noRot="1" noChangeAspect="1"/>
+          </p:cNvSpPr>
+          <p:nvPr>
+            <p:ph type="sldImg"/>
+          </p:nvPr>
+        </p:nvSpPr>
+        <p:spPr/>
+      </p:sp>
+      <p:sp>
+        <p:nvSpPr>
+          <p:cNvPr id="3" name="Notes Placeholder 2"/>
+          <p:cNvSpPr>
+            <a:spLocks noGrp="1"/>
+          </p:cNvSpPr>
+          <p:nvPr>
+            <p:ph type="body" idx="1"/>
+          </p:nvPr>
+        </p:nvSpPr>
+        <p:spPr/>
+        <p:txBody>
+          <a:bodyPr/>
+          <a:lstStyle/>
+          <a:p>
+            <a:pPr algn="l"/>
+            <a:r>
+              <a:rPr lang="en-US" dirty="0" smtClean="0"/>
+              <a:t>HTML </a:t>
+            </a:r>
+            <a:r>
+              <a:rPr lang="en-US" dirty="0" err="1" smtClean="0"/>
+              <a:t>webpack</a:t>
+            </a:r>
+            <a:r>
+              <a:rPr lang="en-US" dirty="0" smtClean="0"/>
+              <a:t> plugin </a:t>
+            </a:r>
+            <a:r>
+              <a:rPr lang="en-US" dirty="0" err="1" smtClean="0"/>
+              <a:t>dùng</a:t>
+            </a:r>
+            <a:r>
+              <a:rPr lang="en-US" dirty="0" smtClean="0"/>
+              <a:t> </a:t>
+            </a:r>
+            <a:r>
+              <a:rPr lang="en-US" dirty="0" err="1" smtClean="0"/>
+              <a:t>để</a:t>
+            </a:r>
+            <a:r>
+              <a:rPr lang="en-US" dirty="0" smtClean="0"/>
+              <a:t> </a:t>
+            </a:r>
+            <a:r>
+              <a:rPr lang="en-US" dirty="0" err="1" smtClean="0"/>
+              <a:t>làm</a:t>
+            </a:r>
+            <a:r>
+              <a:rPr lang="en-US" dirty="0" smtClean="0"/>
+              <a:t> </a:t>
+            </a:r>
+            <a:r>
+              <a:rPr lang="en-US" dirty="0" err="1" smtClean="0"/>
+              <a:t>gì</a:t>
+            </a:r>
+            <a:r>
+              <a:rPr lang="en-US" dirty="0" smtClean="0"/>
+              <a:t> ?</a:t>
+            </a:r>
+          </a:p>
+          <a:p>
+            <a:pPr algn="l"/>
+            <a:r>
+              <a:rPr lang="en-US" dirty="0" smtClean="0"/>
+              <a:t>	</a:t>
+            </a:r>
+            <a:r>
+              <a:rPr lang="en-US" dirty="0" err="1" smtClean="0"/>
+              <a:t>mục</a:t>
+            </a:r>
+            <a:r>
+              <a:rPr lang="en-US" dirty="0" smtClean="0"/>
+              <a:t> </a:t>
+            </a:r>
+            <a:r>
+              <a:rPr lang="en-US" dirty="0" err="1" smtClean="0"/>
+              <a:t>đích</a:t>
+            </a:r>
+            <a:r>
+              <a:rPr lang="en-US" dirty="0" smtClean="0"/>
+              <a:t> </a:t>
+            </a:r>
+            <a:r>
+              <a:rPr lang="en-US" dirty="0" err="1" smtClean="0"/>
+              <a:t>của</a:t>
+            </a:r>
+            <a:r>
+              <a:rPr lang="en-US" dirty="0" smtClean="0"/>
+              <a:t> module </a:t>
+            </a:r>
+            <a:r>
+              <a:rPr lang="en-US" dirty="0" err="1" smtClean="0"/>
+              <a:t>này</a:t>
+            </a:r>
+            <a:r>
+              <a:rPr lang="en-US" dirty="0" smtClean="0"/>
+              <a:t> </a:t>
+            </a:r>
+            <a:r>
+              <a:rPr lang="en-US" dirty="0" err="1" smtClean="0"/>
+              <a:t>dùng</a:t>
+            </a:r>
+            <a:r>
+              <a:rPr lang="en-US" dirty="0" smtClean="0"/>
+              <a:t> </a:t>
+            </a:r>
+            <a:r>
+              <a:rPr lang="en-US" dirty="0" err="1" smtClean="0"/>
+              <a:t>để</a:t>
+            </a:r>
+            <a:r>
+              <a:rPr lang="en-US" dirty="0" smtClean="0"/>
+              <a:t> generate </a:t>
+            </a:r>
+            <a:r>
+              <a:rPr lang="en-US" dirty="0" err="1" smtClean="0"/>
+              <a:t>ra</a:t>
+            </a:r>
+            <a:r>
+              <a:rPr lang="en-US" dirty="0" smtClean="0"/>
+              <a:t> 1 file </a:t>
+            </a:r>
+            <a:r>
+              <a:rPr lang="en-US" dirty="0" err="1" smtClean="0"/>
+              <a:t>cuối</a:t>
+            </a:r>
+            <a:r>
+              <a:rPr lang="en-US" dirty="0" smtClean="0"/>
+              <a:t> </a:t>
+            </a:r>
+            <a:r>
+              <a:rPr lang="en-US" dirty="0" err="1" smtClean="0"/>
+              <a:t>của</a:t>
+            </a:r>
+            <a:r>
+              <a:rPr lang="en-US" dirty="0" smtClean="0"/>
+              <a:t> </a:t>
+            </a:r>
+            <a:r>
+              <a:rPr lang="en-US" dirty="0" err="1" smtClean="0"/>
+              <a:t>bạn</a:t>
+            </a:r>
+            <a:r>
+              <a:rPr lang="en-US" dirty="0" smtClean="0"/>
+              <a:t> </a:t>
+            </a:r>
+            <a:r>
+              <a:rPr lang="en-US" dirty="0" err="1" smtClean="0"/>
+              <a:t>mà</a:t>
+            </a:r>
+            <a:r>
+              <a:rPr lang="en-US" dirty="0" smtClean="0"/>
+              <a:t> file </a:t>
+            </a:r>
+            <a:r>
+              <a:rPr lang="en-US" dirty="0" err="1" smtClean="0"/>
+              <a:t>đó</a:t>
+            </a:r>
+            <a:r>
+              <a:rPr lang="en-US" dirty="0" smtClean="0"/>
+              <a:t> </a:t>
+            </a:r>
+            <a:r>
+              <a:rPr lang="en-US" dirty="0" err="1" smtClean="0"/>
+              <a:t>được</a:t>
+            </a:r>
+            <a:r>
+              <a:rPr lang="en-US" dirty="0" smtClean="0"/>
+              <a:t> </a:t>
+            </a:r>
+            <a:r>
+              <a:rPr lang="en-US" dirty="0" err="1" smtClean="0"/>
+              <a:t>xác</a:t>
+            </a:r>
+            <a:r>
+              <a:rPr lang="en-US" dirty="0" smtClean="0"/>
+              <a:t> </a:t>
+            </a:r>
+            <a:r>
+              <a:rPr lang="en-US" dirty="0" err="1" smtClean="0"/>
+              <a:t>định</a:t>
+            </a:r>
+            <a:r>
+              <a:rPr lang="en-US" dirty="0" smtClean="0"/>
+              <a:t> </a:t>
+            </a:r>
+            <a:r>
+              <a:rPr lang="en-US" dirty="0" err="1" smtClean="0"/>
+              <a:t>bằng</a:t>
+            </a:r>
+            <a:r>
+              <a:rPr lang="en-US" dirty="0" smtClean="0"/>
+              <a:t> </a:t>
+            </a:r>
+            <a:r>
+              <a:rPr lang="en-US" dirty="0" err="1" smtClean="0"/>
+              <a:t>cách</a:t>
+            </a:r>
+            <a:r>
+              <a:rPr lang="en-US" dirty="0" smtClean="0"/>
+              <a:t> </a:t>
+            </a:r>
+            <a:r>
+              <a:rPr lang="en-US" dirty="0" err="1" smtClean="0"/>
+              <a:t>cài</a:t>
+            </a:r>
+            <a:r>
+              <a:rPr lang="en-US" dirty="0" smtClean="0"/>
+              <a:t> </a:t>
+            </a:r>
+            <a:r>
+              <a:rPr lang="en-US" dirty="0" err="1" smtClean="0"/>
+              <a:t>đặt</a:t>
+            </a:r>
+            <a:r>
+              <a:rPr lang="en-US" dirty="0" smtClean="0"/>
+              <a:t> </a:t>
+            </a:r>
+            <a:r>
+              <a:rPr lang="en-US" dirty="0" err="1" smtClean="0"/>
+              <a:t>cấu</a:t>
+            </a:r>
+            <a:r>
+              <a:rPr lang="en-US" dirty="0" smtClean="0"/>
+              <a:t> </a:t>
+            </a:r>
+            <a:r>
+              <a:rPr lang="en-US" dirty="0" err="1" smtClean="0"/>
+              <a:t>hình</a:t>
+            </a:r>
+            <a:r>
+              <a:rPr lang="en-US" dirty="0" smtClean="0"/>
+              <a:t> </a:t>
+            </a:r>
+          </a:p>
+          <a:p>
+            <a:pPr algn="l"/>
+            <a:r>
+              <a:rPr lang="en-US" dirty="0" smtClean="0"/>
+              <a:t>	</a:t>
+            </a:r>
+            <a:r>
+              <a:rPr lang="en-US" dirty="0" err="1" smtClean="0"/>
+              <a:t>nói</a:t>
+            </a:r>
+            <a:r>
+              <a:rPr lang="en-US" dirty="0" smtClean="0"/>
+              <a:t> </a:t>
+            </a:r>
+            <a:r>
+              <a:rPr lang="en-US" dirty="0" err="1" smtClean="0"/>
+              <a:t>cách</a:t>
+            </a:r>
+            <a:r>
+              <a:rPr lang="en-US" dirty="0" smtClean="0"/>
+              <a:t> </a:t>
+            </a:r>
+            <a:r>
+              <a:rPr lang="en-US" dirty="0" err="1" smtClean="0"/>
+              <a:t>đơn</a:t>
+            </a:r>
+            <a:r>
+              <a:rPr lang="en-US" dirty="0" smtClean="0"/>
+              <a:t> </a:t>
+            </a:r>
+            <a:r>
+              <a:rPr lang="en-US" dirty="0" err="1" smtClean="0"/>
+              <a:t>giản</a:t>
+            </a:r>
+            <a:r>
+              <a:rPr lang="en-US" dirty="0" smtClean="0"/>
+              <a:t> </a:t>
+            </a:r>
+            <a:r>
+              <a:rPr lang="en-US" dirty="0" err="1" smtClean="0"/>
+              <a:t>là</a:t>
+            </a:r>
+            <a:r>
+              <a:rPr lang="en-US" dirty="0" smtClean="0"/>
+              <a:t> </a:t>
+            </a:r>
+            <a:r>
+              <a:rPr lang="en-US" dirty="0" err="1" smtClean="0"/>
+              <a:t>nó</a:t>
+            </a:r>
+            <a:r>
+              <a:rPr lang="en-US" dirty="0" smtClean="0"/>
+              <a:t> generate </a:t>
+            </a:r>
+            <a:r>
+              <a:rPr lang="en-US" dirty="0" err="1" smtClean="0"/>
+              <a:t>ra</a:t>
+            </a:r>
+            <a:r>
+              <a:rPr lang="en-US" dirty="0" smtClean="0"/>
+              <a:t> 1 file </a:t>
+            </a:r>
+            <a:r>
+              <a:rPr lang="en-US" dirty="0" err="1" smtClean="0"/>
+              <a:t>trong</a:t>
+            </a:r>
+            <a:r>
+              <a:rPr lang="en-US" dirty="0" smtClean="0"/>
+              <a:t> </a:t>
+            </a:r>
+            <a:r>
+              <a:rPr lang="en-US" dirty="0" err="1" smtClean="0"/>
+              <a:t>bao</a:t>
+            </a:r>
+            <a:r>
+              <a:rPr lang="en-US" dirty="0" smtClean="0"/>
+              <a:t> </a:t>
+            </a:r>
+            <a:r>
+              <a:rPr lang="en-US" dirty="0" err="1" smtClean="0"/>
+              <a:t>gồm</a:t>
+            </a:r>
+            <a:r>
+              <a:rPr lang="en-US" dirty="0" smtClean="0"/>
+              <a:t> </a:t>
+            </a:r>
+            <a:r>
+              <a:rPr lang="en-US" dirty="0" err="1" smtClean="0"/>
+              <a:t>phần</a:t>
+            </a:r>
+            <a:r>
+              <a:rPr lang="en-US" dirty="0" smtClean="0"/>
+              <a:t> layout(</a:t>
+            </a:r>
+            <a:r>
+              <a:rPr lang="en-US" dirty="0" err="1" smtClean="0"/>
+              <a:t>chúng</a:t>
+            </a:r>
+            <a:r>
+              <a:rPr lang="en-US" dirty="0" smtClean="0"/>
+              <a:t> ta </a:t>
+            </a:r>
+            <a:r>
+              <a:rPr lang="en-US" dirty="0" err="1" smtClean="0"/>
+              <a:t>định</a:t>
+            </a:r>
+            <a:r>
+              <a:rPr lang="en-US" dirty="0" smtClean="0"/>
+              <a:t> </a:t>
+            </a:r>
+            <a:r>
+              <a:rPr lang="en-US" dirty="0" err="1" smtClean="0"/>
+              <a:t>nghĩa</a:t>
+            </a:r>
+            <a:r>
+              <a:rPr lang="en-US" dirty="0" smtClean="0"/>
+              <a:t>) </a:t>
+            </a:r>
+            <a:r>
+              <a:rPr lang="en-US" dirty="0" err="1" smtClean="0"/>
+              <a:t>và</a:t>
+            </a:r>
+            <a:r>
+              <a:rPr lang="en-US" dirty="0" smtClean="0"/>
+              <a:t> </a:t>
+            </a:r>
+            <a:r>
+              <a:rPr lang="en-US" dirty="0" err="1" smtClean="0"/>
+              <a:t>tích</a:t>
+            </a:r>
+            <a:r>
+              <a:rPr lang="en-US" dirty="0" smtClean="0"/>
+              <a:t> </a:t>
+            </a:r>
+            <a:r>
+              <a:rPr lang="en-US" dirty="0" err="1" smtClean="0"/>
+              <a:t>hợp</a:t>
+            </a:r>
+            <a:r>
+              <a:rPr lang="en-US" dirty="0" smtClean="0"/>
+              <a:t> </a:t>
+            </a:r>
+            <a:r>
+              <a:rPr lang="en-US" dirty="0" err="1" smtClean="0"/>
+              <a:t>sẵn</a:t>
+            </a:r>
+            <a:r>
+              <a:rPr lang="en-US" dirty="0" smtClean="0"/>
+              <a:t> </a:t>
+            </a:r>
+            <a:r>
+              <a:rPr lang="en-US" dirty="0" err="1" smtClean="0"/>
+              <a:t>thêm</a:t>
+            </a:r>
+            <a:r>
+              <a:rPr lang="en-US" dirty="0" smtClean="0"/>
+              <a:t> file </a:t>
+            </a:r>
+            <a:r>
+              <a:rPr lang="en-US" dirty="0" err="1" smtClean="0"/>
+              <a:t>js</a:t>
+            </a:r>
+            <a:r>
+              <a:rPr lang="en-US" dirty="0" smtClean="0"/>
+              <a:t> </a:t>
+            </a:r>
+            <a:r>
+              <a:rPr lang="en-US" dirty="0" err="1" smtClean="0"/>
+              <a:t>mà</a:t>
+            </a:r>
+            <a:r>
+              <a:rPr lang="en-US" dirty="0" smtClean="0"/>
+              <a:t> </a:t>
+            </a:r>
+            <a:r>
+              <a:rPr lang="en-US" dirty="0" err="1" smtClean="0"/>
+              <a:t>webpack</a:t>
+            </a:r>
+            <a:r>
+              <a:rPr lang="en-US" dirty="0" smtClean="0"/>
+              <a:t> </a:t>
+            </a:r>
+            <a:r>
+              <a:rPr lang="en-US" dirty="0" err="1" smtClean="0"/>
+              <a:t>tạo</a:t>
+            </a:r>
+            <a:r>
+              <a:rPr lang="en-US" dirty="0" smtClean="0"/>
+              <a:t> </a:t>
+            </a:r>
+            <a:r>
+              <a:rPr lang="en-US" dirty="0" err="1" smtClean="0"/>
+              <a:t>ra</a:t>
+            </a:r>
+            <a:r>
+              <a:rPr lang="en-US" dirty="0" smtClean="0"/>
+              <a:t> </a:t>
+            </a:r>
+          </a:p>
+          <a:p>
+            <a:pPr algn="l"/>
+            <a:r>
+              <a:rPr lang="en-US" dirty="0" smtClean="0"/>
+              <a:t>	HTML </a:t>
+            </a:r>
+            <a:r>
+              <a:rPr lang="en-US" dirty="0" err="1" smtClean="0"/>
+              <a:t>webpack</a:t>
+            </a:r>
+            <a:r>
+              <a:rPr lang="en-US" dirty="0" smtClean="0"/>
+              <a:t> plugin </a:t>
+            </a:r>
+            <a:r>
+              <a:rPr lang="en-US" dirty="0" err="1" smtClean="0"/>
+              <a:t>hỗ</a:t>
+            </a:r>
+            <a:r>
+              <a:rPr lang="en-US" dirty="0" smtClean="0"/>
+              <a:t> </a:t>
+            </a:r>
+            <a:r>
+              <a:rPr lang="en-US" dirty="0" err="1" smtClean="0"/>
+              <a:t>trợ</a:t>
+            </a:r>
+            <a:r>
+              <a:rPr lang="en-US" dirty="0" smtClean="0"/>
+              <a:t> </a:t>
+            </a:r>
+            <a:r>
+              <a:rPr lang="en-US" dirty="0" err="1" smtClean="0"/>
+              <a:t>việc</a:t>
+            </a:r>
+            <a:r>
+              <a:rPr lang="en-US" dirty="0" smtClean="0"/>
+              <a:t> </a:t>
+            </a:r>
+            <a:r>
+              <a:rPr lang="en-US" dirty="0" err="1" smtClean="0"/>
+              <a:t>truyền</a:t>
+            </a:r>
+            <a:r>
+              <a:rPr lang="en-US" dirty="0" smtClean="0"/>
+              <a:t> qua </a:t>
+            </a:r>
+            <a:r>
+              <a:rPr lang="en-US" dirty="0" err="1" smtClean="0"/>
+              <a:t>lại</a:t>
+            </a:r>
+            <a:r>
+              <a:rPr lang="en-US" dirty="0" smtClean="0"/>
+              <a:t> </a:t>
+            </a:r>
+            <a:r>
+              <a:rPr lang="en-US" dirty="0" err="1" smtClean="0"/>
+              <a:t>theo</a:t>
+            </a:r>
+            <a:r>
+              <a:rPr lang="en-US" dirty="0" smtClean="0"/>
+              <a:t> </a:t>
+            </a:r>
+            <a:r>
+              <a:rPr lang="en-US" dirty="0" err="1" smtClean="0"/>
+              <a:t>định</a:t>
+            </a:r>
+            <a:r>
+              <a:rPr lang="en-US" dirty="0" smtClean="0"/>
+              <a:t> </a:t>
+            </a:r>
+            <a:r>
+              <a:rPr lang="en-US" dirty="0" err="1" smtClean="0"/>
+              <a:t>dạng</a:t>
+            </a:r>
+            <a:r>
+              <a:rPr lang="en-US" dirty="0" smtClean="0"/>
+              <a:t> </a:t>
+            </a:r>
+            <a:r>
+              <a:rPr lang="en-US" dirty="0" err="1" smtClean="0"/>
+              <a:t>cú</a:t>
+            </a:r>
+            <a:r>
+              <a:rPr lang="en-US" dirty="0" smtClean="0"/>
+              <a:t> </a:t>
+            </a:r>
+            <a:r>
+              <a:rPr lang="en-US" dirty="0" err="1" smtClean="0"/>
+              <a:t>pháp</a:t>
+            </a:r>
+            <a:r>
+              <a:rPr lang="en-US" dirty="0" smtClean="0"/>
+              <a:t> (EJS)</a:t>
+            </a:r>
+          </a:p>
+          <a:p>
+            <a:pPr algn="l"/>
+            <a:r>
+              <a:rPr lang="en-US" dirty="0" smtClean="0"/>
+              <a:t>Sau </a:t>
+            </a:r>
+            <a:r>
+              <a:rPr lang="en-US" dirty="0" err="1" smtClean="0"/>
+              <a:t>đây</a:t>
+            </a:r>
+            <a:r>
+              <a:rPr lang="en-US" dirty="0" smtClean="0"/>
+              <a:t> </a:t>
+            </a:r>
+            <a:r>
+              <a:rPr lang="en-US" dirty="0" err="1" smtClean="0"/>
+              <a:t>là</a:t>
+            </a:r>
+            <a:r>
+              <a:rPr lang="en-US" dirty="0" smtClean="0"/>
+              <a:t> </a:t>
+            </a:r>
+            <a:r>
+              <a:rPr lang="en-US" dirty="0" err="1" smtClean="0"/>
+              <a:t>Phương</a:t>
+            </a:r>
+            <a:r>
+              <a:rPr lang="en-US" dirty="0" smtClean="0"/>
+              <a:t> </a:t>
+            </a:r>
+            <a:r>
+              <a:rPr lang="en-US" dirty="0" err="1" smtClean="0"/>
+              <a:t>pháp</a:t>
+            </a:r>
+            <a:r>
+              <a:rPr lang="en-US" dirty="0" smtClean="0"/>
+              <a:t> </a:t>
+            </a:r>
+            <a:r>
+              <a:rPr lang="en-US" dirty="0" err="1" smtClean="0"/>
+              <a:t>cài</a:t>
+            </a:r>
+            <a:r>
+              <a:rPr lang="en-US" dirty="0" smtClean="0"/>
+              <a:t> </a:t>
+            </a:r>
+            <a:r>
+              <a:rPr lang="en-US" dirty="0" err="1" smtClean="0"/>
+              <a:t>đặt</a:t>
+            </a:r>
+            <a:r>
+              <a:rPr lang="en-US" dirty="0" smtClean="0"/>
+              <a:t> </a:t>
+            </a:r>
+          </a:p>
+          <a:p>
+            <a:endParaRPr lang="en-US" dirty="0"/>
+          </a:p>
+        </p:txBody>
+      </p:sp>
+      <p:sp>
+        <p:nvSpPr>
+          <p:cNvPr id="4" name="Slide Number Placeholder 3"/>
+          <p:cNvSpPr>
+            <a:spLocks noGrp="1"/>
+          </p:cNvSpPr>
+          <p:nvPr>
+            <p:ph type="sldNum" sz="quarter" idx="10"/>
+          </p:nvPr>
+        </p:nvSpPr>
+        <p:spPr/>
+        <p:txBody>
+          <a:bodyPr/>
+          <a:lstStyle/>
+          <a:p>
+            <a:fld id="{6F94225C-CF81-4B28-9764-855529CC82FE}" type="slidenum">
+              <a:rPr lang="vi-VN" smtClean="0"/>
               <a:t>15</a:t>
             </a:fld>
             <a:endParaRPr lang="vi-VN"/>
@@ -659,7 +1613,629 @@
 </p:notes>
 </file>
 
-<file path=ppt/notesSlides/notesSlide11.xml><?xml version="1.0" encoding="utf-8"?>
+<file path=ppt/notesSlides/notesSlide15.xml><?xml version="1.0" encoding="utf-8"?>
+<p:notes xmlns:a="http://schemas.openxmlformats.org/drawingml/2006/main" xmlns:r="http://schemas.openxmlformats.org/officeDocument/2006/relationships" xmlns:p="http://schemas.openxmlformats.org/presentationml/2006/main">
+  <p:cSld>
+    <p:spTree>
+      <p:nvGrpSpPr>
+        <p:cNvPr id="1" name=""/>
+        <p:cNvGrpSpPr/>
+        <p:nvPr/>
+      </p:nvGrpSpPr>
+      <p:grpSpPr>
+        <a:xfrm>
+          <a:off x="0" y="0"/>
+          <a:ext cx="0" cy="0"/>
+          <a:chOff x="0" y="0"/>
+          <a:chExt cx="0" cy="0"/>
+        </a:xfrm>
+      </p:grpSpPr>
+      <p:sp>
+        <p:nvSpPr>
+          <p:cNvPr id="2" name="Slide Image Placeholder 1"/>
+          <p:cNvSpPr>
+            <a:spLocks noGrp="1" noRot="1" noChangeAspect="1"/>
+          </p:cNvSpPr>
+          <p:nvPr>
+            <p:ph type="sldImg"/>
+          </p:nvPr>
+        </p:nvSpPr>
+        <p:spPr/>
+      </p:sp>
+      <p:sp>
+        <p:nvSpPr>
+          <p:cNvPr id="3" name="Notes Placeholder 2"/>
+          <p:cNvSpPr>
+            <a:spLocks noGrp="1"/>
+          </p:cNvSpPr>
+          <p:nvPr>
+            <p:ph type="body" idx="1"/>
+          </p:nvPr>
+        </p:nvSpPr>
+        <p:spPr/>
+        <p:txBody>
+          <a:bodyPr/>
+          <a:lstStyle/>
+          <a:p>
+            <a:pPr algn="l"/>
+            <a:r>
+              <a:rPr lang="en-US" dirty="0" smtClean="0"/>
+              <a:t>Extract text </a:t>
+            </a:r>
+            <a:r>
+              <a:rPr lang="en-US" dirty="0" err="1" smtClean="0"/>
+              <a:t>webpack</a:t>
+            </a:r>
+            <a:r>
+              <a:rPr lang="en-US" dirty="0" smtClean="0"/>
+              <a:t> plugin </a:t>
+            </a:r>
+            <a:r>
+              <a:rPr lang="en-US" dirty="0" err="1" smtClean="0"/>
+              <a:t>dùng</a:t>
+            </a:r>
+            <a:r>
+              <a:rPr lang="en-US" dirty="0" smtClean="0"/>
+              <a:t> </a:t>
+            </a:r>
+            <a:r>
+              <a:rPr lang="en-US" dirty="0" err="1" smtClean="0"/>
+              <a:t>để</a:t>
+            </a:r>
+            <a:r>
+              <a:rPr lang="en-US" dirty="0" smtClean="0"/>
+              <a:t> </a:t>
+            </a:r>
+            <a:r>
+              <a:rPr lang="en-US" dirty="0" err="1" smtClean="0"/>
+              <a:t>làm</a:t>
+            </a:r>
+            <a:r>
+              <a:rPr lang="en-US" dirty="0" smtClean="0"/>
+              <a:t> </a:t>
+            </a:r>
+            <a:r>
+              <a:rPr lang="en-US" dirty="0" err="1" smtClean="0"/>
+              <a:t>gì</a:t>
+            </a:r>
+            <a:r>
+              <a:rPr lang="en-US" dirty="0" smtClean="0"/>
+              <a:t> ?</a:t>
+            </a:r>
+          </a:p>
+          <a:p>
+            <a:pPr algn="l"/>
+            <a:r>
+              <a:rPr lang="en-US" dirty="0" smtClean="0"/>
+              <a:t>	</a:t>
+            </a:r>
+            <a:r>
+              <a:rPr lang="en-US" dirty="0" err="1" smtClean="0"/>
+              <a:t>Vấn</a:t>
+            </a:r>
+            <a:r>
+              <a:rPr lang="en-US" dirty="0" smtClean="0"/>
+              <a:t> </a:t>
+            </a:r>
+            <a:r>
+              <a:rPr lang="en-US" dirty="0" err="1" smtClean="0"/>
+              <a:t>đề</a:t>
+            </a:r>
+            <a:r>
+              <a:rPr lang="en-US" dirty="0" smtClean="0"/>
+              <a:t> </a:t>
+            </a:r>
+            <a:r>
+              <a:rPr lang="en-US" dirty="0" err="1" smtClean="0"/>
+              <a:t>đặt</a:t>
+            </a:r>
+            <a:r>
+              <a:rPr lang="en-US" dirty="0" smtClean="0"/>
+              <a:t> </a:t>
+            </a:r>
+            <a:r>
+              <a:rPr lang="en-US" dirty="0" err="1" smtClean="0"/>
+              <a:t>ra</a:t>
+            </a:r>
+            <a:r>
+              <a:rPr lang="en-US" dirty="0" smtClean="0"/>
+              <a:t> : </a:t>
+            </a:r>
+            <a:r>
+              <a:rPr lang="en-US" dirty="0" err="1" smtClean="0"/>
+              <a:t>Nếu</a:t>
+            </a:r>
+            <a:r>
+              <a:rPr lang="en-US" dirty="0" smtClean="0"/>
+              <a:t> </a:t>
+            </a:r>
+            <a:r>
+              <a:rPr lang="en-US" dirty="0" err="1" smtClean="0"/>
+              <a:t>như</a:t>
+            </a:r>
+            <a:r>
+              <a:rPr lang="en-US" dirty="0" smtClean="0"/>
+              <a:t> CSS </a:t>
+            </a:r>
+            <a:r>
+              <a:rPr lang="en-US" dirty="0" err="1" smtClean="0"/>
+              <a:t>cũng</a:t>
+            </a:r>
+            <a:r>
+              <a:rPr lang="en-US" dirty="0" smtClean="0"/>
+              <a:t> </a:t>
+            </a:r>
+            <a:r>
+              <a:rPr lang="en-US" dirty="0" err="1" smtClean="0"/>
+              <a:t>được</a:t>
+            </a:r>
+            <a:r>
+              <a:rPr lang="en-US" dirty="0" smtClean="0"/>
+              <a:t> </a:t>
+            </a:r>
+            <a:r>
+              <a:rPr lang="en-US" dirty="0" err="1" smtClean="0"/>
+              <a:t>tích</a:t>
+            </a:r>
+            <a:r>
+              <a:rPr lang="en-US" dirty="0" smtClean="0"/>
+              <a:t> </a:t>
+            </a:r>
+            <a:r>
+              <a:rPr lang="en-US" dirty="0" err="1" smtClean="0"/>
+              <a:t>hợp</a:t>
+            </a:r>
+            <a:r>
+              <a:rPr lang="en-US" dirty="0" smtClean="0"/>
+              <a:t> </a:t>
+            </a:r>
+            <a:r>
+              <a:rPr lang="en-US" dirty="0" err="1" smtClean="0"/>
+              <a:t>vào</a:t>
+            </a:r>
+            <a:r>
+              <a:rPr lang="en-US" dirty="0" smtClean="0"/>
+              <a:t> </a:t>
+            </a:r>
+            <a:r>
+              <a:rPr lang="en-US" dirty="0" err="1" smtClean="0"/>
+              <a:t>cùng</a:t>
+            </a:r>
+            <a:r>
+              <a:rPr lang="en-US" dirty="0" smtClean="0"/>
+              <a:t> 1 file </a:t>
+            </a:r>
+            <a:r>
+              <a:rPr lang="en-US" dirty="0" err="1" smtClean="0"/>
+              <a:t>js</a:t>
+            </a:r>
+            <a:r>
+              <a:rPr lang="en-US" dirty="0" smtClean="0"/>
+              <a:t> </a:t>
+            </a:r>
+          </a:p>
+          <a:p>
+            <a:pPr algn="l"/>
+            <a:r>
+              <a:rPr lang="en-US" dirty="0" smtClean="0"/>
+              <a:t>	</a:t>
+            </a:r>
+            <a:r>
+              <a:rPr lang="en-US" dirty="0" err="1" smtClean="0"/>
+              <a:t>Điều</a:t>
+            </a:r>
+            <a:r>
+              <a:rPr lang="en-US" dirty="0" smtClean="0"/>
+              <a:t> </a:t>
+            </a:r>
+            <a:r>
+              <a:rPr lang="en-US" dirty="0" err="1" smtClean="0"/>
+              <a:t>này</a:t>
+            </a:r>
+            <a:r>
+              <a:rPr lang="en-US" dirty="0" smtClean="0"/>
+              <a:t> </a:t>
+            </a:r>
+            <a:r>
+              <a:rPr lang="en-US" dirty="0" err="1" smtClean="0"/>
+              <a:t>sẽ</a:t>
+            </a:r>
+            <a:r>
+              <a:rPr lang="en-US" dirty="0" smtClean="0"/>
+              <a:t> </a:t>
+            </a:r>
+            <a:r>
+              <a:rPr lang="en-US" dirty="0" err="1" smtClean="0"/>
+              <a:t>gây</a:t>
+            </a:r>
+            <a:r>
+              <a:rPr lang="en-US" dirty="0" smtClean="0"/>
+              <a:t> </a:t>
+            </a:r>
+            <a:r>
+              <a:rPr lang="en-US" dirty="0" err="1" smtClean="0"/>
+              <a:t>nên</a:t>
+            </a:r>
+            <a:r>
+              <a:rPr lang="en-US" dirty="0" smtClean="0"/>
+              <a:t> </a:t>
+            </a:r>
+            <a:r>
+              <a:rPr lang="en-US" dirty="0" err="1" smtClean="0"/>
+              <a:t>tình</a:t>
+            </a:r>
+            <a:r>
+              <a:rPr lang="en-US" dirty="0" smtClean="0"/>
+              <a:t> </a:t>
+            </a:r>
+            <a:r>
+              <a:rPr lang="en-US" dirty="0" err="1" smtClean="0"/>
+              <a:t>trạng</a:t>
+            </a:r>
+            <a:r>
+              <a:rPr lang="en-US" dirty="0" smtClean="0"/>
+              <a:t> </a:t>
+            </a:r>
+            <a:r>
+              <a:rPr lang="en-US" dirty="0" err="1" smtClean="0"/>
+              <a:t>gì</a:t>
+            </a:r>
+            <a:r>
+              <a:rPr lang="en-US" dirty="0" smtClean="0"/>
+              <a:t> ?</a:t>
+            </a:r>
+          </a:p>
+          <a:p>
+            <a:pPr algn="l"/>
+            <a:r>
+              <a:rPr lang="en-US" dirty="0" smtClean="0"/>
+              <a:t>	</a:t>
+            </a:r>
+            <a:r>
+              <a:rPr lang="en-US" dirty="0" err="1" smtClean="0"/>
+              <a:t>Cách</a:t>
+            </a:r>
+            <a:r>
+              <a:rPr lang="en-US" dirty="0" smtClean="0"/>
+              <a:t> </a:t>
+            </a:r>
+            <a:r>
+              <a:rPr lang="en-US" dirty="0" err="1" smtClean="0"/>
+              <a:t>khắc</a:t>
+            </a:r>
+            <a:r>
+              <a:rPr lang="en-US" dirty="0" smtClean="0"/>
+              <a:t> </a:t>
+            </a:r>
+            <a:r>
+              <a:rPr lang="en-US" dirty="0" err="1" smtClean="0"/>
+              <a:t>phục</a:t>
+            </a:r>
+            <a:r>
+              <a:rPr lang="en-US" dirty="0" smtClean="0"/>
+              <a:t> ? </a:t>
+            </a:r>
+            <a:r>
+              <a:rPr lang="en-US" dirty="0" err="1" smtClean="0"/>
+              <a:t>Sử</a:t>
+            </a:r>
+            <a:r>
+              <a:rPr lang="en-US" dirty="0" smtClean="0"/>
+              <a:t> </a:t>
+            </a:r>
+            <a:r>
+              <a:rPr lang="en-US" dirty="0" err="1" smtClean="0"/>
+              <a:t>dụng</a:t>
+            </a:r>
+            <a:r>
+              <a:rPr lang="en-US" dirty="0" smtClean="0"/>
+              <a:t> (Extract text </a:t>
+            </a:r>
+            <a:r>
+              <a:rPr lang="en-US" dirty="0" err="1" smtClean="0"/>
+              <a:t>webpack</a:t>
+            </a:r>
+            <a:r>
+              <a:rPr lang="en-US" dirty="0" smtClean="0"/>
+              <a:t> plugin )</a:t>
+            </a:r>
+          </a:p>
+          <a:p>
+            <a:pPr algn="l"/>
+            <a:r>
+              <a:rPr lang="en-US" dirty="0" smtClean="0"/>
+              <a:t>	</a:t>
+            </a:r>
+            <a:r>
+              <a:rPr lang="en-US" dirty="0" err="1" smtClean="0"/>
+              <a:t>Vậy</a:t>
+            </a:r>
+            <a:r>
+              <a:rPr lang="en-US" dirty="0" smtClean="0"/>
+              <a:t> </a:t>
+            </a:r>
+            <a:r>
+              <a:rPr lang="en-US" dirty="0" err="1" smtClean="0"/>
+              <a:t>chính</a:t>
+            </a:r>
+            <a:r>
+              <a:rPr lang="en-US" dirty="0" smtClean="0"/>
+              <a:t> </a:t>
+            </a:r>
+            <a:r>
+              <a:rPr lang="en-US" dirty="0" err="1" smtClean="0"/>
+              <a:t>xác</a:t>
+            </a:r>
+            <a:r>
+              <a:rPr lang="en-US" dirty="0" smtClean="0"/>
+              <a:t> Extract text </a:t>
+            </a:r>
+            <a:r>
+              <a:rPr lang="en-US" dirty="0" err="1" smtClean="0"/>
+              <a:t>webpack</a:t>
+            </a:r>
+            <a:r>
+              <a:rPr lang="en-US" dirty="0" smtClean="0"/>
+              <a:t> plugin  </a:t>
+            </a:r>
+            <a:r>
+              <a:rPr lang="en-US" dirty="0" err="1" smtClean="0"/>
+              <a:t>sẽ</a:t>
+            </a:r>
+            <a:r>
+              <a:rPr lang="en-US" dirty="0" smtClean="0"/>
+              <a:t> </a:t>
+            </a:r>
+            <a:r>
+              <a:rPr lang="en-US" dirty="0" err="1" smtClean="0"/>
+              <a:t>làm</a:t>
+            </a:r>
+            <a:r>
+              <a:rPr lang="en-US" dirty="0" smtClean="0"/>
+              <a:t> </a:t>
+            </a:r>
+            <a:r>
+              <a:rPr lang="en-US" dirty="0" err="1" smtClean="0"/>
+              <a:t>gì</a:t>
+            </a:r>
+            <a:r>
+              <a:rPr lang="en-US" dirty="0" smtClean="0"/>
+              <a:t> file </a:t>
+            </a:r>
+            <a:r>
+              <a:rPr lang="en-US" dirty="0" err="1" smtClean="0"/>
+              <a:t>js</a:t>
+            </a:r>
+            <a:r>
+              <a:rPr lang="en-US" dirty="0" smtClean="0"/>
+              <a:t> ? </a:t>
+            </a:r>
+          </a:p>
+          <a:p>
+            <a:pPr algn="l"/>
+            <a:r>
+              <a:rPr lang="en-US" dirty="0" smtClean="0"/>
+              <a:t>	</a:t>
+            </a:r>
+            <a:r>
+              <a:rPr lang="en-US" dirty="0" err="1" smtClean="0"/>
+              <a:t>Tách</a:t>
+            </a:r>
+            <a:r>
+              <a:rPr lang="en-US" dirty="0" smtClean="0"/>
+              <a:t> JS </a:t>
+            </a:r>
+            <a:r>
+              <a:rPr lang="en-US" dirty="0" err="1" smtClean="0"/>
+              <a:t>thành</a:t>
+            </a:r>
+            <a:r>
+              <a:rPr lang="en-US" dirty="0" smtClean="0"/>
+              <a:t> 2 </a:t>
+            </a:r>
+            <a:r>
+              <a:rPr lang="en-US" dirty="0" err="1" smtClean="0"/>
+              <a:t>phần</a:t>
+            </a:r>
+            <a:r>
+              <a:rPr lang="en-US" dirty="0" smtClean="0"/>
+              <a:t> JS </a:t>
+            </a:r>
+            <a:r>
+              <a:rPr lang="en-US" dirty="0" err="1" smtClean="0"/>
+              <a:t>riêng</a:t>
+            </a:r>
+            <a:r>
+              <a:rPr lang="en-US" dirty="0" smtClean="0"/>
+              <a:t> </a:t>
+            </a:r>
+            <a:r>
+              <a:rPr lang="en-US" dirty="0" err="1" smtClean="0"/>
+              <a:t>và</a:t>
+            </a:r>
+            <a:r>
+              <a:rPr lang="en-US" dirty="0" smtClean="0"/>
+              <a:t> CSS </a:t>
+            </a:r>
+          </a:p>
+          <a:p>
+            <a:pPr algn="l"/>
+            <a:r>
+              <a:rPr lang="en-US" dirty="0" smtClean="0"/>
+              <a:t>	</a:t>
+            </a:r>
+            <a:r>
+              <a:rPr lang="en-US" dirty="0" err="1" smtClean="0"/>
+              <a:t>Giải</a:t>
+            </a:r>
+            <a:r>
+              <a:rPr lang="en-US" dirty="0" smtClean="0"/>
+              <a:t> </a:t>
+            </a:r>
+            <a:r>
+              <a:rPr lang="en-US" dirty="0" err="1" smtClean="0"/>
+              <a:t>quyết</a:t>
+            </a:r>
+            <a:r>
+              <a:rPr lang="en-US" dirty="0" smtClean="0"/>
+              <a:t> </a:t>
+            </a:r>
+            <a:r>
+              <a:rPr lang="en-US" dirty="0" err="1" smtClean="0"/>
+              <a:t>được</a:t>
+            </a:r>
+            <a:r>
+              <a:rPr lang="en-US" dirty="0" smtClean="0"/>
+              <a:t> </a:t>
+            </a:r>
+            <a:r>
+              <a:rPr lang="en-US" dirty="0" err="1" smtClean="0"/>
+              <a:t>vấn</a:t>
+            </a:r>
+            <a:r>
+              <a:rPr lang="en-US" dirty="0" smtClean="0"/>
+              <a:t> </a:t>
+            </a:r>
+            <a:r>
+              <a:rPr lang="en-US" dirty="0" err="1" smtClean="0"/>
+              <a:t>đề</a:t>
+            </a:r>
+            <a:r>
+              <a:rPr lang="en-US" dirty="0" smtClean="0"/>
+              <a:t> </a:t>
+            </a:r>
+            <a:r>
+              <a:rPr lang="en-US" dirty="0" err="1" smtClean="0"/>
+              <a:t>trên</a:t>
+            </a:r>
+            <a:endParaRPr lang="en-US" dirty="0" smtClean="0"/>
+          </a:p>
+          <a:p>
+            <a:endParaRPr lang="en-US" dirty="0"/>
+          </a:p>
+        </p:txBody>
+      </p:sp>
+      <p:sp>
+        <p:nvSpPr>
+          <p:cNvPr id="4" name="Slide Number Placeholder 3"/>
+          <p:cNvSpPr>
+            <a:spLocks noGrp="1"/>
+          </p:cNvSpPr>
+          <p:nvPr>
+            <p:ph type="sldNum" sz="quarter" idx="10"/>
+          </p:nvPr>
+        </p:nvSpPr>
+        <p:spPr/>
+        <p:txBody>
+          <a:bodyPr/>
+          <a:lstStyle/>
+          <a:p>
+            <a:fld id="{6F94225C-CF81-4B28-9764-855529CC82FE}" type="slidenum">
+              <a:rPr lang="vi-VN" smtClean="0"/>
+              <a:t>16</a:t>
+            </a:fld>
+            <a:endParaRPr lang="vi-VN"/>
+          </a:p>
+        </p:txBody>
+      </p:sp>
+    </p:spTree>
+    <p:extLst>
+      <p:ext uri="{BB962C8B-B14F-4D97-AF65-F5344CB8AC3E}">
+        <p14:creationId xmlns:p14="http://schemas.microsoft.com/office/powerpoint/2010/main" val="2922470756"/>
+      </p:ext>
+    </p:extLst>
+  </p:cSld>
+  <p:clrMapOvr>
+    <a:masterClrMapping/>
+  </p:clrMapOvr>
+</p:notes>
+</file>
+
+<file path=ppt/notesSlides/notesSlide16.xml><?xml version="1.0" encoding="utf-8"?>
+<p:notes xmlns:a="http://schemas.openxmlformats.org/drawingml/2006/main" xmlns:r="http://schemas.openxmlformats.org/officeDocument/2006/relationships" xmlns:p="http://schemas.openxmlformats.org/presentationml/2006/main">
+  <p:cSld>
+    <p:spTree>
+      <p:nvGrpSpPr>
+        <p:cNvPr id="1" name=""/>
+        <p:cNvGrpSpPr/>
+        <p:nvPr/>
+      </p:nvGrpSpPr>
+      <p:grpSpPr>
+        <a:xfrm>
+          <a:off x="0" y="0"/>
+          <a:ext cx="0" cy="0"/>
+          <a:chOff x="0" y="0"/>
+          <a:chExt cx="0" cy="0"/>
+        </a:xfrm>
+      </p:grpSpPr>
+      <p:sp>
+        <p:nvSpPr>
+          <p:cNvPr id="2" name="Slide Image Placeholder 1"/>
+          <p:cNvSpPr>
+            <a:spLocks noGrp="1" noRot="1" noChangeAspect="1"/>
+          </p:cNvSpPr>
+          <p:nvPr>
+            <p:ph type="sldImg"/>
+          </p:nvPr>
+        </p:nvSpPr>
+        <p:spPr/>
+      </p:sp>
+      <p:sp>
+        <p:nvSpPr>
+          <p:cNvPr id="3" name="Notes Placeholder 2"/>
+          <p:cNvSpPr>
+            <a:spLocks noGrp="1"/>
+          </p:cNvSpPr>
+          <p:nvPr>
+            <p:ph type="body" idx="1"/>
+          </p:nvPr>
+        </p:nvSpPr>
+        <p:spPr/>
+        <p:txBody>
+          <a:bodyPr/>
+          <a:lstStyle/>
+          <a:p>
+            <a:endParaRPr lang="en-US" dirty="0"/>
+          </a:p>
+        </p:txBody>
+      </p:sp>
+      <p:sp>
+        <p:nvSpPr>
+          <p:cNvPr id="4" name="Slide Number Placeholder 3"/>
+          <p:cNvSpPr>
+            <a:spLocks noGrp="1"/>
+          </p:cNvSpPr>
+          <p:nvPr>
+            <p:ph type="sldNum" sz="quarter" idx="10"/>
+          </p:nvPr>
+        </p:nvSpPr>
+        <p:spPr/>
+        <p:txBody>
+          <a:bodyPr/>
+          <a:lstStyle/>
+          <a:p>
+            <a:fld id="{6F94225C-CF81-4B28-9764-855529CC82FE}" type="slidenum">
+              <a:rPr lang="vi-VN" smtClean="0"/>
+              <a:t>17</a:t>
+            </a:fld>
+            <a:endParaRPr lang="vi-VN"/>
+          </a:p>
+        </p:txBody>
+      </p:sp>
+    </p:spTree>
+    <p:extLst>
+      <p:ext uri="{BB962C8B-B14F-4D97-AF65-F5344CB8AC3E}">
+        <p14:creationId xmlns:p14="http://schemas.microsoft.com/office/powerpoint/2010/main" val="2051244425"/>
+      </p:ext>
+    </p:extLst>
+  </p:cSld>
+  <p:clrMapOvr>
+    <a:masterClrMapping/>
+  </p:clrMapOvr>
+</p:notes>
+</file>
+
+<file path=ppt/notesSlides/notesSlide17.xml><?xml version="1.0" encoding="utf-8"?>
 <p:notes xmlns:a="http://schemas.openxmlformats.org/drawingml/2006/main" xmlns:r="http://schemas.openxmlformats.org/officeDocument/2006/relationships" xmlns:p="http://schemas.openxmlformats.org/presentationml/2006/main">
   <p:cSld>
     <p:spTree>
@@ -1568,7 +3144,7 @@
           <a:p>
             <a:fld id="{12141D1B-E1CE-478D-96E5-BC59D29E8E34}" type="datetimeFigureOut">
               <a:rPr lang="vi-VN" smtClean="0"/>
-              <a:t>26/04/2017</a:t>
+              <a:t>27/04/2017</a:t>
             </a:fld>
             <a:endParaRPr lang="vi-VN"/>
           </a:p>
@@ -1738,7 +3314,7 @@
           <a:p>
             <a:fld id="{12141D1B-E1CE-478D-96E5-BC59D29E8E34}" type="datetimeFigureOut">
               <a:rPr lang="vi-VN" smtClean="0"/>
-              <a:t>26/04/2017</a:t>
+              <a:t>27/04/2017</a:t>
             </a:fld>
             <a:endParaRPr lang="vi-VN"/>
           </a:p>
@@ -1918,7 +3494,7 @@
           <a:p>
             <a:fld id="{12141D1B-E1CE-478D-96E5-BC59D29E8E34}" type="datetimeFigureOut">
               <a:rPr lang="vi-VN" smtClean="0"/>
-              <a:t>26/04/2017</a:t>
+              <a:t>27/04/2017</a:t>
             </a:fld>
             <a:endParaRPr lang="vi-VN"/>
           </a:p>
@@ -2088,7 +3664,7 @@
           <a:p>
             <a:fld id="{12141D1B-E1CE-478D-96E5-BC59D29E8E34}" type="datetimeFigureOut">
               <a:rPr lang="vi-VN" smtClean="0"/>
-              <a:t>26/04/2017</a:t>
+              <a:t>27/04/2017</a:t>
             </a:fld>
             <a:endParaRPr lang="vi-VN"/>
           </a:p>
@@ -2334,7 +3910,7 @@
           <a:p>
             <a:fld id="{12141D1B-E1CE-478D-96E5-BC59D29E8E34}" type="datetimeFigureOut">
               <a:rPr lang="vi-VN" smtClean="0"/>
-              <a:t>26/04/2017</a:t>
+              <a:t>27/04/2017</a:t>
             </a:fld>
             <a:endParaRPr lang="vi-VN"/>
           </a:p>
@@ -2566,7 +4142,7 @@
           <a:p>
             <a:fld id="{12141D1B-E1CE-478D-96E5-BC59D29E8E34}" type="datetimeFigureOut">
               <a:rPr lang="vi-VN" smtClean="0"/>
-              <a:t>26/04/2017</a:t>
+              <a:t>27/04/2017</a:t>
             </a:fld>
             <a:endParaRPr lang="vi-VN"/>
           </a:p>
@@ -2933,7 +4509,7 @@
           <a:p>
             <a:fld id="{12141D1B-E1CE-478D-96E5-BC59D29E8E34}" type="datetimeFigureOut">
               <a:rPr lang="vi-VN" smtClean="0"/>
-              <a:t>26/04/2017</a:t>
+              <a:t>27/04/2017</a:t>
             </a:fld>
             <a:endParaRPr lang="vi-VN"/>
           </a:p>
@@ -3051,7 +4627,7 @@
           <a:p>
             <a:fld id="{12141D1B-E1CE-478D-96E5-BC59D29E8E34}" type="datetimeFigureOut">
               <a:rPr lang="vi-VN" smtClean="0"/>
-              <a:t>26/04/2017</a:t>
+              <a:t>27/04/2017</a:t>
             </a:fld>
             <a:endParaRPr lang="vi-VN"/>
           </a:p>
@@ -3146,7 +4722,7 @@
           <a:p>
             <a:fld id="{12141D1B-E1CE-478D-96E5-BC59D29E8E34}" type="datetimeFigureOut">
               <a:rPr lang="vi-VN" smtClean="0"/>
-              <a:t>26/04/2017</a:t>
+              <a:t>27/04/2017</a:t>
             </a:fld>
             <a:endParaRPr lang="vi-VN"/>
           </a:p>
@@ -3423,7 +4999,7 @@
           <a:p>
             <a:fld id="{12141D1B-E1CE-478D-96E5-BC59D29E8E34}" type="datetimeFigureOut">
               <a:rPr lang="vi-VN" smtClean="0"/>
-              <a:t>26/04/2017</a:t>
+              <a:t>27/04/2017</a:t>
             </a:fld>
             <a:endParaRPr lang="vi-VN"/>
           </a:p>
@@ -3676,7 +5252,7 @@
           <a:p>
             <a:fld id="{12141D1B-E1CE-478D-96E5-BC59D29E8E34}" type="datetimeFigureOut">
               <a:rPr lang="vi-VN" smtClean="0"/>
-              <a:t>26/04/2017</a:t>
+              <a:t>27/04/2017</a:t>
             </a:fld>
             <a:endParaRPr lang="vi-VN"/>
           </a:p>
@@ -3894,7 +5470,7 @@
           <a:p>
             <a:fld id="{12141D1B-E1CE-478D-96E5-BC59D29E8E34}" type="datetimeFigureOut">
               <a:rPr lang="vi-VN" smtClean="0"/>
-              <a:t>26/04/2017</a:t>
+              <a:t>27/04/2017</a:t>
             </a:fld>
             <a:endParaRPr lang="vi-VN"/>
           </a:p>
@@ -4454,30 +6030,65 @@
           <a:bodyPr/>
           <a:lstStyle/>
           <a:p>
+            <a:pPr>
+              <a:lnSpc>
+                <a:spcPct val="100000"/>
+              </a:lnSpc>
+            </a:pPr>
             <a:r>
               <a:rPr lang="en-US" dirty="0" smtClean="0"/>
               <a:t>Tạo file CSS</a:t>
             </a:r>
           </a:p>
           <a:p>
+            <a:pPr>
+              <a:lnSpc>
+                <a:spcPct val="100000"/>
+              </a:lnSpc>
+            </a:pPr>
             <a:endParaRPr lang="en-US" dirty="0"/>
           </a:p>
           <a:p>
+            <a:pPr>
+              <a:lnSpc>
+                <a:spcPct val="100000"/>
+              </a:lnSpc>
+            </a:pPr>
             <a:endParaRPr lang="en-US" dirty="0" smtClean="0"/>
           </a:p>
           <a:p>
+            <a:pPr>
+              <a:lnSpc>
+                <a:spcPct val="100000"/>
+              </a:lnSpc>
+            </a:pPr>
             <a:r>
               <a:rPr lang="en-US" dirty="0" smtClean="0"/>
               <a:t>Require file CSS vào trong file main.js</a:t>
             </a:r>
           </a:p>
           <a:p>
+            <a:pPr>
+              <a:lnSpc>
+                <a:spcPct val="100000"/>
+              </a:lnSpc>
+            </a:pPr>
             <a:endParaRPr lang="en-US" dirty="0"/>
           </a:p>
           <a:p>
+            <a:pPr>
+              <a:lnSpc>
+                <a:spcPct val="100000"/>
+              </a:lnSpc>
+            </a:pPr>
             <a:endParaRPr lang="en-US" dirty="0" smtClean="0"/>
           </a:p>
           <a:p>
+            <a:pPr>
+              <a:lnSpc>
+                <a:spcPct val="100000"/>
+              </a:lnSpc>
+            </a:pPr>
             <a:r>
               <a:rPr lang="en-US" dirty="0" smtClean="0"/>
               <a:t>Chạy lệnh trên command line</a:t>
@@ -4531,7 +6142,7 @@
         </p:blipFill>
         <p:spPr>
           <a:xfrm>
-            <a:off x="1183576" y="3841939"/>
+            <a:off x="1183576" y="3966672"/>
             <a:ext cx="6810375" cy="1038225"/>
           </a:xfrm>
           <a:prstGeom prst="rect">
@@ -4555,7 +6166,7 @@
         </p:blipFill>
         <p:spPr>
           <a:xfrm>
-            <a:off x="1183576" y="5474078"/>
+            <a:off x="1183576" y="5601942"/>
             <a:ext cx="2800350" cy="676275"/>
           </a:xfrm>
           <a:prstGeom prst="rect">
@@ -4571,7 +6182,7 @@
         </p:nvSpPr>
         <p:spPr>
           <a:xfrm>
-            <a:off x="8339327" y="1938466"/>
+            <a:off x="8339327" y="2142575"/>
             <a:ext cx="3705225" cy="2862322"/>
           </a:xfrm>
           <a:prstGeom prst="rect">
@@ -4718,574 +6329,223 @@
       </p:grpSpPr>
       <p:sp>
         <p:nvSpPr>
-          <p:cNvPr id="4" name="Title 1"/>
-          <p:cNvSpPr txBox="1">
-            <a:spLocks/>
-          </p:cNvSpPr>
+          <p:cNvPr id="2" name="Title 1"/>
+          <p:cNvSpPr>
+            <a:spLocks noGrp="1"/>
+          </p:cNvSpPr>
+          <p:nvPr>
+            <p:ph type="title"/>
+          </p:nvPr>
+        </p:nvSpPr>
+        <p:spPr/>
+        <p:txBody>
+          <a:bodyPr/>
+          <a:lstStyle/>
+          <a:p>
+            <a:r>
+              <a:rPr lang="en-US" dirty="0" smtClean="0"/>
+              <a:t>Loading SCSS</a:t>
+            </a:r>
+            <a:endParaRPr lang="en-US" dirty="0"/>
+          </a:p>
+        </p:txBody>
+      </p:sp>
+      <p:sp>
+        <p:nvSpPr>
+          <p:cNvPr id="3" name="Content Placeholder 2"/>
+          <p:cNvSpPr>
+            <a:spLocks noGrp="1"/>
+          </p:cNvSpPr>
+          <p:nvPr>
+            <p:ph idx="1"/>
+          </p:nvPr>
+        </p:nvSpPr>
+        <p:spPr/>
+        <p:txBody>
+          <a:bodyPr>
+            <a:normAutofit fontScale="92500" lnSpcReduction="20000"/>
+          </a:bodyPr>
+          <a:lstStyle/>
+          <a:p>
+            <a:r>
+              <a:rPr lang="en-US" dirty="0" err="1" smtClean="0"/>
+              <a:t>Cài</a:t>
+            </a:r>
+            <a:r>
+              <a:rPr lang="en-US" dirty="0" smtClean="0"/>
+              <a:t> </a:t>
+            </a:r>
+            <a:r>
+              <a:rPr lang="en-US" dirty="0" err="1" smtClean="0"/>
+              <a:t>đặt</a:t>
+            </a:r>
+            <a:r>
+              <a:rPr lang="en-US" dirty="0" smtClean="0"/>
+              <a:t>:</a:t>
+            </a:r>
+          </a:p>
+          <a:p>
+            <a:pPr marL="0" indent="0">
+              <a:buNone/>
+            </a:pPr>
+            <a:r>
+              <a:rPr lang="en-US" dirty="0" smtClean="0"/>
+              <a:t>	</a:t>
+            </a:r>
+            <a:r>
+              <a:rPr lang="en-US" sz="3000" dirty="0" smtClean="0"/>
+              <a:t>- </a:t>
+            </a:r>
+            <a:r>
+              <a:rPr lang="en-US" sz="3000" dirty="0" err="1" smtClean="0"/>
+              <a:t>css</a:t>
+            </a:r>
+            <a:r>
+              <a:rPr lang="en-US" sz="3000" dirty="0" smtClean="0"/>
+              <a:t>-loader </a:t>
+            </a:r>
+          </a:p>
+          <a:p>
+            <a:pPr marL="0" indent="0">
+              <a:buNone/>
+            </a:pPr>
+            <a:r>
+              <a:rPr lang="en-US" sz="3000" dirty="0" smtClean="0"/>
+              <a:t>	- style-loader </a:t>
+            </a:r>
+          </a:p>
+          <a:p>
+            <a:pPr marL="0" indent="0">
+              <a:buNone/>
+            </a:pPr>
+            <a:r>
+              <a:rPr lang="en-US" sz="3000" dirty="0" smtClean="0"/>
+              <a:t>	- node-sass </a:t>
+            </a:r>
+          </a:p>
+          <a:p>
+            <a:pPr marL="0" indent="0">
+              <a:buNone/>
+            </a:pPr>
+            <a:r>
+              <a:rPr lang="en-US" sz="3000" dirty="0" smtClean="0"/>
+              <a:t>	- sass-loader</a:t>
+            </a:r>
+          </a:p>
+          <a:p>
+            <a:pPr marL="0" indent="0">
+              <a:buNone/>
+            </a:pPr>
+            <a:endParaRPr lang="en-US" dirty="0"/>
+          </a:p>
+          <a:p>
+            <a:r>
+              <a:rPr lang="en-US" dirty="0" err="1"/>
+              <a:t>Webpack</a:t>
+            </a:r>
+            <a:r>
+              <a:rPr lang="en-US" dirty="0"/>
+              <a:t> 1 : loader: </a:t>
+            </a:r>
+            <a:r>
+              <a:rPr lang="en-US" b="1" dirty="0"/>
+              <a:t>‘</a:t>
+            </a:r>
+            <a:r>
+              <a:rPr lang="en-US" b="1" dirty="0" err="1"/>
+              <a:t>style-loader</a:t>
+            </a:r>
+            <a:r>
+              <a:rPr lang="en-US" sz="6600" b="1" dirty="0" err="1"/>
+              <a:t>!</a:t>
+            </a:r>
+            <a:r>
+              <a:rPr lang="en-US" b="1" dirty="0" err="1"/>
+              <a:t>css-loader</a:t>
+            </a:r>
+            <a:r>
+              <a:rPr lang="en-US" sz="6600" b="1" dirty="0"/>
+              <a:t>!</a:t>
+            </a:r>
+            <a:r>
+              <a:rPr lang="en-US" dirty="0"/>
+              <a:t> SASS-loader’</a:t>
+            </a:r>
+          </a:p>
+          <a:p>
+            <a:r>
+              <a:rPr lang="en-US" dirty="0" err="1"/>
+              <a:t>Webpack</a:t>
+            </a:r>
+            <a:r>
+              <a:rPr lang="en-US" dirty="0"/>
+              <a:t> 2 : user  : [</a:t>
+            </a:r>
+            <a:r>
+              <a:rPr lang="en-US" b="1" dirty="0"/>
+              <a:t>‘style-loader’</a:t>
+            </a:r>
+            <a:r>
+              <a:rPr lang="en-US" sz="3600" b="1" dirty="0"/>
+              <a:t>, ‘</a:t>
+            </a:r>
+            <a:r>
+              <a:rPr lang="en-US" b="1" dirty="0" err="1"/>
+              <a:t>css</a:t>
+            </a:r>
+            <a:r>
+              <a:rPr lang="en-US" b="1" dirty="0"/>
+              <a:t>-loader’</a:t>
+            </a:r>
+            <a:r>
+              <a:rPr lang="en-US" sz="3600" b="1" dirty="0"/>
+              <a:t>,</a:t>
+            </a:r>
+            <a:r>
+              <a:rPr lang="en-US" dirty="0"/>
+              <a:t> ‘SASS-loader’]</a:t>
+            </a:r>
+          </a:p>
+          <a:p>
+            <a:pPr marL="0" indent="0">
+              <a:buNone/>
+            </a:pPr>
+            <a:r>
+              <a:rPr lang="en-US" dirty="0" smtClean="0"/>
+              <a:t> </a:t>
+            </a:r>
+            <a:endParaRPr lang="en-US" dirty="0"/>
+          </a:p>
+        </p:txBody>
+      </p:sp>
+      <p:pic>
+        <p:nvPicPr>
+          <p:cNvPr id="4" name="Picture 3"/>
+          <p:cNvPicPr>
+            <a:picLocks noChangeAspect="1"/>
+          </p:cNvPicPr>
           <p:nvPr/>
-        </p:nvSpPr>
+        </p:nvPicPr>
+        <p:blipFill>
+          <a:blip r:embed="rId3"/>
+          <a:stretch>
+            <a:fillRect/>
+          </a:stretch>
+        </p:blipFill>
         <p:spPr>
           <a:xfrm>
-            <a:off x="838200" y="365125"/>
-            <a:ext cx="10515600" cy="1325563"/>
+            <a:off x="2375832" y="1540412"/>
+            <a:ext cx="3720168" cy="570425"/>
           </a:xfrm>
           <a:prstGeom prst="rect">
             <a:avLst/>
           </a:prstGeom>
         </p:spPr>
-        <p:txBody>
-          <a:bodyPr vert="horz" lIns="91440" tIns="45720" rIns="91440" bIns="45720" rtlCol="0" anchor="b">
-            <a:normAutofit/>
-          </a:bodyPr>
-          <a:lstStyle>
-            <a:lvl1pPr algn="ctr" defTabSz="914400" rtl="0" eaLnBrk="1" latinLnBrk="0" hangingPunct="1">
-              <a:lnSpc>
-                <a:spcPct val="90000"/>
-              </a:lnSpc>
-              <a:spcBef>
-                <a:spcPct val="0"/>
-              </a:spcBef>
-              <a:buNone/>
-              <a:defRPr sz="6000" kern="1200">
-                <a:solidFill>
-                  <a:schemeClr val="tx1"/>
-                </a:solidFill>
-                <a:latin typeface="+mj-lt"/>
-                <a:ea typeface="+mj-ea"/>
-                <a:cs typeface="+mj-cs"/>
-              </a:defRPr>
-            </a:lvl1pPr>
-          </a:lstStyle>
-          <a:p>
-            <a:pPr algn="l"/>
-            <a:r>
-              <a:rPr lang="en-US" dirty="0" smtClean="0"/>
-              <a:t>Loading SCSS</a:t>
-            </a:r>
-            <a:endParaRPr lang="vi-VN" dirty="0"/>
-          </a:p>
-        </p:txBody>
-      </p:sp>
-      <p:sp>
-        <p:nvSpPr>
-          <p:cNvPr id="5" name="Content Placeholder 2"/>
-          <p:cNvSpPr txBox="1">
-            <a:spLocks/>
-          </p:cNvSpPr>
-          <p:nvPr/>
-        </p:nvSpPr>
-        <p:spPr>
-          <a:xfrm>
-            <a:off x="838200" y="1825625"/>
-            <a:ext cx="10515600" cy="4351338"/>
-          </a:xfrm>
-          <a:prstGeom prst="rect">
-            <a:avLst/>
-          </a:prstGeom>
-        </p:spPr>
-        <p:txBody>
-          <a:bodyPr vert="horz" lIns="91440" tIns="45720" rIns="91440" bIns="45720" rtlCol="0">
-            <a:normAutofit lnSpcReduction="10000"/>
-          </a:bodyPr>
-          <a:lstStyle>
-            <a:lvl1pPr marL="0" indent="0" algn="ctr" defTabSz="914400" rtl="0" eaLnBrk="1" latinLnBrk="0" hangingPunct="1">
-              <a:lnSpc>
-                <a:spcPct val="90000"/>
-              </a:lnSpc>
-              <a:spcBef>
-                <a:spcPts val="1000"/>
-              </a:spcBef>
-              <a:buFont typeface="Arial" panose="020B0604020202020204" pitchFamily="34" charset="0"/>
-              <a:buNone/>
-              <a:defRPr sz="2400" kern="1200">
-                <a:solidFill>
-                  <a:schemeClr val="tx1"/>
-                </a:solidFill>
-                <a:latin typeface="+mn-lt"/>
-                <a:ea typeface="+mn-ea"/>
-                <a:cs typeface="+mn-cs"/>
-              </a:defRPr>
-            </a:lvl1pPr>
-            <a:lvl2pPr marL="457200" indent="0" algn="ctr" defTabSz="914400" rtl="0" eaLnBrk="1" latinLnBrk="0" hangingPunct="1">
-              <a:lnSpc>
-                <a:spcPct val="90000"/>
-              </a:lnSpc>
-              <a:spcBef>
-                <a:spcPts val="500"/>
-              </a:spcBef>
-              <a:buFont typeface="Arial" panose="020B0604020202020204" pitchFamily="34" charset="0"/>
-              <a:buNone/>
-              <a:defRPr sz="2000" kern="1200">
-                <a:solidFill>
-                  <a:schemeClr val="tx1"/>
-                </a:solidFill>
-                <a:latin typeface="+mn-lt"/>
-                <a:ea typeface="+mn-ea"/>
-                <a:cs typeface="+mn-cs"/>
-              </a:defRPr>
-            </a:lvl2pPr>
-            <a:lvl3pPr marL="914400" indent="0" algn="ctr" defTabSz="914400" rtl="0" eaLnBrk="1" latinLnBrk="0" hangingPunct="1">
-              <a:lnSpc>
-                <a:spcPct val="90000"/>
-              </a:lnSpc>
-              <a:spcBef>
-                <a:spcPts val="500"/>
-              </a:spcBef>
-              <a:buFont typeface="Arial" panose="020B0604020202020204" pitchFamily="34" charset="0"/>
-              <a:buNone/>
-              <a:defRPr sz="1800" kern="1200">
-                <a:solidFill>
-                  <a:schemeClr val="tx1"/>
-                </a:solidFill>
-                <a:latin typeface="+mn-lt"/>
-                <a:ea typeface="+mn-ea"/>
-                <a:cs typeface="+mn-cs"/>
-              </a:defRPr>
-            </a:lvl3pPr>
-            <a:lvl4pPr marL="1371600" indent="0" algn="ctr" defTabSz="914400" rtl="0" eaLnBrk="1" latinLnBrk="0" hangingPunct="1">
-              <a:lnSpc>
-                <a:spcPct val="90000"/>
-              </a:lnSpc>
-              <a:spcBef>
-                <a:spcPts val="500"/>
-              </a:spcBef>
-              <a:buFont typeface="Arial" panose="020B0604020202020204" pitchFamily="34" charset="0"/>
-              <a:buNone/>
-              <a:defRPr sz="1600" kern="1200">
-                <a:solidFill>
-                  <a:schemeClr val="tx1"/>
-                </a:solidFill>
-                <a:latin typeface="+mn-lt"/>
-                <a:ea typeface="+mn-ea"/>
-                <a:cs typeface="+mn-cs"/>
-              </a:defRPr>
-            </a:lvl4pPr>
-            <a:lvl5pPr marL="1828800" indent="0" algn="ctr" defTabSz="914400" rtl="0" eaLnBrk="1" latinLnBrk="0" hangingPunct="1">
-              <a:lnSpc>
-                <a:spcPct val="90000"/>
-              </a:lnSpc>
-              <a:spcBef>
-                <a:spcPts val="500"/>
-              </a:spcBef>
-              <a:buFont typeface="Arial" panose="020B0604020202020204" pitchFamily="34" charset="0"/>
-              <a:buNone/>
-              <a:defRPr sz="1600" kern="1200">
-                <a:solidFill>
-                  <a:schemeClr val="tx1"/>
-                </a:solidFill>
-                <a:latin typeface="+mn-lt"/>
-                <a:ea typeface="+mn-ea"/>
-                <a:cs typeface="+mn-cs"/>
-              </a:defRPr>
-            </a:lvl5pPr>
-            <a:lvl6pPr marL="2286000" indent="0" algn="ctr" defTabSz="914400" rtl="0" eaLnBrk="1" latinLnBrk="0" hangingPunct="1">
-              <a:lnSpc>
-                <a:spcPct val="90000"/>
-              </a:lnSpc>
-              <a:spcBef>
-                <a:spcPts val="500"/>
-              </a:spcBef>
-              <a:buFont typeface="Arial" panose="020B0604020202020204" pitchFamily="34" charset="0"/>
-              <a:buNone/>
-              <a:defRPr sz="1600" kern="1200">
-                <a:solidFill>
-                  <a:schemeClr val="tx1"/>
-                </a:solidFill>
-                <a:latin typeface="+mn-lt"/>
-                <a:ea typeface="+mn-ea"/>
-                <a:cs typeface="+mn-cs"/>
-              </a:defRPr>
-            </a:lvl6pPr>
-            <a:lvl7pPr marL="2743200" indent="0" algn="ctr" defTabSz="914400" rtl="0" eaLnBrk="1" latinLnBrk="0" hangingPunct="1">
-              <a:lnSpc>
-                <a:spcPct val="90000"/>
-              </a:lnSpc>
-              <a:spcBef>
-                <a:spcPts val="500"/>
-              </a:spcBef>
-              <a:buFont typeface="Arial" panose="020B0604020202020204" pitchFamily="34" charset="0"/>
-              <a:buNone/>
-              <a:defRPr sz="1600" kern="1200">
-                <a:solidFill>
-                  <a:schemeClr val="tx1"/>
-                </a:solidFill>
-                <a:latin typeface="+mn-lt"/>
-                <a:ea typeface="+mn-ea"/>
-                <a:cs typeface="+mn-cs"/>
-              </a:defRPr>
-            </a:lvl7pPr>
-            <a:lvl8pPr marL="3200400" indent="0" algn="ctr" defTabSz="914400" rtl="0" eaLnBrk="1" latinLnBrk="0" hangingPunct="1">
-              <a:lnSpc>
-                <a:spcPct val="90000"/>
-              </a:lnSpc>
-              <a:spcBef>
-                <a:spcPts val="500"/>
-              </a:spcBef>
-              <a:buFont typeface="Arial" panose="020B0604020202020204" pitchFamily="34" charset="0"/>
-              <a:buNone/>
-              <a:defRPr sz="1600" kern="1200">
-                <a:solidFill>
-                  <a:schemeClr val="tx1"/>
-                </a:solidFill>
-                <a:latin typeface="+mn-lt"/>
-                <a:ea typeface="+mn-ea"/>
-                <a:cs typeface="+mn-cs"/>
-              </a:defRPr>
-            </a:lvl8pPr>
-            <a:lvl9pPr marL="3657600" indent="0" algn="ctr" defTabSz="914400" rtl="0" eaLnBrk="1" latinLnBrk="0" hangingPunct="1">
-              <a:lnSpc>
-                <a:spcPct val="90000"/>
-              </a:lnSpc>
-              <a:spcBef>
-                <a:spcPts val="500"/>
-              </a:spcBef>
-              <a:buFont typeface="Arial" panose="020B0604020202020204" pitchFamily="34" charset="0"/>
-              <a:buNone/>
-              <a:defRPr sz="1600" kern="1200">
-                <a:solidFill>
-                  <a:schemeClr val="tx1"/>
-                </a:solidFill>
-                <a:latin typeface="+mn-lt"/>
-                <a:ea typeface="+mn-ea"/>
-                <a:cs typeface="+mn-cs"/>
-              </a:defRPr>
-            </a:lvl9pPr>
-          </a:lstStyle>
-          <a:p>
-            <a:pPr algn="l"/>
-            <a:r>
-              <a:rPr lang="en-US" dirty="0" err="1" smtClean="0"/>
-              <a:t>Cài</a:t>
-            </a:r>
-            <a:r>
-              <a:rPr lang="en-US" dirty="0" smtClean="0"/>
-              <a:t> </a:t>
-            </a:r>
-            <a:r>
-              <a:rPr lang="en-US" dirty="0" err="1" smtClean="0"/>
-              <a:t>đặt</a:t>
-            </a:r>
-            <a:r>
-              <a:rPr lang="en-US" dirty="0" smtClean="0"/>
-              <a:t> </a:t>
-            </a:r>
-            <a:r>
-              <a:rPr lang="en-US" dirty="0"/>
-              <a:t>node-SASS + SASS-loader + CSS-Loader+ Style Loader</a:t>
-            </a:r>
-            <a:endParaRPr lang="en-US" dirty="0" smtClean="0"/>
-          </a:p>
-          <a:p>
-            <a:pPr algn="l"/>
-            <a:r>
-              <a:rPr lang="en-US" dirty="0"/>
-              <a:t>(</a:t>
-            </a:r>
-            <a:r>
-              <a:rPr lang="en-US" dirty="0" err="1"/>
-              <a:t>npm</a:t>
-            </a:r>
-            <a:r>
-              <a:rPr lang="en-US" dirty="0"/>
-              <a:t> install –save-</a:t>
-            </a:r>
-            <a:r>
-              <a:rPr lang="en-US" dirty="0" err="1"/>
-              <a:t>dev</a:t>
-            </a:r>
-            <a:r>
-              <a:rPr lang="en-US" dirty="0"/>
-              <a:t> </a:t>
-            </a:r>
-            <a:r>
-              <a:rPr lang="en-US" dirty="0" err="1"/>
-              <a:t>css</a:t>
-            </a:r>
-            <a:r>
-              <a:rPr lang="en-US" dirty="0"/>
-              <a:t>-loader </a:t>
-            </a:r>
-            <a:r>
-              <a:rPr lang="en-US" dirty="0" smtClean="0"/>
-              <a:t>style-loader node-sass sass-loader)</a:t>
-            </a:r>
-          </a:p>
-          <a:p>
-            <a:pPr algn="l"/>
-            <a:r>
-              <a:rPr lang="en-US" dirty="0" err="1" smtClean="0"/>
-              <a:t>Giải</a:t>
-            </a:r>
-            <a:r>
-              <a:rPr lang="en-US" dirty="0" smtClean="0"/>
-              <a:t> </a:t>
-            </a:r>
-            <a:r>
-              <a:rPr lang="en-US" dirty="0" err="1" smtClean="0"/>
-              <a:t>thích</a:t>
-            </a:r>
-            <a:r>
-              <a:rPr lang="en-US" dirty="0" smtClean="0"/>
-              <a:t> 1 </a:t>
-            </a:r>
-            <a:r>
-              <a:rPr lang="en-US" dirty="0" err="1" smtClean="0"/>
-              <a:t>chút</a:t>
-            </a:r>
-            <a:r>
-              <a:rPr lang="en-US" dirty="0" smtClean="0"/>
-              <a:t> </a:t>
-            </a:r>
-            <a:r>
-              <a:rPr lang="en-US" dirty="0" err="1" smtClean="0"/>
-              <a:t>về</a:t>
-            </a:r>
-            <a:r>
-              <a:rPr lang="en-US" dirty="0" smtClean="0"/>
-              <a:t> </a:t>
-            </a:r>
-            <a:r>
-              <a:rPr lang="en-US" dirty="0" err="1" smtClean="0"/>
-              <a:t>các</a:t>
-            </a:r>
-            <a:r>
-              <a:rPr lang="en-US" dirty="0" smtClean="0"/>
-              <a:t> module </a:t>
-            </a:r>
-            <a:r>
-              <a:rPr lang="en-US" dirty="0" err="1" smtClean="0"/>
-              <a:t>trên</a:t>
-            </a:r>
-            <a:endParaRPr lang="en-US" dirty="0" smtClean="0"/>
-          </a:p>
-          <a:p>
-            <a:pPr algn="l"/>
-            <a:r>
-              <a:rPr lang="en-US" dirty="0" smtClean="0"/>
-              <a:t>node-SASS : </a:t>
-            </a:r>
-            <a:r>
-              <a:rPr lang="en-US" dirty="0" err="1" smtClean="0"/>
-              <a:t>cho</a:t>
-            </a:r>
-            <a:r>
-              <a:rPr lang="en-US" dirty="0" smtClean="0"/>
-              <a:t> </a:t>
-            </a:r>
-            <a:r>
-              <a:rPr lang="en-US" dirty="0" err="1" smtClean="0"/>
-              <a:t>phép</a:t>
-            </a:r>
-            <a:r>
-              <a:rPr lang="en-US" dirty="0" smtClean="0"/>
-              <a:t> loading file SCSS</a:t>
-            </a:r>
-          </a:p>
-          <a:p>
-            <a:pPr algn="l"/>
-            <a:r>
-              <a:rPr lang="en-US" dirty="0" smtClean="0"/>
-              <a:t>SASS-loader : </a:t>
-            </a:r>
-            <a:r>
-              <a:rPr lang="en-US" dirty="0" err="1" smtClean="0"/>
-              <a:t>chuyển</a:t>
-            </a:r>
-            <a:r>
-              <a:rPr lang="en-US" dirty="0" smtClean="0"/>
-              <a:t> file SCSS </a:t>
-            </a:r>
-            <a:r>
-              <a:rPr lang="en-US" dirty="0" err="1" smtClean="0"/>
-              <a:t>thành</a:t>
-            </a:r>
-            <a:r>
-              <a:rPr lang="en-US" dirty="0" smtClean="0"/>
-              <a:t> CSS</a:t>
-            </a:r>
-          </a:p>
-          <a:p>
-            <a:pPr algn="l"/>
-            <a:r>
-              <a:rPr lang="en-US" dirty="0" smtClean="0"/>
-              <a:t> CSS-Loader : </a:t>
-            </a:r>
-            <a:r>
-              <a:rPr lang="en-US" dirty="0" err="1" smtClean="0"/>
-              <a:t>chuyển</a:t>
-            </a:r>
-            <a:r>
-              <a:rPr lang="en-US" dirty="0" smtClean="0"/>
-              <a:t> file CSS </a:t>
-            </a:r>
-            <a:r>
-              <a:rPr lang="en-US" dirty="0" err="1" smtClean="0"/>
-              <a:t>thành</a:t>
-            </a:r>
-            <a:r>
-              <a:rPr lang="en-US" dirty="0" smtClean="0"/>
-              <a:t> JS</a:t>
-            </a:r>
-          </a:p>
-          <a:p>
-            <a:pPr algn="l"/>
-            <a:r>
-              <a:rPr lang="en-US" dirty="0" smtClean="0"/>
-              <a:t>Style Loader : </a:t>
-            </a:r>
-            <a:r>
-              <a:rPr lang="en-US" dirty="0" err="1" smtClean="0"/>
-              <a:t>đóng</a:t>
-            </a:r>
-            <a:r>
-              <a:rPr lang="en-US" dirty="0" smtClean="0"/>
-              <a:t> </a:t>
-            </a:r>
-            <a:r>
-              <a:rPr lang="en-US" dirty="0" err="1" smtClean="0"/>
-              <a:t>khóa</a:t>
-            </a:r>
-            <a:r>
-              <a:rPr lang="en-US" dirty="0" smtClean="0"/>
-              <a:t> </a:t>
-            </a:r>
-            <a:r>
-              <a:rPr lang="en-US" dirty="0" err="1" smtClean="0"/>
-              <a:t>xuất</a:t>
-            </a:r>
-            <a:r>
-              <a:rPr lang="en-US" dirty="0" smtClean="0"/>
-              <a:t> Style </a:t>
-            </a:r>
-            <a:r>
-              <a:rPr lang="en-US" dirty="0" err="1" smtClean="0"/>
-              <a:t>để</a:t>
-            </a:r>
-            <a:r>
-              <a:rPr lang="en-US" dirty="0" smtClean="0"/>
-              <a:t> </a:t>
-            </a:r>
-            <a:r>
-              <a:rPr lang="en-US" dirty="0" err="1" smtClean="0"/>
-              <a:t>hiển</a:t>
-            </a:r>
-            <a:r>
-              <a:rPr lang="en-US" dirty="0" smtClean="0"/>
-              <a:t> </a:t>
-            </a:r>
-            <a:r>
-              <a:rPr lang="en-US" dirty="0" err="1" smtClean="0"/>
-              <a:t>thị</a:t>
-            </a:r>
-            <a:r>
-              <a:rPr lang="en-US" dirty="0" smtClean="0"/>
-              <a:t> </a:t>
-            </a:r>
-            <a:r>
-              <a:rPr lang="en-US" dirty="0" err="1" smtClean="0"/>
-              <a:t>ra</a:t>
-            </a:r>
-            <a:r>
-              <a:rPr lang="en-US" dirty="0" smtClean="0"/>
-              <a:t> </a:t>
-            </a:r>
-            <a:r>
-              <a:rPr lang="en-US" dirty="0" err="1" smtClean="0"/>
-              <a:t>trang</a:t>
-            </a:r>
-            <a:r>
-              <a:rPr lang="en-US" dirty="0" smtClean="0"/>
-              <a:t> </a:t>
-            </a:r>
-          </a:p>
-          <a:p>
-            <a:pPr algn="l"/>
-            <a:r>
-              <a:rPr lang="en-US" dirty="0" err="1" smtClean="0"/>
-              <a:t>Webpack</a:t>
-            </a:r>
-            <a:r>
-              <a:rPr lang="en-US" dirty="0" smtClean="0"/>
-              <a:t> 1 : loader: </a:t>
-            </a:r>
-            <a:r>
-              <a:rPr lang="en-US" b="1" dirty="0" smtClean="0"/>
-              <a:t>‘</a:t>
-            </a:r>
-            <a:r>
-              <a:rPr lang="en-US" b="1" dirty="0" err="1" smtClean="0"/>
-              <a:t>style-loader</a:t>
-            </a:r>
-            <a:r>
-              <a:rPr lang="en-US" sz="4800" b="1" dirty="0" err="1" smtClean="0"/>
-              <a:t>!</a:t>
-            </a:r>
-            <a:r>
-              <a:rPr lang="en-US" b="1" dirty="0" err="1" smtClean="0"/>
-              <a:t>css-loader</a:t>
-            </a:r>
-            <a:r>
-              <a:rPr lang="en-US" sz="4800" b="1" dirty="0" smtClean="0"/>
-              <a:t>!</a:t>
-            </a:r>
-            <a:r>
-              <a:rPr lang="en-US" dirty="0"/>
-              <a:t> SASS-loader</a:t>
-            </a:r>
-            <a:r>
-              <a:rPr lang="en-US" dirty="0" smtClean="0"/>
-              <a:t>’</a:t>
-            </a:r>
-          </a:p>
-          <a:p>
-            <a:pPr algn="l"/>
-            <a:r>
-              <a:rPr lang="en-US" dirty="0" err="1" smtClean="0"/>
-              <a:t>Webpack</a:t>
-            </a:r>
-            <a:r>
-              <a:rPr lang="en-US" dirty="0" smtClean="0"/>
-              <a:t> 2 : user  : [</a:t>
-            </a:r>
-            <a:r>
-              <a:rPr lang="en-US" b="1" dirty="0"/>
-              <a:t>‘</a:t>
-            </a:r>
-            <a:r>
-              <a:rPr lang="en-US" b="1" dirty="0" smtClean="0"/>
-              <a:t>style-loader’</a:t>
-            </a:r>
-            <a:r>
-              <a:rPr lang="en-US" sz="2200" b="1" dirty="0" smtClean="0"/>
-              <a:t>, ‘</a:t>
-            </a:r>
-            <a:r>
-              <a:rPr lang="en-US" b="1" dirty="0" err="1" smtClean="0"/>
-              <a:t>css</a:t>
-            </a:r>
-            <a:r>
-              <a:rPr lang="en-US" b="1" dirty="0" smtClean="0"/>
-              <a:t>-loader’</a:t>
-            </a:r>
-            <a:r>
-              <a:rPr lang="en-US" sz="2200" b="1" dirty="0" smtClean="0"/>
-              <a:t>,</a:t>
-            </a:r>
-            <a:r>
-              <a:rPr lang="en-US" dirty="0" smtClean="0"/>
-              <a:t> ‘SASS-loader’]</a:t>
-            </a:r>
-          </a:p>
-          <a:p>
-            <a:pPr algn="l"/>
-            <a:endParaRPr lang="en-US" dirty="0" smtClean="0"/>
-          </a:p>
-        </p:txBody>
-      </p:sp>
+      </p:pic>
     </p:spTree>
     <p:extLst>
       <p:ext uri="{BB962C8B-B14F-4D97-AF65-F5344CB8AC3E}">
-        <p14:creationId xmlns:p14="http://schemas.microsoft.com/office/powerpoint/2010/main" val="1773390938"/>
+        <p14:creationId xmlns:p14="http://schemas.microsoft.com/office/powerpoint/2010/main" val="2651363469"/>
       </p:ext>
     </p:extLst>
   </p:cSld>
@@ -5319,56 +6579,6 @@
           <a:chExt cx="0" cy="0"/>
         </a:xfrm>
       </p:grpSpPr>
-      <p:sp>
-        <p:nvSpPr>
-          <p:cNvPr id="4" name="Title 1"/>
-          <p:cNvSpPr txBox="1">
-            <a:spLocks/>
-          </p:cNvSpPr>
-          <p:nvPr/>
-        </p:nvSpPr>
-        <p:spPr>
-          <a:xfrm>
-            <a:off x="838200" y="365125"/>
-            <a:ext cx="10515600" cy="1325563"/>
-          </a:xfrm>
-          <a:prstGeom prst="rect">
-            <a:avLst/>
-          </a:prstGeom>
-        </p:spPr>
-        <p:txBody>
-          <a:bodyPr vert="horz" lIns="91440" tIns="45720" rIns="91440" bIns="45720" rtlCol="0" anchor="b">
-            <a:normAutofit/>
-          </a:bodyPr>
-          <a:lstStyle>
-            <a:lvl1pPr algn="ctr" defTabSz="914400" rtl="0" eaLnBrk="1" latinLnBrk="0" hangingPunct="1">
-              <a:lnSpc>
-                <a:spcPct val="90000"/>
-              </a:lnSpc>
-              <a:spcBef>
-                <a:spcPct val="0"/>
-              </a:spcBef>
-              <a:buNone/>
-              <a:defRPr sz="6000" kern="1200">
-                <a:solidFill>
-                  <a:schemeClr val="tx1"/>
-                </a:solidFill>
-                <a:latin typeface="+mj-lt"/>
-                <a:ea typeface="+mj-ea"/>
-                <a:cs typeface="+mj-cs"/>
-              </a:defRPr>
-            </a:lvl1pPr>
-          </a:lstStyle>
-          <a:p>
-            <a:pPr algn="l"/>
-            <a:r>
-              <a:rPr lang="en-US" dirty="0" smtClean="0"/>
-              <a:t>Loading SCSS</a:t>
-            </a:r>
-            <a:endParaRPr lang="vi-VN" dirty="0"/>
-          </a:p>
-        </p:txBody>
-      </p:sp>
       <p:sp>
         <p:nvSpPr>
           <p:cNvPr id="5" name="Content Placeholder 2"/>
@@ -5557,7 +6767,7 @@
           <a:p>
             <a:pPr algn="l"/>
             <a:r>
-              <a:rPr lang="en-US" dirty="0" smtClean="0"/>
+              <a:rPr lang="en-US" sz="2800" dirty="0" smtClean="0"/>
               <a:t>File SCSS </a:t>
             </a:r>
           </a:p>
@@ -5579,30 +6789,23 @@
           </a:p>
           <a:p>
             <a:pPr algn="l"/>
-            <a:endParaRPr lang="en-US" dirty="0" smtClean="0"/>
-          </a:p>
-          <a:p>
-            <a:pPr algn="l"/>
-            <a:endParaRPr lang="en-US" dirty="0"/>
-          </a:p>
-          <a:p>
-            <a:pPr algn="l"/>
-            <a:r>
-              <a:rPr lang="en-US" dirty="0" err="1" smtClean="0"/>
+            <a:r>
+              <a:rPr lang="en-US" sz="2800" dirty="0" err="1" smtClean="0"/>
               <a:t>Cấu</a:t>
             </a:r>
             <a:r>
-              <a:rPr lang="en-US" dirty="0" smtClean="0"/>
-              <a:t> </a:t>
-            </a:r>
-            <a:r>
-              <a:rPr lang="en-US" dirty="0" err="1" smtClean="0"/>
+              <a:rPr lang="en-US" sz="2800" dirty="0" smtClean="0"/>
+              <a:t> </a:t>
+            </a:r>
+            <a:r>
+              <a:rPr lang="en-US" sz="2800" dirty="0" err="1" smtClean="0"/>
               <a:t>hình</a:t>
             </a:r>
             <a:r>
-              <a:rPr lang="en-US" dirty="0" smtClean="0"/>
-              <a:t> : </a:t>
-            </a:r>
+              <a:rPr lang="en-US" sz="2800" dirty="0" smtClean="0"/>
+              <a:t>: </a:t>
+            </a:r>
+            <a:endParaRPr lang="en-US" sz="2800" dirty="0" smtClean="0"/>
           </a:p>
           <a:p>
             <a:pPr algn="l"/>
@@ -5613,36 +6816,6 @@
       <p:pic>
         <p:nvPicPr>
           <p:cNvPr id="7" name="Picture 6"/>
-          <p:cNvPicPr>
-            <a:picLocks noChangeAspect="1"/>
-          </p:cNvPicPr>
-          <p:nvPr/>
-        </p:nvPicPr>
-        <p:blipFill>
-          <a:blip r:embed="rId2">
-            <a:extLst>
-              <a:ext uri="{28A0092B-C50C-407E-A947-70E740481C1C}">
-                <a14:useLocalDpi xmlns:a14="http://schemas.microsoft.com/office/drawing/2010/main" val="0"/>
-              </a:ext>
-            </a:extLst>
-          </a:blip>
-          <a:stretch>
-            <a:fillRect/>
-          </a:stretch>
-        </p:blipFill>
-        <p:spPr>
-          <a:xfrm>
-            <a:off x="3922631" y="1696667"/>
-            <a:ext cx="6981929" cy="2573495"/>
-          </a:xfrm>
-          <a:prstGeom prst="rect">
-            <a:avLst/>
-          </a:prstGeom>
-        </p:spPr>
-      </p:pic>
-      <p:pic>
-        <p:nvPicPr>
-          <p:cNvPr id="8" name="Picture 7"/>
           <p:cNvPicPr>
             <a:picLocks noChangeAspect="1"/>
           </p:cNvPicPr>
@@ -5662,7 +6835,37 @@
         </p:blipFill>
         <p:spPr>
           <a:xfrm>
-            <a:off x="3922632" y="4374849"/>
+            <a:off x="3273100" y="1801353"/>
+            <a:ext cx="6981929" cy="2573495"/>
+          </a:xfrm>
+          <a:prstGeom prst="rect">
+            <a:avLst/>
+          </a:prstGeom>
+        </p:spPr>
+      </p:pic>
+      <p:pic>
+        <p:nvPicPr>
+          <p:cNvPr id="8" name="Picture 7"/>
+          <p:cNvPicPr>
+            <a:picLocks noChangeAspect="1"/>
+          </p:cNvPicPr>
+          <p:nvPr/>
+        </p:nvPicPr>
+        <p:blipFill>
+          <a:blip r:embed="rId4">
+            <a:extLst>
+              <a:ext uri="{28A0092B-C50C-407E-A947-70E740481C1C}">
+                <a14:useLocalDpi xmlns:a14="http://schemas.microsoft.com/office/drawing/2010/main" val="0"/>
+              </a:ext>
+            </a:extLst>
+          </a:blip>
+          <a:stretch>
+            <a:fillRect/>
+          </a:stretch>
+        </p:blipFill>
+        <p:spPr>
+          <a:xfrm>
+            <a:off x="3273100" y="4440595"/>
             <a:ext cx="7077464" cy="2235162"/>
           </a:xfrm>
           <a:prstGeom prst="rect">
@@ -5670,6 +6873,56 @@
           </a:prstGeom>
         </p:spPr>
       </p:pic>
+      <p:sp>
+        <p:nvSpPr>
+          <p:cNvPr id="6" name="Title 1"/>
+          <p:cNvSpPr txBox="1">
+            <a:spLocks/>
+          </p:cNvSpPr>
+          <p:nvPr/>
+        </p:nvSpPr>
+        <p:spPr>
+          <a:xfrm>
+            <a:off x="838200" y="0"/>
+            <a:ext cx="10515600" cy="1325563"/>
+          </a:xfrm>
+          <a:prstGeom prst="rect">
+            <a:avLst/>
+          </a:prstGeom>
+        </p:spPr>
+        <p:txBody>
+          <a:bodyPr vert="horz" lIns="91440" tIns="45720" rIns="91440" bIns="45720" rtlCol="0" anchor="b">
+            <a:normAutofit/>
+          </a:bodyPr>
+          <a:lstStyle>
+            <a:lvl1pPr algn="ctr" defTabSz="914400" rtl="0" eaLnBrk="1" latinLnBrk="0" hangingPunct="1">
+              <a:lnSpc>
+                <a:spcPct val="90000"/>
+              </a:lnSpc>
+              <a:spcBef>
+                <a:spcPct val="0"/>
+              </a:spcBef>
+              <a:buNone/>
+              <a:defRPr sz="6000" kern="1200">
+                <a:solidFill>
+                  <a:schemeClr val="tx1"/>
+                </a:solidFill>
+                <a:latin typeface="+mj-lt"/>
+                <a:ea typeface="+mj-ea"/>
+                <a:cs typeface="+mj-cs"/>
+              </a:defRPr>
+            </a:lvl1pPr>
+          </a:lstStyle>
+          <a:p>
+            <a:pPr algn="l"/>
+            <a:r>
+              <a:rPr lang="en-US" sz="4400" dirty="0" smtClean="0"/>
+              <a:t>Loading SCSS</a:t>
+            </a:r>
+            <a:endParaRPr lang="en-US" sz="4400" dirty="0"/>
+          </a:p>
+        </p:txBody>
+      </p:sp>
     </p:spTree>
     <p:extLst>
       <p:ext uri="{BB962C8B-B14F-4D97-AF65-F5344CB8AC3E}">
@@ -5717,7 +6970,7 @@
         </p:nvSpPr>
         <p:spPr>
           <a:xfrm>
-            <a:off x="838199" y="365125"/>
+            <a:off x="838199" y="190221"/>
             <a:ext cx="11016227" cy="1325563"/>
           </a:xfrm>
           <a:prstGeom prst="rect">
@@ -5750,10 +7003,10 @@
           <a:p>
             <a:pPr algn="l"/>
             <a:r>
-              <a:rPr lang="en-US" dirty="0" smtClean="0"/>
+              <a:rPr lang="en-US" sz="4400" dirty="0" smtClean="0"/>
               <a:t>Loading SCSS</a:t>
             </a:r>
-            <a:endParaRPr lang="vi-VN" dirty="0"/>
+            <a:endParaRPr lang="vi-VN" sz="4400" dirty="0"/>
           </a:p>
         </p:txBody>
       </p:sp>
@@ -5945,19 +7198,19 @@
           <a:p>
             <a:pPr algn="l"/>
             <a:r>
-              <a:rPr lang="en-US" dirty="0" err="1" smtClean="0"/>
+              <a:rPr lang="en-US" sz="2800" dirty="0" err="1" smtClean="0"/>
               <a:t>Khai</a:t>
             </a:r>
             <a:r>
-              <a:rPr lang="en-US" dirty="0" smtClean="0"/>
-              <a:t> </a:t>
-            </a:r>
-            <a:r>
-              <a:rPr lang="en-US" dirty="0" err="1" smtClean="0"/>
+              <a:rPr lang="en-US" sz="2800" dirty="0" smtClean="0"/>
+              <a:t> </a:t>
+            </a:r>
+            <a:r>
+              <a:rPr lang="en-US" sz="2800" dirty="0" err="1" smtClean="0"/>
               <a:t>báo</a:t>
             </a:r>
             <a:r>
-              <a:rPr lang="en-US" dirty="0" smtClean="0"/>
+              <a:rPr lang="en-US" sz="2800" dirty="0" smtClean="0"/>
               <a:t> : </a:t>
             </a:r>
           </a:p>
@@ -5974,24 +7227,28 @@
           </a:p>
           <a:p>
             <a:pPr algn="l"/>
-            <a:endParaRPr lang="en-US" dirty="0" smtClean="0"/>
+            <a:endParaRPr lang="en-US" sz="2800" dirty="0" smtClean="0"/>
           </a:p>
           <a:p>
             <a:pPr algn="l"/>
-            <a:r>
-              <a:rPr lang="en-US" dirty="0" err="1" smtClean="0"/>
+            <a:endParaRPr lang="en-US" sz="2800" dirty="0" smtClean="0"/>
+          </a:p>
+          <a:p>
+            <a:pPr algn="l"/>
+            <a:r>
+              <a:rPr lang="en-US" sz="2800" dirty="0" err="1" smtClean="0"/>
               <a:t>Chạy</a:t>
             </a:r>
             <a:r>
-              <a:rPr lang="en-US" dirty="0" smtClean="0"/>
-              <a:t> </a:t>
-            </a:r>
-            <a:r>
-              <a:rPr lang="en-US" dirty="0" err="1" smtClean="0"/>
+              <a:rPr lang="en-US" sz="2800" dirty="0" smtClean="0"/>
+              <a:t> </a:t>
+            </a:r>
+            <a:r>
+              <a:rPr lang="en-US" sz="2800" dirty="0" err="1" smtClean="0"/>
               <a:t>lệnh</a:t>
             </a:r>
             <a:r>
-              <a:rPr lang="en-US" dirty="0" smtClean="0"/>
+              <a:rPr lang="en-US" sz="2800" dirty="0" smtClean="0"/>
               <a:t> :</a:t>
             </a:r>
           </a:p>
@@ -6002,112 +7259,6 @@
           <a:p>
             <a:pPr algn="l"/>
             <a:endParaRPr lang="en-US" dirty="0" smtClean="0"/>
-          </a:p>
-          <a:p>
-            <a:pPr algn="l"/>
-            <a:r>
-              <a:rPr lang="en-US" dirty="0" smtClean="0"/>
-              <a:t>Ta </a:t>
-            </a:r>
-            <a:r>
-              <a:rPr lang="en-US" dirty="0" err="1" smtClean="0"/>
-              <a:t>sẽ</a:t>
-            </a:r>
-            <a:r>
-              <a:rPr lang="en-US" dirty="0" smtClean="0"/>
-              <a:t> </a:t>
-            </a:r>
-            <a:r>
-              <a:rPr lang="en-US" dirty="0" err="1" smtClean="0"/>
-              <a:t>có</a:t>
-            </a:r>
-            <a:r>
-              <a:rPr lang="en-US" dirty="0" smtClean="0"/>
-              <a:t> file </a:t>
-            </a:r>
-            <a:r>
-              <a:rPr lang="en-US" dirty="0" err="1" smtClean="0"/>
-              <a:t>như</a:t>
-            </a:r>
-            <a:r>
-              <a:rPr lang="en-US" dirty="0" smtClean="0"/>
-              <a:t> </a:t>
-            </a:r>
-            <a:r>
-              <a:rPr lang="en-US" dirty="0" err="1" smtClean="0"/>
-              <a:t>sau</a:t>
-            </a:r>
-            <a:r>
-              <a:rPr lang="en-US" dirty="0" smtClean="0"/>
-              <a:t> : </a:t>
-            </a:r>
-          </a:p>
-          <a:p>
-            <a:pPr algn="l"/>
-            <a:r>
-              <a:rPr lang="en-US" dirty="0" err="1" smtClean="0"/>
-              <a:t>khi</a:t>
-            </a:r>
-            <a:r>
-              <a:rPr lang="en-US" dirty="0" smtClean="0"/>
-              <a:t> ta </a:t>
-            </a:r>
-            <a:r>
-              <a:rPr lang="en-US" dirty="0" err="1" smtClean="0"/>
-              <a:t>sử</a:t>
-            </a:r>
-            <a:r>
-              <a:rPr lang="en-US" dirty="0" smtClean="0"/>
-              <a:t> </a:t>
-            </a:r>
-            <a:r>
-              <a:rPr lang="en-US" dirty="0" err="1" smtClean="0"/>
-              <a:t>dụng</a:t>
-            </a:r>
-            <a:r>
-              <a:rPr lang="en-US" dirty="0" smtClean="0"/>
-              <a:t> Extract text </a:t>
-            </a:r>
-            <a:r>
-              <a:rPr lang="en-US" dirty="0" err="1" smtClean="0"/>
-              <a:t>webpack</a:t>
-            </a:r>
-            <a:r>
-              <a:rPr lang="en-US" dirty="0" smtClean="0"/>
-              <a:t> plugin (</a:t>
-            </a:r>
-            <a:r>
-              <a:rPr lang="en-US" dirty="0" err="1" smtClean="0"/>
-              <a:t>sẽ</a:t>
-            </a:r>
-            <a:r>
-              <a:rPr lang="en-US" dirty="0" smtClean="0"/>
-              <a:t> </a:t>
-            </a:r>
-            <a:r>
-              <a:rPr lang="en-US" dirty="0" err="1" smtClean="0"/>
-              <a:t>giới</a:t>
-            </a:r>
-            <a:r>
-              <a:rPr lang="en-US" dirty="0" smtClean="0"/>
-              <a:t> </a:t>
-            </a:r>
-            <a:r>
-              <a:rPr lang="en-US" dirty="0" err="1" smtClean="0"/>
-              <a:t>thiệu</a:t>
-            </a:r>
-            <a:r>
-              <a:rPr lang="en-US" dirty="0" smtClean="0"/>
-              <a:t> </a:t>
-            </a:r>
-            <a:r>
-              <a:rPr lang="en-US" dirty="0" err="1" smtClean="0"/>
-              <a:t>sau</a:t>
-            </a:r>
-            <a:r>
-              <a:rPr lang="en-US" dirty="0" smtClean="0"/>
-              <a:t>) </a:t>
-            </a:r>
           </a:p>
           <a:p>
             <a:pPr algn="l"/>
@@ -6124,7 +7275,7 @@
           <p:nvPr/>
         </p:nvPicPr>
         <p:blipFill>
-          <a:blip r:embed="rId2">
+          <a:blip r:embed="rId3">
             <a:extLst>
               <a:ext uri="{28A0092B-C50C-407E-A947-70E740481C1C}">
                 <a14:useLocalDpi xmlns:a14="http://schemas.microsoft.com/office/drawing/2010/main" val="0"/>
@@ -6137,8 +7288,8 @@
         </p:blipFill>
         <p:spPr>
           <a:xfrm>
-            <a:off x="2621384" y="1825625"/>
-            <a:ext cx="5963057" cy="1143160"/>
+            <a:off x="998626" y="2445306"/>
+            <a:ext cx="5405016" cy="1036180"/>
           </a:xfrm>
           <a:prstGeom prst="rect">
             <a:avLst/>
@@ -6154,15 +7305,15 @@
           <p:nvPr/>
         </p:nvPicPr>
         <p:blipFill>
-          <a:blip r:embed="rId3"/>
+          <a:blip r:embed="rId4"/>
           <a:stretch>
             <a:fillRect/>
           </a:stretch>
         </p:blipFill>
         <p:spPr>
           <a:xfrm>
-            <a:off x="2621384" y="3593887"/>
-            <a:ext cx="2800350" cy="676275"/>
+            <a:off x="998626" y="4913628"/>
+            <a:ext cx="2509416" cy="606015"/>
           </a:xfrm>
           <a:prstGeom prst="rect">
             <a:avLst/>
@@ -6178,7 +7329,7 @@
           <p:nvPr/>
         </p:nvPicPr>
         <p:blipFill>
-          <a:blip r:embed="rId4">
+          <a:blip r:embed="rId5">
             <a:extLst>
               <a:ext uri="{28A0092B-C50C-407E-A947-70E740481C1C}">
                 <a14:useLocalDpi xmlns:a14="http://schemas.microsoft.com/office/drawing/2010/main" val="0"/>
@@ -6191,8 +7342,8 @@
         </p:blipFill>
         <p:spPr>
           <a:xfrm>
-            <a:off x="8707297" y="2388359"/>
-            <a:ext cx="3147130" cy="4131030"/>
+            <a:off x="7512432" y="1784978"/>
+            <a:ext cx="3347863" cy="4394518"/>
           </a:xfrm>
           <a:prstGeom prst="rect">
             <a:avLst/>
@@ -6257,10 +7408,10 @@
           <a:lstStyle/>
           <a:p>
             <a:r>
-              <a:rPr lang="en-US" dirty="0" smtClean="0"/>
+              <a:rPr lang="en-US" b="1" dirty="0" smtClean="0"/>
               <a:t>PLUGGING</a:t>
             </a:r>
-            <a:endParaRPr lang="vi-VN" dirty="0"/>
+            <a:endParaRPr lang="vi-VN" b="1" dirty="0"/>
           </a:p>
         </p:txBody>
       </p:sp>
@@ -6284,45 +7435,14 @@
           <a:bodyPr/>
           <a:lstStyle/>
           <a:p>
-            <a:r>
-              <a:rPr lang="en-US" dirty="0" smtClean="0"/>
-              <a:t>PLUGGIN hay </a:t>
-            </a:r>
-            <a:r>
-              <a:rPr lang="en-US" dirty="0" err="1" smtClean="0"/>
-              <a:t>nói</a:t>
-            </a:r>
-            <a:r>
-              <a:rPr lang="en-US" dirty="0" smtClean="0"/>
-              <a:t> </a:t>
-            </a:r>
-            <a:r>
-              <a:rPr lang="en-US" dirty="0" err="1" smtClean="0"/>
-              <a:t>cách</a:t>
-            </a:r>
-            <a:r>
-              <a:rPr lang="en-US" dirty="0" smtClean="0"/>
-              <a:t> </a:t>
-            </a:r>
-            <a:r>
-              <a:rPr lang="en-US" dirty="0" err="1" smtClean="0"/>
-              <a:t>khác</a:t>
-            </a:r>
-            <a:r>
-              <a:rPr lang="en-US" dirty="0" smtClean="0"/>
-              <a:t> </a:t>
-            </a:r>
-            <a:r>
-              <a:rPr lang="en-US" dirty="0" err="1" smtClean="0"/>
-              <a:t>là</a:t>
-            </a:r>
-            <a:r>
-              <a:rPr lang="en-US" dirty="0" smtClean="0"/>
-              <a:t> 1 </a:t>
-            </a:r>
-            <a:r>
-              <a:rPr lang="en-US" dirty="0" err="1" smtClean="0"/>
-              <a:t>phần</a:t>
+            <a:pPr>
+              <a:lnSpc>
+                <a:spcPct val="150000"/>
+              </a:lnSpc>
+            </a:pPr>
+            <a:r>
+              <a:rPr lang="en-US" dirty="0" err="1" smtClean="0"/>
+              <a:t>Phần</a:t>
             </a:r>
             <a:r>
               <a:rPr lang="en-US" dirty="0" smtClean="0"/>
@@ -6402,46 +7522,11 @@
             </a:r>
           </a:p>
           <a:p>
-            <a:r>
-              <a:rPr lang="en-US" dirty="0" err="1" smtClean="0"/>
-              <a:t>Nó</a:t>
-            </a:r>
-            <a:r>
-              <a:rPr lang="en-US" dirty="0" smtClean="0"/>
-              <a:t> </a:t>
-            </a:r>
-            <a:r>
-              <a:rPr lang="en-US" dirty="0" err="1" smtClean="0"/>
-              <a:t>có</a:t>
-            </a:r>
-            <a:r>
-              <a:rPr lang="en-US" dirty="0" smtClean="0"/>
-              <a:t> </a:t>
-            </a:r>
-            <a:r>
-              <a:rPr lang="en-US" dirty="0" err="1" smtClean="0"/>
-              <a:t>chức</a:t>
-            </a:r>
-            <a:r>
-              <a:rPr lang="en-US" dirty="0" smtClean="0"/>
-              <a:t> </a:t>
-            </a:r>
-            <a:r>
-              <a:rPr lang="en-US" dirty="0" err="1" smtClean="0"/>
-              <a:t>năng</a:t>
-            </a:r>
-            <a:r>
-              <a:rPr lang="en-US" dirty="0" smtClean="0"/>
-              <a:t> </a:t>
-            </a:r>
-            <a:r>
-              <a:rPr lang="en-US" dirty="0" err="1" smtClean="0"/>
-              <a:t>gì</a:t>
-            </a:r>
-            <a:r>
-              <a:rPr lang="en-US" dirty="0" smtClean="0"/>
-              <a:t> ? </a:t>
-            </a:r>
+            <a:pPr>
+              <a:lnSpc>
+                <a:spcPct val="100000"/>
+              </a:lnSpc>
+            </a:pPr>
             <a:r>
               <a:rPr lang="en-US" dirty="0" err="1" smtClean="0"/>
               <a:t>Hỗ</a:t>
@@ -6560,7 +7645,7 @@
             </a:r>
             <a:r>
               <a:rPr lang="en-US" dirty="0" smtClean="0"/>
-              <a:t> 1 </a:t>
+              <a:t> </a:t>
             </a:r>
             <a:r>
               <a:rPr lang="en-US" dirty="0" err="1" smtClean="0"/>
@@ -6584,53 +7669,23 @@
             </a:r>
             <a:r>
               <a:rPr lang="en-US" dirty="0" smtClean="0"/>
-              <a:t> (</a:t>
-            </a:r>
-            <a:r>
-              <a:rPr lang="en-US" dirty="0" err="1" smtClean="0"/>
-              <a:t>tựa</a:t>
-            </a:r>
-            <a:r>
-              <a:rPr lang="en-US" dirty="0" smtClean="0"/>
-              <a:t> </a:t>
-            </a:r>
-            <a:r>
-              <a:rPr lang="en-US" dirty="0" err="1" smtClean="0"/>
-              <a:t>như</a:t>
-            </a:r>
-            <a:r>
-              <a:rPr lang="en-US" dirty="0" smtClean="0"/>
-              <a:t> Template layout </a:t>
-            </a:r>
-            <a:r>
-              <a:rPr lang="en-US" dirty="0" err="1" smtClean="0"/>
-              <a:t>trong</a:t>
-            </a:r>
-            <a:r>
-              <a:rPr lang="en-US" dirty="0" smtClean="0"/>
-              <a:t> express handlebars)</a:t>
-            </a:r>
-          </a:p>
-          <a:p>
-            <a:r>
-              <a:rPr lang="en-US" dirty="0" err="1" smtClean="0"/>
-              <a:t>Giới</a:t>
-            </a:r>
-            <a:r>
-              <a:rPr lang="en-US" dirty="0" smtClean="0"/>
-              <a:t> </a:t>
-            </a:r>
-            <a:r>
-              <a:rPr lang="en-US" dirty="0" err="1" smtClean="0"/>
-              <a:t>thiệu</a:t>
-            </a:r>
-            <a:r>
-              <a:rPr lang="en-US" dirty="0" smtClean="0"/>
-              <a:t> </a:t>
-            </a:r>
-            <a:r>
-              <a:rPr lang="en-US" dirty="0" err="1" smtClean="0"/>
-              <a:t>một</a:t>
+              <a:t> </a:t>
+            </a:r>
+            <a:endParaRPr lang="en-US" dirty="0"/>
+          </a:p>
+          <a:p>
+            <a:pPr>
+              <a:lnSpc>
+                <a:spcPct val="150000"/>
+              </a:lnSpc>
+            </a:pPr>
+            <a:r>
+              <a:rPr lang="en-US" dirty="0" err="1"/>
+              <a:t>M</a:t>
+            </a:r>
+            <a:r>
+              <a:rPr lang="en-US" dirty="0" err="1" smtClean="0"/>
+              <a:t>ột</a:t>
             </a:r>
             <a:r>
               <a:rPr lang="en-US" dirty="0" smtClean="0"/>
@@ -6662,7 +7717,11 @@
             </a:r>
           </a:p>
           <a:p>
-            <a:pPr lvl="1"/>
+            <a:pPr lvl="1">
+              <a:lnSpc>
+                <a:spcPct val="150000"/>
+              </a:lnSpc>
+            </a:pPr>
             <a:r>
               <a:rPr lang="en-US" dirty="0" smtClean="0"/>
               <a:t>HTML </a:t>
@@ -6673,35 +7732,15 @@
             </a:r>
             <a:r>
               <a:rPr lang="en-US" dirty="0" smtClean="0"/>
-              <a:t> plugin (</a:t>
-            </a:r>
-            <a:r>
-              <a:rPr lang="en-US" dirty="0" err="1" smtClean="0"/>
-              <a:t>npm</a:t>
-            </a:r>
-            <a:r>
-              <a:rPr lang="en-US" dirty="0" smtClean="0"/>
-              <a:t> install –save-</a:t>
-            </a:r>
-            <a:r>
-              <a:rPr lang="en-US" dirty="0" err="1" smtClean="0"/>
-              <a:t>dev</a:t>
-            </a:r>
-            <a:r>
-              <a:rPr lang="en-US" dirty="0" smtClean="0"/>
-              <a:t> html-</a:t>
-            </a:r>
-            <a:r>
-              <a:rPr lang="en-US" dirty="0" err="1" smtClean="0"/>
-              <a:t>webpack</a:t>
-            </a:r>
-            <a:r>
-              <a:rPr lang="en-US" dirty="0" smtClean="0"/>
-              <a:t>-plugin)</a:t>
-            </a:r>
-          </a:p>
-          <a:p>
-            <a:pPr lvl="1"/>
+              <a:t> plugin </a:t>
+            </a:r>
+          </a:p>
+          <a:p>
+            <a:pPr lvl="1">
+              <a:lnSpc>
+                <a:spcPct val="150000"/>
+              </a:lnSpc>
+            </a:pPr>
             <a:r>
               <a:rPr lang="en-US" dirty="0" smtClean="0"/>
               <a:t>Extract text </a:t>
@@ -6712,35 +7751,7 @@
             </a:r>
             <a:r>
               <a:rPr lang="en-US" dirty="0" smtClean="0"/>
-              <a:t> plugin (</a:t>
-            </a:r>
-            <a:r>
-              <a:rPr lang="en-US" dirty="0" err="1" smtClean="0"/>
-              <a:t>npm</a:t>
-            </a:r>
-            <a:r>
-              <a:rPr lang="en-US" dirty="0" smtClean="0"/>
-              <a:t> install –save-</a:t>
-            </a:r>
-            <a:r>
-              <a:rPr lang="en-US" dirty="0" err="1" smtClean="0"/>
-              <a:t>dev</a:t>
-            </a:r>
-            <a:r>
-              <a:rPr lang="en-US" dirty="0" smtClean="0"/>
-              <a:t> Extract-text-</a:t>
-            </a:r>
-            <a:r>
-              <a:rPr lang="en-US" dirty="0" err="1" smtClean="0"/>
-              <a:t>webpack</a:t>
-            </a:r>
-            <a:r>
-              <a:rPr lang="en-US" dirty="0"/>
-              <a:t>=</a:t>
-            </a:r>
-            <a:r>
-              <a:rPr lang="en-US" dirty="0" smtClean="0"/>
-              <a:t>plugin)</a:t>
+              <a:t> plugin </a:t>
             </a:r>
             <a:endParaRPr lang="en-US" dirty="0"/>
           </a:p>
@@ -6750,6 +7761,54 @@
           </a:p>
         </p:txBody>
       </p:sp>
+      <p:pic>
+        <p:nvPicPr>
+          <p:cNvPr id="4" name="Picture 3"/>
+          <p:cNvPicPr>
+            <a:picLocks noChangeAspect="1"/>
+          </p:cNvPicPr>
+          <p:nvPr/>
+        </p:nvPicPr>
+        <p:blipFill>
+          <a:blip r:embed="rId3"/>
+          <a:stretch>
+            <a:fillRect/>
+          </a:stretch>
+        </p:blipFill>
+        <p:spPr>
+          <a:xfrm>
+            <a:off x="4695824" y="4402668"/>
+            <a:ext cx="5685954" cy="423862"/>
+          </a:xfrm>
+          <a:prstGeom prst="rect">
+            <a:avLst/>
+          </a:prstGeom>
+        </p:spPr>
+      </p:pic>
+      <p:pic>
+        <p:nvPicPr>
+          <p:cNvPr id="6" name="Picture 5"/>
+          <p:cNvPicPr>
+            <a:picLocks noChangeAspect="1"/>
+          </p:cNvPicPr>
+          <p:nvPr/>
+        </p:nvPicPr>
+        <p:blipFill>
+          <a:blip r:embed="rId4"/>
+          <a:stretch>
+            <a:fillRect/>
+          </a:stretch>
+        </p:blipFill>
+        <p:spPr>
+          <a:xfrm>
+            <a:off x="4976814" y="5096933"/>
+            <a:ext cx="6451316" cy="436034"/>
+          </a:xfrm>
+          <a:prstGeom prst="rect">
+            <a:avLst/>
+          </a:prstGeom>
+        </p:spPr>
+      </p:pic>
     </p:spTree>
     <p:extLst>
       <p:ext uri="{BB962C8B-B14F-4D97-AF65-F5344CB8AC3E}">
@@ -6805,33 +7864,34 @@
         </p:spPr>
         <p:txBody>
           <a:bodyPr>
-            <a:normAutofit fontScale="90000"/>
+            <a:normAutofit/>
           </a:bodyPr>
           <a:lstStyle/>
           <a:p>
             <a:pPr algn="l"/>
-            <a:r>
-              <a:rPr lang="en-US" sz="4400" dirty="0" smtClean="0"/>
-              <a:t>PLUGGING</a:t>
-            </a:r>
-            <a:br>
-              <a:rPr lang="en-US" sz="4400" dirty="0" smtClean="0"/>
-            </a:br>
-            <a:r>
-              <a:rPr lang="en-US" sz="4400" dirty="0"/>
-              <a:t>	</a:t>
-            </a:r>
             <a:r>
               <a:rPr lang="en-US" sz="4400" dirty="0" smtClean="0"/>
               <a:t>HTML </a:t>
             </a:r>
             <a:r>
               <a:rPr lang="en-US" sz="4400" dirty="0" err="1" smtClean="0"/>
-              <a:t>webpack</a:t>
+              <a:t>W</a:t>
+            </a:r>
+            <a:r>
+              <a:rPr lang="en-US" sz="4400" dirty="0" err="1" smtClean="0"/>
+              <a:t>ebpack</a:t>
             </a:r>
             <a:r>
               <a:rPr lang="en-US" sz="4400" dirty="0" smtClean="0"/>
-              <a:t> plugin</a:t>
+              <a:t> </a:t>
+            </a:r>
+            <a:r>
+              <a:rPr lang="en-US" sz="4400" dirty="0" err="1" smtClean="0"/>
+              <a:t>P</a:t>
+            </a:r>
+            <a:r>
+              <a:rPr lang="en-US" sz="4400" dirty="0" err="1" smtClean="0"/>
+              <a:t>luggin</a:t>
             </a:r>
             <a:endParaRPr lang="en-US" sz="4400" dirty="0"/>
           </a:p>
@@ -6849,592 +7909,292 @@
         </p:nvSpPr>
         <p:spPr>
           <a:xfrm>
-            <a:off x="846161" y="1692322"/>
-            <a:ext cx="10849970" cy="5049672"/>
+            <a:off x="846161" y="1794934"/>
+            <a:ext cx="10849970" cy="4947060"/>
           </a:xfrm>
         </p:spPr>
         <p:txBody>
           <a:bodyPr/>
           <a:lstStyle/>
           <a:p>
-            <a:pPr algn="l"/>
-            <a:r>
-              <a:rPr lang="en-US" dirty="0" smtClean="0"/>
-              <a:t>HTML </a:t>
-            </a:r>
-            <a:r>
-              <a:rPr lang="en-US" dirty="0" err="1" smtClean="0"/>
+            <a:pPr marL="457200" indent="-457200" algn="l">
+              <a:buFont typeface="Arial" panose="020B0604020202020204" pitchFamily="34" charset="0"/>
+              <a:buChar char="•"/>
+            </a:pPr>
+            <a:r>
+              <a:rPr lang="en-US" sz="2800" dirty="0" err="1" smtClean="0"/>
+              <a:t>Tác</a:t>
+            </a:r>
+            <a:r>
+              <a:rPr lang="en-US" sz="2800" dirty="0" smtClean="0"/>
+              <a:t> </a:t>
+            </a:r>
+            <a:r>
+              <a:rPr lang="en-US" sz="2800" dirty="0" err="1" smtClean="0"/>
+              <a:t>dụng</a:t>
+            </a:r>
+            <a:r>
+              <a:rPr lang="en-US" sz="2800" dirty="0"/>
+              <a:t>:  </a:t>
+            </a:r>
+            <a:endParaRPr lang="en-US" sz="2800" dirty="0" smtClean="0"/>
+          </a:p>
+          <a:p>
+            <a:pPr marL="914400" lvl="1" indent="-457200" algn="l">
+              <a:buFont typeface="Wingdings" panose="05000000000000000000" pitchFamily="2" charset="2"/>
+              <a:buChar char="§"/>
+            </a:pPr>
+            <a:r>
+              <a:rPr lang="en-US" sz="2400" dirty="0"/>
+              <a:t>G</a:t>
+            </a:r>
+            <a:r>
+              <a:rPr lang="en-US" sz="2400" dirty="0" smtClean="0"/>
+              <a:t>enerate </a:t>
+            </a:r>
+            <a:r>
+              <a:rPr lang="en-US" sz="2400" dirty="0" err="1"/>
+              <a:t>ra</a:t>
+            </a:r>
+            <a:r>
+              <a:rPr lang="en-US" sz="2400" dirty="0"/>
+              <a:t> 1 file </a:t>
+            </a:r>
+            <a:r>
+              <a:rPr lang="en-US" sz="2400" dirty="0" err="1"/>
+              <a:t>trong</a:t>
+            </a:r>
+            <a:r>
+              <a:rPr lang="en-US" sz="2400" dirty="0"/>
+              <a:t> </a:t>
+            </a:r>
+            <a:r>
+              <a:rPr lang="en-US" sz="2400" dirty="0" err="1"/>
+              <a:t>bao</a:t>
+            </a:r>
+            <a:r>
+              <a:rPr lang="en-US" sz="2400" dirty="0"/>
+              <a:t> </a:t>
+            </a:r>
+            <a:r>
+              <a:rPr lang="en-US" sz="2400" dirty="0" err="1"/>
+              <a:t>gồm</a:t>
+            </a:r>
+            <a:r>
+              <a:rPr lang="en-US" sz="2400" dirty="0"/>
+              <a:t> </a:t>
+            </a:r>
+            <a:r>
+              <a:rPr lang="en-US" sz="2400" dirty="0" err="1"/>
+              <a:t>phần</a:t>
+            </a:r>
+            <a:r>
+              <a:rPr lang="en-US" sz="2400" dirty="0"/>
+              <a:t> </a:t>
+            </a:r>
+            <a:r>
+              <a:rPr lang="en-US" sz="2400" dirty="0" smtClean="0"/>
+              <a:t>layout</a:t>
+            </a:r>
+          </a:p>
+          <a:p>
+            <a:pPr marL="914400" lvl="1" indent="-457200" algn="l">
+              <a:buFont typeface="Wingdings" panose="05000000000000000000" pitchFamily="2" charset="2"/>
+              <a:buChar char="§"/>
+            </a:pPr>
+            <a:r>
+              <a:rPr lang="en-US" sz="2400" dirty="0" err="1" smtClean="0"/>
+              <a:t>Tích</a:t>
+            </a:r>
+            <a:r>
+              <a:rPr lang="en-US" sz="2400" dirty="0" smtClean="0"/>
+              <a:t> </a:t>
+            </a:r>
+            <a:r>
+              <a:rPr lang="en-US" sz="2400" dirty="0" err="1"/>
+              <a:t>hợp</a:t>
+            </a:r>
+            <a:r>
+              <a:rPr lang="en-US" sz="2400" dirty="0"/>
+              <a:t> </a:t>
+            </a:r>
+            <a:r>
+              <a:rPr lang="en-US" sz="2400" dirty="0" err="1"/>
+              <a:t>sẵn</a:t>
+            </a:r>
+            <a:r>
+              <a:rPr lang="en-US" sz="2400" dirty="0"/>
+              <a:t> </a:t>
+            </a:r>
+            <a:r>
+              <a:rPr lang="en-US" sz="2400" dirty="0" err="1"/>
+              <a:t>thêm</a:t>
+            </a:r>
+            <a:r>
+              <a:rPr lang="en-US" sz="2400" dirty="0"/>
+              <a:t> file </a:t>
+            </a:r>
+            <a:r>
+              <a:rPr lang="en-US" sz="2400" dirty="0" err="1"/>
+              <a:t>js</a:t>
+            </a:r>
+            <a:r>
+              <a:rPr lang="en-US" sz="2400" dirty="0"/>
+              <a:t> </a:t>
+            </a:r>
+            <a:r>
+              <a:rPr lang="en-US" sz="2400" dirty="0" err="1"/>
+              <a:t>mà</a:t>
+            </a:r>
+            <a:r>
+              <a:rPr lang="en-US" sz="2400" dirty="0"/>
+              <a:t> </a:t>
+            </a:r>
+            <a:r>
+              <a:rPr lang="en-US" sz="2400" dirty="0" err="1"/>
               <a:t>webpack</a:t>
             </a:r>
             <a:r>
-              <a:rPr lang="en-US" dirty="0" smtClean="0"/>
-              <a:t> plugin </a:t>
-            </a:r>
-            <a:r>
-              <a:rPr lang="en-US" dirty="0" err="1" smtClean="0"/>
-              <a:t>dùng</a:t>
-            </a:r>
-            <a:r>
-              <a:rPr lang="en-US" dirty="0" smtClean="0"/>
-              <a:t> </a:t>
-            </a:r>
-            <a:r>
-              <a:rPr lang="en-US" dirty="0" err="1" smtClean="0"/>
-              <a:t>để</a:t>
-            </a:r>
-            <a:r>
-              <a:rPr lang="en-US" dirty="0" smtClean="0"/>
-              <a:t> </a:t>
-            </a:r>
-            <a:r>
-              <a:rPr lang="en-US" dirty="0" err="1" smtClean="0"/>
-              <a:t>làm</a:t>
-            </a:r>
-            <a:r>
-              <a:rPr lang="en-US" dirty="0" smtClean="0"/>
-              <a:t> </a:t>
-            </a:r>
-            <a:r>
-              <a:rPr lang="en-US" dirty="0" err="1" smtClean="0"/>
-              <a:t>gì</a:t>
-            </a:r>
-            <a:r>
-              <a:rPr lang="en-US" dirty="0" smtClean="0"/>
-              <a:t> ?</a:t>
-            </a:r>
-          </a:p>
-          <a:p>
-            <a:pPr algn="l"/>
-            <a:r>
-              <a:rPr lang="en-US" dirty="0"/>
-              <a:t>	</a:t>
-            </a:r>
-            <a:r>
-              <a:rPr lang="en-US" dirty="0" err="1" smtClean="0"/>
-              <a:t>mục</a:t>
-            </a:r>
-            <a:r>
-              <a:rPr lang="en-US" dirty="0" smtClean="0"/>
-              <a:t> </a:t>
-            </a:r>
-            <a:r>
-              <a:rPr lang="en-US" dirty="0" err="1" smtClean="0"/>
-              <a:t>đích</a:t>
-            </a:r>
-            <a:r>
-              <a:rPr lang="en-US" dirty="0" smtClean="0"/>
-              <a:t> </a:t>
-            </a:r>
-            <a:r>
-              <a:rPr lang="en-US" dirty="0" err="1" smtClean="0"/>
-              <a:t>của</a:t>
-            </a:r>
-            <a:r>
-              <a:rPr lang="en-US" dirty="0" smtClean="0"/>
-              <a:t> module </a:t>
-            </a:r>
-            <a:r>
-              <a:rPr lang="en-US" dirty="0" err="1" smtClean="0"/>
-              <a:t>này</a:t>
-            </a:r>
-            <a:r>
-              <a:rPr lang="en-US" dirty="0" smtClean="0"/>
-              <a:t> </a:t>
-            </a:r>
-            <a:r>
-              <a:rPr lang="en-US" dirty="0" err="1" smtClean="0"/>
-              <a:t>dùng</a:t>
-            </a:r>
-            <a:r>
-              <a:rPr lang="en-US" dirty="0" smtClean="0"/>
-              <a:t> </a:t>
-            </a:r>
-            <a:r>
-              <a:rPr lang="en-US" dirty="0" err="1" smtClean="0"/>
-              <a:t>để</a:t>
-            </a:r>
-            <a:r>
-              <a:rPr lang="en-US" dirty="0" smtClean="0"/>
-              <a:t> generate </a:t>
-            </a:r>
-            <a:r>
-              <a:rPr lang="en-US" dirty="0" err="1" smtClean="0"/>
+              <a:rPr lang="en-US" sz="2400" dirty="0"/>
+              <a:t> </a:t>
+            </a:r>
+            <a:r>
+              <a:rPr lang="en-US" sz="2400" dirty="0" err="1"/>
+              <a:t>tạo</a:t>
+            </a:r>
+            <a:r>
+              <a:rPr lang="en-US" sz="2400" dirty="0"/>
+              <a:t> </a:t>
+            </a:r>
+            <a:r>
+              <a:rPr lang="en-US" sz="2400" dirty="0" err="1"/>
               <a:t>ra</a:t>
             </a:r>
             <a:r>
-              <a:rPr lang="en-US" dirty="0" smtClean="0"/>
-              <a:t> 1 file </a:t>
-            </a:r>
-            <a:r>
-              <a:rPr lang="en-US" dirty="0" err="1" smtClean="0"/>
-              <a:t>cuối</a:t>
-            </a:r>
-            <a:r>
-              <a:rPr lang="en-US" dirty="0" smtClean="0"/>
-              <a:t> </a:t>
-            </a:r>
-            <a:r>
-              <a:rPr lang="en-US" dirty="0" err="1" smtClean="0"/>
-              <a:t>của</a:t>
-            </a:r>
-            <a:r>
-              <a:rPr lang="en-US" dirty="0" smtClean="0"/>
-              <a:t> </a:t>
-            </a:r>
-            <a:r>
-              <a:rPr lang="en-US" dirty="0" err="1" smtClean="0"/>
-              <a:t>bạn</a:t>
-            </a:r>
-            <a:r>
-              <a:rPr lang="en-US" dirty="0" smtClean="0"/>
-              <a:t> </a:t>
-            </a:r>
-            <a:r>
-              <a:rPr lang="en-US" dirty="0" err="1" smtClean="0"/>
-              <a:t>mà</a:t>
-            </a:r>
-            <a:r>
-              <a:rPr lang="en-US" dirty="0" smtClean="0"/>
-              <a:t> file </a:t>
-            </a:r>
-            <a:r>
-              <a:rPr lang="en-US" dirty="0" err="1" smtClean="0"/>
-              <a:t>đó</a:t>
-            </a:r>
-            <a:r>
-              <a:rPr lang="en-US" dirty="0" smtClean="0"/>
-              <a:t> </a:t>
-            </a:r>
-            <a:r>
-              <a:rPr lang="en-US" dirty="0" err="1" smtClean="0"/>
-              <a:t>được</a:t>
-            </a:r>
-            <a:r>
-              <a:rPr lang="en-US" dirty="0" smtClean="0"/>
-              <a:t> </a:t>
-            </a:r>
-            <a:r>
-              <a:rPr lang="en-US" dirty="0" err="1" smtClean="0"/>
-              <a:t>xác</a:t>
-            </a:r>
-            <a:r>
-              <a:rPr lang="en-US" dirty="0" smtClean="0"/>
-              <a:t> </a:t>
-            </a:r>
-            <a:r>
-              <a:rPr lang="en-US" dirty="0" err="1" smtClean="0"/>
+              <a:rPr lang="en-US" sz="2400" dirty="0"/>
+              <a:t> </a:t>
+            </a:r>
+            <a:endParaRPr lang="en-US" sz="2400" dirty="0" smtClean="0"/>
+          </a:p>
+          <a:p>
+            <a:pPr marL="914400" lvl="1" indent="-457200" algn="l">
+              <a:buFont typeface="Wingdings" panose="05000000000000000000" pitchFamily="2" charset="2"/>
+              <a:buChar char="§"/>
+            </a:pPr>
+            <a:r>
+              <a:rPr lang="en-US" sz="2400" dirty="0" err="1" smtClean="0"/>
+              <a:t>Tỗ</a:t>
+            </a:r>
+            <a:r>
+              <a:rPr lang="en-US" sz="2400" dirty="0" smtClean="0"/>
+              <a:t> </a:t>
+            </a:r>
+            <a:r>
+              <a:rPr lang="en-US" sz="2400" dirty="0" err="1"/>
+              <a:t>trợ</a:t>
+            </a:r>
+            <a:r>
+              <a:rPr lang="en-US" sz="2400" dirty="0"/>
+              <a:t> </a:t>
+            </a:r>
+            <a:r>
+              <a:rPr lang="en-US" sz="2400" dirty="0" err="1"/>
+              <a:t>việc</a:t>
+            </a:r>
+            <a:r>
+              <a:rPr lang="en-US" sz="2400" dirty="0"/>
+              <a:t> </a:t>
+            </a:r>
+            <a:r>
+              <a:rPr lang="en-US" sz="2400" dirty="0" err="1"/>
+              <a:t>truyền</a:t>
+            </a:r>
+            <a:r>
+              <a:rPr lang="en-US" sz="2400" dirty="0"/>
+              <a:t> qua </a:t>
+            </a:r>
+            <a:r>
+              <a:rPr lang="en-US" sz="2400" dirty="0" err="1"/>
+              <a:t>lại</a:t>
+            </a:r>
+            <a:r>
+              <a:rPr lang="en-US" sz="2400" dirty="0"/>
+              <a:t> </a:t>
+            </a:r>
+            <a:r>
+              <a:rPr lang="en-US" sz="2400" dirty="0" err="1"/>
+              <a:t>theo</a:t>
+            </a:r>
+            <a:r>
+              <a:rPr lang="en-US" sz="2400" dirty="0"/>
+              <a:t> </a:t>
+            </a:r>
+            <a:r>
+              <a:rPr lang="en-US" sz="2400" dirty="0" err="1"/>
               <a:t>định</a:t>
             </a:r>
             <a:r>
-              <a:rPr lang="en-US" dirty="0" smtClean="0"/>
-              <a:t> </a:t>
-            </a:r>
-            <a:r>
-              <a:rPr lang="en-US" dirty="0" err="1" smtClean="0"/>
-              <a:t>bằng</a:t>
-            </a:r>
-            <a:r>
-              <a:rPr lang="en-US" dirty="0" smtClean="0"/>
-              <a:t> </a:t>
-            </a:r>
-            <a:r>
-              <a:rPr lang="en-US" dirty="0" err="1" smtClean="0"/>
-              <a:t>cách</a:t>
-            </a:r>
-            <a:r>
-              <a:rPr lang="en-US" dirty="0" smtClean="0"/>
-              <a:t> </a:t>
-            </a:r>
-            <a:r>
-              <a:rPr lang="en-US" dirty="0" err="1" smtClean="0"/>
-              <a:t>cài</a:t>
-            </a:r>
-            <a:r>
-              <a:rPr lang="en-US" dirty="0" smtClean="0"/>
-              <a:t> </a:t>
-            </a:r>
-            <a:r>
-              <a:rPr lang="en-US" dirty="0" err="1" smtClean="0"/>
+              <a:rPr lang="en-US" sz="2400" dirty="0"/>
+              <a:t> </a:t>
+            </a:r>
+            <a:r>
+              <a:rPr lang="en-US" sz="2400" dirty="0" err="1"/>
+              <a:t>dạng</a:t>
+            </a:r>
+            <a:r>
+              <a:rPr lang="en-US" sz="2400" dirty="0"/>
+              <a:t> </a:t>
+            </a:r>
+            <a:r>
+              <a:rPr lang="en-US" sz="2400" dirty="0" err="1"/>
+              <a:t>cú</a:t>
+            </a:r>
+            <a:r>
+              <a:rPr lang="en-US" sz="2400" dirty="0"/>
+              <a:t> </a:t>
+            </a:r>
+            <a:r>
+              <a:rPr lang="en-US" sz="2400" dirty="0" err="1"/>
+              <a:t>pháp</a:t>
+            </a:r>
+            <a:r>
+              <a:rPr lang="en-US" sz="2400" dirty="0"/>
+              <a:t> (EJS</a:t>
+            </a:r>
+            <a:r>
+              <a:rPr lang="en-US" sz="2400" dirty="0" smtClean="0"/>
+              <a:t>)</a:t>
+            </a:r>
+          </a:p>
+          <a:p>
+            <a:pPr marL="914400" lvl="1" indent="-457200" algn="l">
+              <a:buFont typeface="Wingdings" panose="05000000000000000000" pitchFamily="2" charset="2"/>
+              <a:buChar char="§"/>
+            </a:pPr>
+            <a:endParaRPr lang="en-US" sz="2400" dirty="0"/>
+          </a:p>
+          <a:p>
+            <a:pPr marL="457200" indent="-457200" algn="l">
+              <a:buFont typeface="Arial" panose="020B0604020202020204" pitchFamily="34" charset="0"/>
+              <a:buChar char="•"/>
+            </a:pPr>
+            <a:r>
+              <a:rPr lang="en-US" sz="2800" dirty="0" err="1" smtClean="0"/>
+              <a:t>Cài</a:t>
+            </a:r>
+            <a:r>
+              <a:rPr lang="en-US" sz="2800" dirty="0" smtClean="0"/>
+              <a:t> </a:t>
+            </a:r>
+            <a:r>
+              <a:rPr lang="en-US" sz="2800" dirty="0" err="1" smtClean="0"/>
               <a:t>đặt</a:t>
             </a:r>
             <a:r>
-              <a:rPr lang="en-US" dirty="0" smtClean="0"/>
-              <a:t> </a:t>
-            </a:r>
-            <a:r>
-              <a:rPr lang="en-US" dirty="0" err="1" smtClean="0"/>
-              <a:t>cấu</a:t>
-            </a:r>
-            <a:r>
-              <a:rPr lang="en-US" dirty="0" smtClean="0"/>
-              <a:t> </a:t>
-            </a:r>
-            <a:r>
-              <a:rPr lang="en-US" dirty="0" err="1" smtClean="0"/>
-              <a:t>hình</a:t>
-            </a:r>
-            <a:r>
-              <a:rPr lang="en-US" dirty="0" smtClean="0"/>
-              <a:t> </a:t>
-            </a:r>
-          </a:p>
-          <a:p>
-            <a:pPr algn="l"/>
-            <a:r>
-              <a:rPr lang="en-US" dirty="0"/>
-              <a:t>	</a:t>
-            </a:r>
-            <a:r>
-              <a:rPr lang="en-US" dirty="0" err="1" smtClean="0"/>
-              <a:t>nói</a:t>
-            </a:r>
-            <a:r>
-              <a:rPr lang="en-US" dirty="0" smtClean="0"/>
-              <a:t> </a:t>
-            </a:r>
-            <a:r>
-              <a:rPr lang="en-US" dirty="0" err="1" smtClean="0"/>
-              <a:t>cách</a:t>
-            </a:r>
-            <a:r>
-              <a:rPr lang="en-US" dirty="0" smtClean="0"/>
-              <a:t> </a:t>
-            </a:r>
-            <a:r>
-              <a:rPr lang="en-US" dirty="0" err="1" smtClean="0"/>
-              <a:t>đơn</a:t>
-            </a:r>
-            <a:r>
-              <a:rPr lang="en-US" dirty="0" smtClean="0"/>
-              <a:t> </a:t>
-            </a:r>
-            <a:r>
-              <a:rPr lang="en-US" dirty="0" err="1" smtClean="0"/>
-              <a:t>giản</a:t>
-            </a:r>
-            <a:r>
-              <a:rPr lang="en-US" dirty="0" smtClean="0"/>
-              <a:t> </a:t>
-            </a:r>
-            <a:r>
-              <a:rPr lang="en-US" dirty="0" err="1" smtClean="0"/>
-              <a:t>là</a:t>
-            </a:r>
-            <a:r>
-              <a:rPr lang="en-US" dirty="0" smtClean="0"/>
-              <a:t> </a:t>
-            </a:r>
-            <a:r>
-              <a:rPr lang="en-US" dirty="0" err="1" smtClean="0"/>
-              <a:t>nó</a:t>
-            </a:r>
-            <a:r>
-              <a:rPr lang="en-US" dirty="0" smtClean="0"/>
-              <a:t> generate </a:t>
-            </a:r>
-            <a:r>
-              <a:rPr lang="en-US" dirty="0" err="1" smtClean="0"/>
-              <a:t>ra</a:t>
-            </a:r>
-            <a:r>
-              <a:rPr lang="en-US" dirty="0" smtClean="0"/>
-              <a:t> 1 file </a:t>
-            </a:r>
-            <a:r>
-              <a:rPr lang="en-US" dirty="0" err="1" smtClean="0"/>
-              <a:t>trong</a:t>
-            </a:r>
-            <a:r>
-              <a:rPr lang="en-US" dirty="0" smtClean="0"/>
-              <a:t> </a:t>
-            </a:r>
-            <a:r>
-              <a:rPr lang="en-US" dirty="0" err="1" smtClean="0"/>
-              <a:t>bao</a:t>
-            </a:r>
-            <a:r>
-              <a:rPr lang="en-US" dirty="0" smtClean="0"/>
-              <a:t> </a:t>
-            </a:r>
-            <a:r>
-              <a:rPr lang="en-US" dirty="0" err="1" smtClean="0"/>
-              <a:t>gồm</a:t>
-            </a:r>
-            <a:r>
-              <a:rPr lang="en-US" dirty="0" smtClean="0"/>
-              <a:t> </a:t>
-            </a:r>
-            <a:r>
-              <a:rPr lang="en-US" dirty="0" err="1" smtClean="0"/>
-              <a:t>phần</a:t>
-            </a:r>
-            <a:r>
-              <a:rPr lang="en-US" dirty="0" smtClean="0"/>
-              <a:t> layout(</a:t>
-            </a:r>
-            <a:r>
-              <a:rPr lang="en-US" dirty="0" err="1" smtClean="0"/>
-              <a:t>chúng</a:t>
-            </a:r>
-            <a:r>
-              <a:rPr lang="en-US" dirty="0" smtClean="0"/>
-              <a:t> ta </a:t>
-            </a:r>
-            <a:r>
-              <a:rPr lang="en-US" dirty="0" err="1" smtClean="0"/>
-              <a:t>định</a:t>
-            </a:r>
-            <a:r>
-              <a:rPr lang="en-US" dirty="0" smtClean="0"/>
-              <a:t> </a:t>
-            </a:r>
-            <a:r>
-              <a:rPr lang="en-US" dirty="0" err="1" smtClean="0"/>
-              <a:t>nghĩa</a:t>
-            </a:r>
-            <a:r>
-              <a:rPr lang="en-US" dirty="0" smtClean="0"/>
-              <a:t>) </a:t>
-            </a:r>
-            <a:r>
-              <a:rPr lang="en-US" dirty="0" err="1" smtClean="0"/>
-              <a:t>và</a:t>
-            </a:r>
-            <a:r>
-              <a:rPr lang="en-US" dirty="0" smtClean="0"/>
-              <a:t> </a:t>
-            </a:r>
-            <a:r>
-              <a:rPr lang="en-US" dirty="0" err="1" smtClean="0"/>
-              <a:t>tích</a:t>
-            </a:r>
-            <a:r>
-              <a:rPr lang="en-US" dirty="0" smtClean="0"/>
-              <a:t> </a:t>
-            </a:r>
-            <a:r>
-              <a:rPr lang="en-US" dirty="0" err="1" smtClean="0"/>
-              <a:t>hợp</a:t>
-            </a:r>
-            <a:r>
-              <a:rPr lang="en-US" dirty="0" smtClean="0"/>
-              <a:t> </a:t>
-            </a:r>
-            <a:r>
-              <a:rPr lang="en-US" dirty="0" err="1" smtClean="0"/>
-              <a:t>sẵn</a:t>
-            </a:r>
-            <a:r>
-              <a:rPr lang="en-US" dirty="0" smtClean="0"/>
-              <a:t> </a:t>
-            </a:r>
-            <a:r>
-              <a:rPr lang="en-US" dirty="0" err="1" smtClean="0"/>
-              <a:t>thêm</a:t>
-            </a:r>
-            <a:r>
-              <a:rPr lang="en-US" dirty="0" smtClean="0"/>
-              <a:t> file </a:t>
-            </a:r>
-            <a:r>
-              <a:rPr lang="en-US" dirty="0" err="1" smtClean="0"/>
-              <a:t>js</a:t>
-            </a:r>
-            <a:r>
-              <a:rPr lang="en-US" dirty="0" smtClean="0"/>
-              <a:t> </a:t>
-            </a:r>
-            <a:r>
-              <a:rPr lang="en-US" dirty="0" err="1" smtClean="0"/>
-              <a:t>mà</a:t>
-            </a:r>
-            <a:r>
-              <a:rPr lang="en-US" dirty="0" smtClean="0"/>
-              <a:t> </a:t>
-            </a:r>
-            <a:r>
-              <a:rPr lang="en-US" dirty="0" err="1" smtClean="0"/>
-              <a:t>webpack</a:t>
-            </a:r>
-            <a:r>
-              <a:rPr lang="en-US" dirty="0" smtClean="0"/>
-              <a:t> </a:t>
-            </a:r>
-            <a:r>
-              <a:rPr lang="en-US" dirty="0" err="1" smtClean="0"/>
-              <a:t>tạo</a:t>
-            </a:r>
-            <a:r>
-              <a:rPr lang="en-US" dirty="0" smtClean="0"/>
-              <a:t> </a:t>
-            </a:r>
-            <a:r>
-              <a:rPr lang="en-US" dirty="0" err="1" smtClean="0"/>
-              <a:t>ra</a:t>
-            </a:r>
-            <a:r>
-              <a:rPr lang="en-US" dirty="0" smtClean="0"/>
-              <a:t> </a:t>
-            </a:r>
-          </a:p>
-          <a:p>
-            <a:pPr algn="l"/>
-            <a:r>
-              <a:rPr lang="en-US" dirty="0"/>
-              <a:t>	</a:t>
-            </a:r>
-            <a:r>
-              <a:rPr lang="en-US" dirty="0" smtClean="0"/>
-              <a:t>HTML </a:t>
-            </a:r>
-            <a:r>
-              <a:rPr lang="en-US" dirty="0" err="1" smtClean="0"/>
-              <a:t>webpack</a:t>
-            </a:r>
-            <a:r>
-              <a:rPr lang="en-US" dirty="0" smtClean="0"/>
-              <a:t> plugin </a:t>
-            </a:r>
-            <a:r>
-              <a:rPr lang="en-US" dirty="0" err="1" smtClean="0"/>
-              <a:t>hỗ</a:t>
-            </a:r>
-            <a:r>
-              <a:rPr lang="en-US" dirty="0" smtClean="0"/>
-              <a:t> </a:t>
-            </a:r>
-            <a:r>
-              <a:rPr lang="en-US" dirty="0" err="1" smtClean="0"/>
-              <a:t>trợ</a:t>
-            </a:r>
-            <a:r>
-              <a:rPr lang="en-US" dirty="0" smtClean="0"/>
-              <a:t> </a:t>
-            </a:r>
-            <a:r>
-              <a:rPr lang="en-US" dirty="0" err="1" smtClean="0"/>
-              <a:t>việc</a:t>
-            </a:r>
-            <a:r>
-              <a:rPr lang="en-US" dirty="0" smtClean="0"/>
-              <a:t> </a:t>
-            </a:r>
-            <a:r>
-              <a:rPr lang="en-US" dirty="0" err="1" smtClean="0"/>
-              <a:t>truyền</a:t>
-            </a:r>
-            <a:r>
-              <a:rPr lang="en-US" dirty="0" smtClean="0"/>
-              <a:t> qua </a:t>
-            </a:r>
-            <a:r>
-              <a:rPr lang="en-US" dirty="0" err="1" smtClean="0"/>
-              <a:t>lại</a:t>
-            </a:r>
-            <a:r>
-              <a:rPr lang="en-US" dirty="0" smtClean="0"/>
-              <a:t> </a:t>
-            </a:r>
-            <a:r>
-              <a:rPr lang="en-US" dirty="0" err="1" smtClean="0"/>
-              <a:t>theo</a:t>
-            </a:r>
-            <a:r>
-              <a:rPr lang="en-US" dirty="0" smtClean="0"/>
-              <a:t> </a:t>
-            </a:r>
-            <a:r>
-              <a:rPr lang="en-US" dirty="0" err="1" smtClean="0"/>
-              <a:t>định</a:t>
-            </a:r>
-            <a:r>
-              <a:rPr lang="en-US" dirty="0" smtClean="0"/>
-              <a:t> </a:t>
-            </a:r>
-            <a:r>
-              <a:rPr lang="en-US" dirty="0" err="1" smtClean="0"/>
-              <a:t>dạng</a:t>
-            </a:r>
-            <a:r>
-              <a:rPr lang="en-US" dirty="0" smtClean="0"/>
-              <a:t> </a:t>
-            </a:r>
-            <a:r>
-              <a:rPr lang="en-US" dirty="0" err="1" smtClean="0"/>
-              <a:t>cú</a:t>
-            </a:r>
-            <a:r>
-              <a:rPr lang="en-US" dirty="0" smtClean="0"/>
-              <a:t> </a:t>
-            </a:r>
-            <a:r>
-              <a:rPr lang="en-US" dirty="0" err="1" smtClean="0"/>
-              <a:t>pháp</a:t>
-            </a:r>
-            <a:r>
-              <a:rPr lang="en-US" dirty="0" smtClean="0"/>
-              <a:t> (EJS)</a:t>
-            </a:r>
-          </a:p>
-          <a:p>
-            <a:pPr algn="l"/>
-            <a:r>
-              <a:rPr lang="en-US" dirty="0" err="1" smtClean="0"/>
-              <a:t>Sau</a:t>
-            </a:r>
-            <a:r>
-              <a:rPr lang="en-US" dirty="0" smtClean="0"/>
-              <a:t> </a:t>
-            </a:r>
-            <a:r>
-              <a:rPr lang="en-US" dirty="0" err="1" smtClean="0"/>
-              <a:t>đây</a:t>
-            </a:r>
-            <a:r>
-              <a:rPr lang="en-US" dirty="0" smtClean="0"/>
-              <a:t> </a:t>
-            </a:r>
-            <a:r>
-              <a:rPr lang="en-US" dirty="0" err="1" smtClean="0"/>
-              <a:t>là</a:t>
-            </a:r>
-            <a:r>
-              <a:rPr lang="en-US" dirty="0" smtClean="0"/>
-              <a:t> </a:t>
-            </a:r>
-            <a:r>
-              <a:rPr lang="en-US" dirty="0" err="1" smtClean="0"/>
-              <a:t>Phương</a:t>
-            </a:r>
-            <a:r>
-              <a:rPr lang="en-US" dirty="0" smtClean="0"/>
-              <a:t> </a:t>
-            </a:r>
-            <a:r>
-              <a:rPr lang="en-US" dirty="0" err="1" smtClean="0"/>
-              <a:t>pháp</a:t>
-            </a:r>
-            <a:r>
-              <a:rPr lang="en-US" dirty="0" smtClean="0"/>
-              <a:t> </a:t>
-            </a:r>
-            <a:r>
-              <a:rPr lang="en-US" dirty="0" err="1" smtClean="0"/>
-              <a:t>cài</a:t>
-            </a:r>
-            <a:r>
-              <a:rPr lang="en-US" dirty="0" smtClean="0"/>
-              <a:t> </a:t>
-            </a:r>
-            <a:r>
-              <a:rPr lang="en-US" dirty="0" err="1" smtClean="0"/>
-              <a:t>đặt</a:t>
-            </a:r>
-            <a:r>
-              <a:rPr lang="en-US" dirty="0" smtClean="0"/>
-              <a:t> </a:t>
-            </a:r>
-            <a:endParaRPr lang="en-US" dirty="0"/>
+              <a:rPr lang="en-US" sz="2800" dirty="0" smtClean="0"/>
+              <a:t>:</a:t>
+            </a:r>
+            <a:endParaRPr lang="en-US" sz="2800" dirty="0"/>
           </a:p>
         </p:txBody>
       </p:sp>
@@ -7460,7 +8220,7 @@
         </p:blipFill>
         <p:spPr>
           <a:xfrm>
-            <a:off x="5038211" y="4217158"/>
+            <a:off x="3408484" y="4001993"/>
             <a:ext cx="5725324" cy="2314898"/>
           </a:xfrm>
           <a:prstGeom prst="rect">
@@ -7523,33 +8283,42 @@
         </p:spPr>
         <p:txBody>
           <a:bodyPr>
-            <a:normAutofit fontScale="90000"/>
+            <a:normAutofit/>
           </a:bodyPr>
           <a:lstStyle/>
           <a:p>
             <a:pPr algn="l"/>
             <a:r>
               <a:rPr lang="en-US" sz="4400" dirty="0" smtClean="0"/>
-              <a:t>PLUGGING</a:t>
-            </a:r>
-            <a:br>
+              <a:t>Extract </a:t>
+            </a:r>
+            <a:r>
+              <a:rPr lang="en-US" sz="4400" dirty="0"/>
+              <a:t>T</a:t>
+            </a:r>
+            <a:r>
               <a:rPr lang="en-US" sz="4400" dirty="0" smtClean="0"/>
-            </a:br>
-            <a:r>
-              <a:rPr lang="en-US" sz="4400" dirty="0"/>
-              <a:t>	</a:t>
+              <a:t>ext </a:t>
+            </a:r>
+            <a:r>
+              <a:rPr lang="en-US" sz="4400" dirty="0" err="1" smtClean="0"/>
+              <a:t>W</a:t>
+            </a:r>
+            <a:r>
+              <a:rPr lang="en-US" sz="4400" dirty="0" err="1" smtClean="0"/>
+              <a:t>ebpack</a:t>
             </a:r>
             <a:r>
               <a:rPr lang="en-US" sz="4400" dirty="0" smtClean="0"/>
-              <a:t>Extract text </a:t>
+              <a:t> </a:t>
             </a:r>
             <a:r>
               <a:rPr lang="en-US" sz="4400" dirty="0" err="1" smtClean="0"/>
-              <a:t>webpack</a:t>
-            </a:r>
-            <a:r>
-              <a:rPr lang="en-US" sz="4400" dirty="0" smtClean="0"/>
-              <a:t> plugin</a:t>
+              <a:t>P</a:t>
+            </a:r>
+            <a:r>
+              <a:rPr lang="en-US" sz="4400" dirty="0" err="1" smtClean="0"/>
+              <a:t>luggin</a:t>
             </a:r>
             <a:endParaRPr lang="en-US" sz="4400" dirty="0"/>
           </a:p>
@@ -7567,481 +8336,218 @@
         </p:nvSpPr>
         <p:spPr>
           <a:xfrm>
-            <a:off x="846161" y="1692322"/>
-            <a:ext cx="10849970" cy="5049672"/>
+            <a:off x="846161" y="2099732"/>
+            <a:ext cx="10849970" cy="4642261"/>
           </a:xfrm>
         </p:spPr>
         <p:txBody>
           <a:bodyPr/>
           <a:lstStyle/>
           <a:p>
+            <a:pPr marL="457200" indent="-457200" algn="l">
+              <a:buFont typeface="Arial" panose="020B0604020202020204" pitchFamily="34" charset="0"/>
+              <a:buChar char="•"/>
+            </a:pPr>
+            <a:r>
+              <a:rPr lang="en-US" sz="2800" dirty="0" smtClean="0"/>
+              <a:t>CSS </a:t>
+            </a:r>
+            <a:r>
+              <a:rPr lang="en-US" sz="2800" dirty="0" err="1" smtClean="0"/>
+              <a:t>được</a:t>
+            </a:r>
+            <a:r>
+              <a:rPr lang="en-US" sz="2800" dirty="0" smtClean="0"/>
+              <a:t> </a:t>
+            </a:r>
+            <a:r>
+              <a:rPr lang="en-US" sz="2800" dirty="0" err="1" smtClean="0"/>
+              <a:t>tích</a:t>
+            </a:r>
+            <a:r>
+              <a:rPr lang="en-US" sz="2800" dirty="0" smtClean="0"/>
+              <a:t> </a:t>
+            </a:r>
+            <a:r>
+              <a:rPr lang="en-US" sz="2800" dirty="0" err="1"/>
+              <a:t>hợp</a:t>
+            </a:r>
+            <a:r>
+              <a:rPr lang="en-US" sz="2800" dirty="0"/>
+              <a:t> </a:t>
+            </a:r>
+            <a:r>
+              <a:rPr lang="en-US" sz="2800" dirty="0" err="1"/>
+              <a:t>vào</a:t>
+            </a:r>
+            <a:r>
+              <a:rPr lang="en-US" sz="2800" dirty="0"/>
+              <a:t> </a:t>
+            </a:r>
+            <a:r>
+              <a:rPr lang="en-US" sz="2800" dirty="0" err="1"/>
+              <a:t>cùng</a:t>
+            </a:r>
+            <a:r>
+              <a:rPr lang="en-US" sz="2800" dirty="0"/>
+              <a:t> 1 file </a:t>
+            </a:r>
+            <a:r>
+              <a:rPr lang="en-US" sz="2800" dirty="0" err="1"/>
+              <a:t>js</a:t>
+            </a:r>
+            <a:r>
+              <a:rPr lang="en-US" sz="2800" dirty="0"/>
+              <a:t> </a:t>
+            </a:r>
+            <a:r>
+              <a:rPr lang="en-US" sz="2800" dirty="0" smtClean="0">
+                <a:sym typeface="Wingdings" panose="05000000000000000000" pitchFamily="2" charset="2"/>
+              </a:rPr>
+              <a:t> </a:t>
+            </a:r>
+            <a:r>
+              <a:rPr lang="en-US" sz="2800" dirty="0" err="1" smtClean="0">
+                <a:solidFill>
+                  <a:srgbClr val="FF0000"/>
+                </a:solidFill>
+                <a:sym typeface="Wingdings" panose="05000000000000000000" pitchFamily="2" charset="2"/>
+              </a:rPr>
+              <a:t>vấn</a:t>
+            </a:r>
+            <a:r>
+              <a:rPr lang="en-US" sz="2800" dirty="0" smtClean="0">
+                <a:solidFill>
+                  <a:srgbClr val="FF0000"/>
+                </a:solidFill>
+                <a:sym typeface="Wingdings" panose="05000000000000000000" pitchFamily="2" charset="2"/>
+              </a:rPr>
+              <a:t> </a:t>
+            </a:r>
+            <a:r>
+              <a:rPr lang="en-US" sz="2800" dirty="0" err="1" smtClean="0">
+                <a:solidFill>
+                  <a:srgbClr val="FF0000"/>
+                </a:solidFill>
+                <a:sym typeface="Wingdings" panose="05000000000000000000" pitchFamily="2" charset="2"/>
+              </a:rPr>
+              <a:t>đề</a:t>
+            </a:r>
+            <a:r>
+              <a:rPr lang="en-US" sz="2800" dirty="0" smtClean="0">
+                <a:solidFill>
+                  <a:srgbClr val="FF0000"/>
+                </a:solidFill>
+                <a:sym typeface="Wingdings" panose="05000000000000000000" pitchFamily="2" charset="2"/>
+              </a:rPr>
+              <a:t>?</a:t>
+            </a:r>
+            <a:endParaRPr lang="en-US" sz="2800" dirty="0">
+              <a:solidFill>
+                <a:srgbClr val="FF0000"/>
+              </a:solidFill>
+            </a:endParaRPr>
+          </a:p>
+          <a:p>
             <a:pPr algn="l"/>
-            <a:r>
-              <a:rPr lang="en-US" dirty="0"/>
-              <a:t>Extract text </a:t>
-            </a:r>
-            <a:r>
-              <a:rPr lang="en-US" dirty="0" err="1"/>
-              <a:t>webpack</a:t>
-            </a:r>
-            <a:r>
-              <a:rPr lang="en-US" dirty="0"/>
-              <a:t> plugin </a:t>
-            </a:r>
-            <a:r>
-              <a:rPr lang="en-US" dirty="0" err="1" smtClean="0"/>
-              <a:t>dùng</a:t>
-            </a:r>
-            <a:r>
-              <a:rPr lang="en-US" dirty="0" smtClean="0"/>
-              <a:t> </a:t>
-            </a:r>
-            <a:r>
-              <a:rPr lang="en-US" dirty="0" err="1" smtClean="0"/>
-              <a:t>để</a:t>
-            </a:r>
-            <a:r>
-              <a:rPr lang="en-US" dirty="0" smtClean="0"/>
-              <a:t> </a:t>
-            </a:r>
-            <a:r>
-              <a:rPr lang="en-US" dirty="0" err="1" smtClean="0"/>
-              <a:t>làm</a:t>
-            </a:r>
-            <a:r>
-              <a:rPr lang="en-US" dirty="0" smtClean="0"/>
-              <a:t> </a:t>
-            </a:r>
-            <a:r>
-              <a:rPr lang="en-US" dirty="0" err="1" smtClean="0"/>
-              <a:t>gì</a:t>
-            </a:r>
-            <a:r>
-              <a:rPr lang="en-US" dirty="0" smtClean="0"/>
-              <a:t> ?</a:t>
-            </a:r>
+            <a:endParaRPr lang="en-US" sz="2800" dirty="0" smtClean="0"/>
+          </a:p>
+          <a:p>
+            <a:pPr marL="457200" indent="-457200" algn="l">
+              <a:buFont typeface="Arial" panose="020B0604020202020204" pitchFamily="34" charset="0"/>
+              <a:buChar char="•"/>
+            </a:pPr>
+            <a:r>
+              <a:rPr lang="en-US" sz="2800" dirty="0" err="1" smtClean="0"/>
+              <a:t>Tác</a:t>
+            </a:r>
+            <a:r>
+              <a:rPr lang="en-US" sz="2800" dirty="0" smtClean="0"/>
+              <a:t> </a:t>
+            </a:r>
+            <a:r>
+              <a:rPr lang="en-US" sz="2800" dirty="0" err="1" smtClean="0"/>
+              <a:t>dụng</a:t>
+            </a:r>
+            <a:r>
+              <a:rPr lang="en-US" sz="2800" dirty="0" smtClean="0"/>
+              <a:t>: </a:t>
+            </a:r>
+            <a:r>
+              <a:rPr lang="en-US" sz="2800" dirty="0" err="1" smtClean="0"/>
+              <a:t>Tách</a:t>
+            </a:r>
+            <a:r>
+              <a:rPr lang="en-US" sz="2800" dirty="0" smtClean="0"/>
+              <a:t> </a:t>
+            </a:r>
+            <a:r>
+              <a:rPr lang="en-US" sz="2800" dirty="0"/>
+              <a:t>JS </a:t>
+            </a:r>
+            <a:r>
+              <a:rPr lang="en-US" sz="2800" dirty="0" err="1"/>
+              <a:t>thành</a:t>
+            </a:r>
+            <a:r>
+              <a:rPr lang="en-US" sz="2800" dirty="0"/>
+              <a:t> 2 </a:t>
+            </a:r>
+            <a:r>
+              <a:rPr lang="en-US" sz="2800" dirty="0" err="1"/>
+              <a:t>phần</a:t>
+            </a:r>
+            <a:r>
+              <a:rPr lang="en-US" sz="2800" dirty="0"/>
+              <a:t> JS </a:t>
+            </a:r>
+            <a:r>
+              <a:rPr lang="en-US" sz="2800" dirty="0" err="1"/>
+              <a:t>riêng</a:t>
+            </a:r>
+            <a:r>
+              <a:rPr lang="en-US" sz="2800" dirty="0"/>
+              <a:t> </a:t>
+            </a:r>
+            <a:r>
+              <a:rPr lang="en-US" sz="2800" dirty="0" err="1"/>
+              <a:t>và</a:t>
+            </a:r>
+            <a:r>
+              <a:rPr lang="en-US" sz="2800" dirty="0"/>
+              <a:t> CSS </a:t>
+            </a:r>
+            <a:endParaRPr lang="en-US" sz="2800" dirty="0" smtClean="0"/>
           </a:p>
           <a:p>
             <a:pPr algn="l"/>
-            <a:r>
-              <a:rPr lang="en-US" dirty="0"/>
-              <a:t>	</a:t>
-            </a:r>
-            <a:r>
-              <a:rPr lang="en-US" dirty="0" err="1" smtClean="0"/>
-              <a:t>Vấn</a:t>
-            </a:r>
-            <a:r>
-              <a:rPr lang="en-US" dirty="0" smtClean="0"/>
-              <a:t> </a:t>
-            </a:r>
-            <a:r>
-              <a:rPr lang="en-US" dirty="0" err="1" smtClean="0"/>
-              <a:t>đề</a:t>
-            </a:r>
-            <a:r>
-              <a:rPr lang="en-US" dirty="0" smtClean="0"/>
-              <a:t> </a:t>
-            </a:r>
-            <a:r>
-              <a:rPr lang="en-US" dirty="0" err="1" smtClean="0"/>
+            <a:endParaRPr lang="en-US" dirty="0"/>
+          </a:p>
+          <a:p>
+            <a:pPr marL="342900" indent="-342900" algn="l">
+              <a:buFont typeface="Arial" panose="020B0604020202020204" pitchFamily="34" charset="0"/>
+              <a:buChar char="•"/>
+            </a:pPr>
+            <a:r>
+              <a:rPr lang="en-US" sz="2800" dirty="0" err="1" smtClean="0"/>
+              <a:t>Cài</a:t>
+            </a:r>
+            <a:r>
+              <a:rPr lang="en-US" sz="2800" dirty="0" smtClean="0"/>
+              <a:t> </a:t>
+            </a:r>
+            <a:r>
+              <a:rPr lang="en-US" sz="2800" dirty="0" err="1" smtClean="0"/>
               <a:t>đặt</a:t>
             </a:r>
             <a:r>
-              <a:rPr lang="en-US" dirty="0" smtClean="0"/>
-              <a:t> </a:t>
-            </a:r>
-            <a:r>
-              <a:rPr lang="en-US" dirty="0" err="1" smtClean="0"/>
-              <a:t>ra</a:t>
-            </a:r>
-            <a:r>
-              <a:rPr lang="en-US" dirty="0" smtClean="0"/>
-              <a:t> : </a:t>
-            </a:r>
-            <a:r>
-              <a:rPr lang="en-US" dirty="0" err="1" smtClean="0"/>
-              <a:t>Nếu</a:t>
-            </a:r>
-            <a:r>
-              <a:rPr lang="en-US" dirty="0" smtClean="0"/>
-              <a:t> </a:t>
-            </a:r>
-            <a:r>
-              <a:rPr lang="en-US" dirty="0" err="1" smtClean="0"/>
-              <a:t>như</a:t>
-            </a:r>
-            <a:r>
-              <a:rPr lang="en-US" dirty="0" smtClean="0"/>
-              <a:t> CSS </a:t>
-            </a:r>
-            <a:r>
-              <a:rPr lang="en-US" dirty="0" err="1" smtClean="0"/>
-              <a:t>cũng</a:t>
-            </a:r>
-            <a:r>
-              <a:rPr lang="en-US" dirty="0" smtClean="0"/>
-              <a:t> </a:t>
-            </a:r>
-            <a:r>
-              <a:rPr lang="en-US" dirty="0" err="1" smtClean="0"/>
-              <a:t>được</a:t>
-            </a:r>
-            <a:r>
-              <a:rPr lang="en-US" dirty="0" smtClean="0"/>
-              <a:t> </a:t>
-            </a:r>
-            <a:r>
-              <a:rPr lang="en-US" dirty="0" err="1" smtClean="0"/>
-              <a:t>tích</a:t>
-            </a:r>
-            <a:r>
-              <a:rPr lang="en-US" dirty="0" smtClean="0"/>
-              <a:t> </a:t>
-            </a:r>
-            <a:r>
-              <a:rPr lang="en-US" dirty="0" err="1" smtClean="0"/>
-              <a:t>hợp</a:t>
-            </a:r>
-            <a:r>
-              <a:rPr lang="en-US" dirty="0" smtClean="0"/>
-              <a:t> </a:t>
-            </a:r>
-            <a:r>
-              <a:rPr lang="en-US" dirty="0" err="1" smtClean="0"/>
-              <a:t>vào</a:t>
-            </a:r>
-            <a:r>
-              <a:rPr lang="en-US" dirty="0" smtClean="0"/>
-              <a:t> </a:t>
-            </a:r>
-            <a:r>
-              <a:rPr lang="en-US" dirty="0" err="1" smtClean="0"/>
-              <a:t>cùng</a:t>
-            </a:r>
-            <a:r>
-              <a:rPr lang="en-US" dirty="0" smtClean="0"/>
-              <a:t> 1 file </a:t>
-            </a:r>
-            <a:r>
-              <a:rPr lang="en-US" dirty="0" err="1" smtClean="0"/>
-              <a:t>js</a:t>
-            </a:r>
-            <a:r>
-              <a:rPr lang="en-US" dirty="0" smtClean="0"/>
-              <a:t> </a:t>
-            </a:r>
+              <a:rPr lang="en-US" sz="2800" dirty="0" smtClean="0"/>
+              <a:t>:</a:t>
+            </a:r>
+            <a:endParaRPr lang="en-US" sz="2800" dirty="0"/>
           </a:p>
           <a:p>
             <a:pPr algn="l"/>
-            <a:r>
-              <a:rPr lang="en-US" dirty="0"/>
-              <a:t>	</a:t>
-            </a:r>
-            <a:r>
-              <a:rPr lang="en-US" dirty="0" err="1" smtClean="0"/>
-              <a:t>Điều</a:t>
-            </a:r>
-            <a:r>
-              <a:rPr lang="en-US" dirty="0" smtClean="0"/>
-              <a:t> </a:t>
-            </a:r>
-            <a:r>
-              <a:rPr lang="en-US" dirty="0" err="1" smtClean="0"/>
-              <a:t>này</a:t>
-            </a:r>
-            <a:r>
-              <a:rPr lang="en-US" dirty="0" smtClean="0"/>
-              <a:t> </a:t>
-            </a:r>
-            <a:r>
-              <a:rPr lang="en-US" dirty="0" err="1" smtClean="0"/>
-              <a:t>sẽ</a:t>
-            </a:r>
-            <a:r>
-              <a:rPr lang="en-US" dirty="0" smtClean="0"/>
-              <a:t> </a:t>
-            </a:r>
-            <a:r>
-              <a:rPr lang="en-US" dirty="0" err="1" smtClean="0"/>
-              <a:t>gây</a:t>
-            </a:r>
-            <a:r>
-              <a:rPr lang="en-US" dirty="0" smtClean="0"/>
-              <a:t> </a:t>
-            </a:r>
-            <a:r>
-              <a:rPr lang="en-US" dirty="0" err="1" smtClean="0"/>
-              <a:t>nên</a:t>
-            </a:r>
-            <a:r>
-              <a:rPr lang="en-US" dirty="0" smtClean="0"/>
-              <a:t> </a:t>
-            </a:r>
-            <a:r>
-              <a:rPr lang="en-US" dirty="0" err="1" smtClean="0"/>
-              <a:t>tình</a:t>
-            </a:r>
-            <a:r>
-              <a:rPr lang="en-US" dirty="0" smtClean="0"/>
-              <a:t> </a:t>
-            </a:r>
-            <a:r>
-              <a:rPr lang="en-US" dirty="0" err="1" smtClean="0"/>
-              <a:t>trạng</a:t>
-            </a:r>
-            <a:r>
-              <a:rPr lang="en-US" dirty="0" smtClean="0"/>
-              <a:t> </a:t>
-            </a:r>
-            <a:r>
-              <a:rPr lang="en-US" dirty="0" err="1" smtClean="0"/>
-              <a:t>gì</a:t>
-            </a:r>
-            <a:r>
-              <a:rPr lang="en-US" dirty="0" smtClean="0"/>
-              <a:t> ?</a:t>
-            </a:r>
-          </a:p>
-          <a:p>
-            <a:pPr algn="l"/>
-            <a:r>
-              <a:rPr lang="en-US" dirty="0"/>
-              <a:t>	</a:t>
-            </a:r>
-            <a:r>
-              <a:rPr lang="en-US" dirty="0" err="1" smtClean="0"/>
-              <a:t>Cách</a:t>
-            </a:r>
-            <a:r>
-              <a:rPr lang="en-US" dirty="0" smtClean="0"/>
-              <a:t> </a:t>
-            </a:r>
-            <a:r>
-              <a:rPr lang="en-US" dirty="0" err="1" smtClean="0"/>
-              <a:t>khắc</a:t>
-            </a:r>
-            <a:r>
-              <a:rPr lang="en-US" dirty="0" smtClean="0"/>
-              <a:t> </a:t>
-            </a:r>
-            <a:r>
-              <a:rPr lang="en-US" dirty="0" err="1" smtClean="0"/>
-              <a:t>phục</a:t>
-            </a:r>
-            <a:r>
-              <a:rPr lang="en-US" dirty="0" smtClean="0"/>
-              <a:t> ? </a:t>
-            </a:r>
-            <a:r>
-              <a:rPr lang="en-US" dirty="0" err="1" smtClean="0"/>
-              <a:t>Sử</a:t>
-            </a:r>
-            <a:r>
-              <a:rPr lang="en-US" dirty="0" smtClean="0"/>
-              <a:t> </a:t>
-            </a:r>
-            <a:r>
-              <a:rPr lang="en-US" dirty="0" err="1" smtClean="0"/>
-              <a:t>dụng</a:t>
-            </a:r>
-            <a:r>
-              <a:rPr lang="en-US" dirty="0" smtClean="0"/>
-              <a:t> (</a:t>
-            </a:r>
-            <a:r>
-              <a:rPr lang="en-US" dirty="0"/>
-              <a:t>Extract text </a:t>
-            </a:r>
-            <a:r>
-              <a:rPr lang="en-US" dirty="0" err="1"/>
-              <a:t>webpack</a:t>
-            </a:r>
-            <a:r>
-              <a:rPr lang="en-US" dirty="0"/>
-              <a:t> plugin </a:t>
-            </a:r>
-            <a:r>
-              <a:rPr lang="en-US" dirty="0" smtClean="0"/>
-              <a:t>)</a:t>
-            </a:r>
-          </a:p>
-          <a:p>
-            <a:pPr algn="l"/>
-            <a:r>
-              <a:rPr lang="en-US" dirty="0"/>
-              <a:t>	</a:t>
-            </a:r>
-            <a:r>
-              <a:rPr lang="en-US" dirty="0" err="1" smtClean="0"/>
-              <a:t>Vậy</a:t>
-            </a:r>
-            <a:r>
-              <a:rPr lang="en-US" dirty="0" smtClean="0"/>
-              <a:t> </a:t>
-            </a:r>
-            <a:r>
-              <a:rPr lang="en-US" dirty="0" err="1" smtClean="0"/>
-              <a:t>chính</a:t>
-            </a:r>
-            <a:r>
-              <a:rPr lang="en-US" dirty="0" smtClean="0"/>
-              <a:t> </a:t>
-            </a:r>
-            <a:r>
-              <a:rPr lang="en-US" dirty="0" err="1" smtClean="0"/>
-              <a:t>xác</a:t>
-            </a:r>
-            <a:r>
-              <a:rPr lang="en-US" dirty="0" smtClean="0"/>
-              <a:t> </a:t>
-            </a:r>
-            <a:r>
-              <a:rPr lang="en-US" dirty="0"/>
-              <a:t>Extract text </a:t>
-            </a:r>
-            <a:r>
-              <a:rPr lang="en-US" dirty="0" err="1"/>
-              <a:t>webpack</a:t>
-            </a:r>
-            <a:r>
-              <a:rPr lang="en-US" dirty="0"/>
-              <a:t> plugin </a:t>
-            </a:r>
-            <a:r>
-              <a:rPr lang="en-US" dirty="0" smtClean="0"/>
-              <a:t> </a:t>
-            </a:r>
-            <a:r>
-              <a:rPr lang="en-US" dirty="0" err="1" smtClean="0"/>
-              <a:t>sẽ</a:t>
-            </a:r>
-            <a:r>
-              <a:rPr lang="en-US" dirty="0" smtClean="0"/>
-              <a:t> </a:t>
-            </a:r>
-            <a:r>
-              <a:rPr lang="en-US" dirty="0" err="1" smtClean="0"/>
-              <a:t>làm</a:t>
-            </a:r>
-            <a:r>
-              <a:rPr lang="en-US" dirty="0" smtClean="0"/>
-              <a:t> </a:t>
-            </a:r>
-            <a:r>
-              <a:rPr lang="en-US" dirty="0" err="1" smtClean="0"/>
-              <a:t>gì</a:t>
-            </a:r>
-            <a:r>
-              <a:rPr lang="en-US" dirty="0" smtClean="0"/>
-              <a:t> file </a:t>
-            </a:r>
-            <a:r>
-              <a:rPr lang="en-US" dirty="0" err="1" smtClean="0"/>
-              <a:t>js</a:t>
-            </a:r>
-            <a:r>
-              <a:rPr lang="en-US" dirty="0" smtClean="0"/>
-              <a:t> ? </a:t>
-            </a:r>
-          </a:p>
-          <a:p>
-            <a:pPr algn="l"/>
-            <a:r>
-              <a:rPr lang="en-US" dirty="0"/>
-              <a:t>	</a:t>
-            </a:r>
-            <a:r>
-              <a:rPr lang="en-US" dirty="0" err="1" smtClean="0"/>
-              <a:t>Tách</a:t>
-            </a:r>
-            <a:r>
-              <a:rPr lang="en-US" dirty="0" smtClean="0"/>
-              <a:t> JS </a:t>
-            </a:r>
-            <a:r>
-              <a:rPr lang="en-US" dirty="0" err="1" smtClean="0"/>
-              <a:t>thành</a:t>
-            </a:r>
-            <a:r>
-              <a:rPr lang="en-US" dirty="0" smtClean="0"/>
-              <a:t> 2 </a:t>
-            </a:r>
-            <a:r>
-              <a:rPr lang="en-US" dirty="0" err="1" smtClean="0"/>
-              <a:t>phần</a:t>
-            </a:r>
-            <a:r>
-              <a:rPr lang="en-US" dirty="0" smtClean="0"/>
-              <a:t> JS </a:t>
-            </a:r>
-            <a:r>
-              <a:rPr lang="en-US" dirty="0" err="1" smtClean="0"/>
-              <a:t>riêng</a:t>
-            </a:r>
-            <a:r>
-              <a:rPr lang="en-US" dirty="0" smtClean="0"/>
-              <a:t> </a:t>
-            </a:r>
-            <a:r>
-              <a:rPr lang="en-US" dirty="0" err="1" smtClean="0"/>
-              <a:t>và</a:t>
-            </a:r>
-            <a:r>
-              <a:rPr lang="en-US" dirty="0" smtClean="0"/>
-              <a:t> CSS </a:t>
-            </a:r>
-          </a:p>
-          <a:p>
-            <a:pPr algn="l"/>
-            <a:r>
-              <a:rPr lang="en-US" dirty="0"/>
-              <a:t>	</a:t>
-            </a:r>
-            <a:r>
-              <a:rPr lang="en-US" dirty="0" err="1" smtClean="0"/>
-              <a:t>Giải</a:t>
-            </a:r>
-            <a:r>
-              <a:rPr lang="en-US" dirty="0" smtClean="0"/>
-              <a:t> </a:t>
-            </a:r>
-            <a:r>
-              <a:rPr lang="en-US" dirty="0" err="1" smtClean="0"/>
-              <a:t>quyết</a:t>
-            </a:r>
-            <a:r>
-              <a:rPr lang="en-US" dirty="0" smtClean="0"/>
-              <a:t> </a:t>
-            </a:r>
-            <a:r>
-              <a:rPr lang="en-US" dirty="0" err="1" smtClean="0"/>
-              <a:t>được</a:t>
-            </a:r>
-            <a:r>
-              <a:rPr lang="en-US" dirty="0" smtClean="0"/>
-              <a:t> </a:t>
-            </a:r>
-            <a:r>
-              <a:rPr lang="en-US" dirty="0" err="1" smtClean="0"/>
-              <a:t>vấn</a:t>
-            </a:r>
-            <a:r>
-              <a:rPr lang="en-US" dirty="0" smtClean="0"/>
-              <a:t> </a:t>
-            </a:r>
-            <a:r>
-              <a:rPr lang="en-US" dirty="0" err="1" smtClean="0"/>
-              <a:t>đề</a:t>
-            </a:r>
-            <a:r>
-              <a:rPr lang="en-US" dirty="0" smtClean="0"/>
-              <a:t> </a:t>
-            </a:r>
-            <a:r>
-              <a:rPr lang="en-US" dirty="0" err="1" smtClean="0"/>
-              <a:t>trên</a:t>
-            </a:r>
             <a:endParaRPr lang="en-US" dirty="0" smtClean="0"/>
           </a:p>
         </p:txBody>
@@ -8055,7 +8561,7 @@
           <p:nvPr/>
         </p:nvPicPr>
         <p:blipFill>
-          <a:blip r:embed="rId2">
+          <a:blip r:embed="rId3">
             <a:extLst>
               <a:ext uri="{28A0092B-C50C-407E-A947-70E740481C1C}">
                 <a14:useLocalDpi xmlns:a14="http://schemas.microsoft.com/office/drawing/2010/main" val="0"/>
@@ -8068,8 +8574,8 @@
         </p:blipFill>
         <p:spPr>
           <a:xfrm>
-            <a:off x="6004574" y="4553122"/>
-            <a:ext cx="5287113" cy="1600423"/>
+            <a:off x="3359025" y="4603920"/>
+            <a:ext cx="5824241" cy="1763013"/>
           </a:xfrm>
           <a:prstGeom prst="rect">
             <a:avLst/>
@@ -8165,86 +8671,53 @@
             </a:r>
             <a:r>
               <a:rPr lang="en-US" dirty="0" smtClean="0"/>
-              <a:t> 1 file index.js (</a:t>
-            </a:r>
-            <a:r>
-              <a:rPr lang="en-US" dirty="0" err="1" smtClean="0"/>
-              <a:t>là</a:t>
-            </a:r>
-            <a:r>
-              <a:rPr lang="en-US" dirty="0" smtClean="0"/>
-              <a:t> file </a:t>
-            </a:r>
-            <a:r>
-              <a:rPr lang="en-US" dirty="0" err="1" smtClean="0"/>
-              <a:t>chứa</a:t>
-            </a:r>
-            <a:r>
-              <a:rPr lang="en-US" dirty="0" smtClean="0"/>
-              <a:t> </a:t>
-            </a:r>
-            <a:r>
-              <a:rPr lang="en-US" dirty="0" err="1" smtClean="0"/>
-              <a:t>cấu</a:t>
-            </a:r>
-            <a:r>
-              <a:rPr lang="en-US" dirty="0" smtClean="0"/>
-              <a:t> </a:t>
-            </a:r>
-            <a:r>
-              <a:rPr lang="en-US" dirty="0" err="1" smtClean="0"/>
-              <a:t>hình</a:t>
-            </a:r>
-            <a:r>
-              <a:rPr lang="en-US" dirty="0" smtClean="0"/>
-              <a:t> </a:t>
-            </a:r>
-            <a:r>
-              <a:rPr lang="en-US" dirty="0" err="1" smtClean="0"/>
-              <a:t>webpack</a:t>
-            </a:r>
-            <a:r>
-              <a:rPr lang="en-US" dirty="0" smtClean="0"/>
-              <a:t>)</a:t>
-            </a:r>
-          </a:p>
-          <a:p>
-            <a:r>
-              <a:rPr lang="en-US" dirty="0" err="1" smtClean="0"/>
-              <a:t>Khai</a:t>
-            </a:r>
-            <a:r>
-              <a:rPr lang="en-US" dirty="0" smtClean="0"/>
-              <a:t> </a:t>
-            </a:r>
-            <a:r>
-              <a:rPr lang="en-US" dirty="0" err="1" smtClean="0"/>
-              <a:t>báo</a:t>
-            </a:r>
-            <a:r>
-              <a:rPr lang="en-US" dirty="0" smtClean="0"/>
-              <a:t> </a:t>
-            </a:r>
-            <a:r>
-              <a:rPr lang="en-US" dirty="0" err="1" smtClean="0"/>
-              <a:t>webpack</a:t>
-            </a:r>
-            <a:r>
-              <a:rPr lang="en-US" dirty="0" smtClean="0"/>
-              <a:t> : </a:t>
-            </a:r>
+              <a:t> 1 file </a:t>
+            </a:r>
+            <a:r>
+              <a:rPr lang="en-US" b="1" dirty="0" smtClean="0"/>
+              <a:t>index.js</a:t>
+            </a:r>
+            <a:r>
+              <a:rPr lang="en-US" dirty="0" smtClean="0"/>
+              <a:t> </a:t>
+            </a:r>
+            <a:endParaRPr lang="en-US" dirty="0" smtClean="0"/>
           </a:p>
           <a:p>
             <a:pPr marL="0" indent="0">
               <a:buNone/>
             </a:pPr>
             <a:r>
-              <a:rPr lang="en-US" dirty="0"/>
-              <a:t> </a:t>
-            </a:r>
-            <a:r>
-              <a:rPr lang="en-US" dirty="0" err="1" smtClean="0"/>
-              <a:t>var</a:t>
+              <a:rPr lang="en-US" dirty="0" smtClean="0"/>
+              <a:t>  (</a:t>
+            </a:r>
+            <a:r>
+              <a:rPr lang="en-US" dirty="0" err="1" smtClean="0"/>
+              <a:t>là</a:t>
+            </a:r>
+            <a:r>
+              <a:rPr lang="en-US" dirty="0" smtClean="0"/>
+              <a:t> file </a:t>
+            </a:r>
+            <a:r>
+              <a:rPr lang="en-US" dirty="0" err="1" smtClean="0"/>
+              <a:t>chứa</a:t>
+            </a:r>
+            <a:r>
+              <a:rPr lang="en-US" dirty="0" smtClean="0"/>
+              <a:t> </a:t>
+            </a:r>
+            <a:r>
+              <a:rPr lang="en-US" dirty="0" err="1" smtClean="0"/>
+              <a:t>cấu</a:t>
+            </a:r>
+            <a:r>
+              <a:rPr lang="en-US" dirty="0" smtClean="0"/>
+              <a:t> </a:t>
+            </a:r>
+            <a:r>
+              <a:rPr lang="en-US" dirty="0" err="1" smtClean="0"/>
+              <a:t>hình</a:t>
             </a:r>
             <a:r>
               <a:rPr lang="en-US" dirty="0" smtClean="0"/>
@@ -8256,7 +8729,31 @@
             </a:r>
             <a:r>
               <a:rPr lang="en-US" dirty="0" smtClean="0"/>
-              <a:t> = require(“</a:t>
+              <a:t>)</a:t>
+            </a:r>
+          </a:p>
+          <a:p>
+            <a:pPr marL="0" indent="0">
+              <a:buNone/>
+            </a:pPr>
+            <a:endParaRPr lang="en-US" dirty="0" smtClean="0"/>
+          </a:p>
+          <a:p>
+            <a:r>
+              <a:rPr lang="en-US" dirty="0" err="1" smtClean="0"/>
+              <a:t>Khai</a:t>
+            </a:r>
+            <a:r>
+              <a:rPr lang="en-US" dirty="0" smtClean="0"/>
+              <a:t> </a:t>
+            </a:r>
+            <a:r>
+              <a:rPr lang="en-US" dirty="0" err="1" smtClean="0"/>
+              <a:t>báo</a:t>
+            </a:r>
+            <a:r>
+              <a:rPr lang="en-US" dirty="0" smtClean="0"/>
+              <a:t> </a:t>
             </a:r>
             <a:r>
               <a:rPr lang="en-US" dirty="0" err="1" smtClean="0"/>
@@ -8264,8 +8761,17 @@
             </a:r>
             <a:r>
               <a:rPr lang="en-US" dirty="0" smtClean="0"/>
-              <a:t>”);</a:t>
-            </a:r>
+              <a:t> : </a:t>
+            </a:r>
+          </a:p>
+          <a:p>
+            <a:pPr marL="0" indent="0">
+              <a:buNone/>
+            </a:pPr>
+            <a:endParaRPr lang="en-US" dirty="0" smtClean="0"/>
+          </a:p>
+          <a:p>
+            <a:endParaRPr lang="en-US" dirty="0" smtClean="0"/>
           </a:p>
           <a:p>
             <a:r>
@@ -8315,7 +8821,7 @@
           <p:nvPr/>
         </p:nvPicPr>
         <p:blipFill>
-          <a:blip r:embed="rId2">
+          <a:blip r:embed="rId3">
             <a:extLst>
               <a:ext uri="{28A0092B-C50C-407E-A947-70E740481C1C}">
                 <a14:useLocalDpi xmlns:a14="http://schemas.microsoft.com/office/drawing/2010/main" val="0"/>
@@ -8328,8 +8834,32 @@
         </p:blipFill>
         <p:spPr>
           <a:xfrm>
-            <a:off x="6980789" y="365125"/>
+            <a:off x="7002813" y="365125"/>
             <a:ext cx="4515176" cy="6311900"/>
+          </a:xfrm>
+          <a:prstGeom prst="rect">
+            <a:avLst/>
+          </a:prstGeom>
+        </p:spPr>
+      </p:pic>
+      <p:pic>
+        <p:nvPicPr>
+          <p:cNvPr id="5" name="Picture 4"/>
+          <p:cNvPicPr>
+            <a:picLocks noChangeAspect="1"/>
+          </p:cNvPicPr>
+          <p:nvPr/>
+        </p:nvPicPr>
+        <p:blipFill>
+          <a:blip r:embed="rId4"/>
+          <a:stretch>
+            <a:fillRect/>
+          </a:stretch>
+        </p:blipFill>
+        <p:spPr>
+          <a:xfrm>
+            <a:off x="1127125" y="3911599"/>
+            <a:ext cx="5444654" cy="524933"/>
           </a:xfrm>
           <a:prstGeom prst="rect">
             <a:avLst/>
@@ -8457,10 +8987,10 @@
           <a:lstStyle/>
           <a:p>
             <a:r>
-              <a:rPr lang="en-US" dirty="0" smtClean="0"/>
+              <a:rPr lang="en-US" b="1" dirty="0" smtClean="0"/>
               <a:t>DEVELOPMENT SERVER</a:t>
             </a:r>
-            <a:endParaRPr lang="vi-VN" dirty="0"/>
+            <a:endParaRPr lang="vi-VN" b="1" dirty="0"/>
           </a:p>
         </p:txBody>
       </p:sp>
@@ -9419,7 +9949,7 @@
         <p:spPr>
           <a:xfrm>
             <a:off x="838200" y="1880489"/>
-            <a:ext cx="10515600" cy="4351338"/>
+            <a:ext cx="10515600" cy="4638844"/>
           </a:xfrm>
         </p:spPr>
         <p:txBody>
@@ -9432,14 +9962,14 @@
               <a:buNone/>
             </a:pPr>
             <a:r>
-              <a:rPr lang="en-US" sz="3600" dirty="0" smtClean="0"/>
+              <a:rPr lang="en-US" sz="4500" dirty="0" smtClean="0"/>
               <a:t>Chuẩn bị file </a:t>
             </a:r>
             <a:r>
-              <a:rPr lang="en-US" sz="3600" dirty="0" err="1" smtClean="0"/>
+              <a:rPr lang="en-US" sz="4500" dirty="0" err="1" smtClean="0"/>
               <a:t>package.json</a:t>
             </a:r>
-            <a:endParaRPr lang="en-US" sz="3600" dirty="0"/>
+            <a:endParaRPr lang="en-US" sz="4500" dirty="0"/>
           </a:p>
           <a:p>
             <a:pPr marL="0" indent="0">
@@ -9452,8 +9982,12 @@
               <a:buNone/>
             </a:pPr>
             <a:r>
-              <a:rPr lang="en-US" sz="3600" dirty="0" smtClean="0"/>
-              <a:t>Cài đặt loader:</a:t>
+              <a:rPr lang="en-US" sz="4500" dirty="0" smtClean="0"/>
+              <a:t>Cài đặt loader</a:t>
+            </a:r>
+            <a:r>
+              <a:rPr lang="en-US" sz="4500" dirty="0" smtClean="0"/>
+              <a:t>:</a:t>
             </a:r>
           </a:p>
           <a:p>
@@ -9467,38 +10001,59 @@
               <a:buNone/>
             </a:pPr>
             <a:r>
-              <a:rPr lang="en-US" sz="3600" b="1" dirty="0" smtClean="0">
+              <a:rPr lang="en-US" sz="3800" b="1" dirty="0" err="1" smtClean="0">
                 <a:solidFill>
                   <a:srgbClr val="FF0000"/>
                 </a:solidFill>
               </a:rPr>
-              <a:t>Chú ý: </a:t>
-            </a:r>
-            <a:r>
-              <a:rPr lang="en-US" sz="3600" dirty="0" smtClean="0"/>
+              <a:t>Chú</a:t>
+            </a:r>
+            <a:r>
+              <a:rPr lang="en-US" sz="3800" b="1" dirty="0" smtClean="0">
+                <a:solidFill>
+                  <a:srgbClr val="FF0000"/>
+                </a:solidFill>
+              </a:rPr>
+              <a:t> </a:t>
+            </a:r>
+            <a:r>
+              <a:rPr lang="en-US" sz="3800" b="1" dirty="0" smtClean="0">
+                <a:solidFill>
+                  <a:srgbClr val="FF0000"/>
+                </a:solidFill>
+              </a:rPr>
+              <a:t>ý: </a:t>
+            </a:r>
+            <a:r>
+              <a:rPr lang="en-US" sz="3800" dirty="0" smtClean="0"/>
               <a:t>Loader thực thi theo thứ tự </a:t>
             </a:r>
             <a:r>
-              <a:rPr lang="en-US" sz="5700" dirty="0" smtClean="0"/>
+              <a:rPr lang="en-US" sz="3800" b="1" dirty="0" smtClean="0"/>
               <a:t>RTL </a:t>
             </a:r>
             <a:r>
-              <a:rPr lang="en-US" sz="3600" dirty="0" smtClean="0"/>
+              <a:rPr lang="en-US" sz="3800" dirty="0" smtClean="0"/>
               <a:t>trong câu lệnh và cách nhau bởi </a:t>
             </a:r>
             <a:r>
-              <a:rPr lang="en-US" sz="3600" dirty="0" err="1" smtClean="0"/>
+              <a:rPr lang="en-US" sz="3800" dirty="0" err="1" smtClean="0"/>
               <a:t>dấu</a:t>
             </a:r>
             <a:r>
-              <a:rPr lang="en-US" sz="3600" dirty="0" smtClean="0"/>
-              <a:t> </a:t>
-            </a:r>
-            <a:r>
-              <a:rPr lang="en-US" sz="6600" dirty="0" smtClean="0"/>
+              <a:rPr lang="en-US" sz="3800" dirty="0" smtClean="0"/>
+              <a:t> </a:t>
+            </a:r>
+            <a:r>
+              <a:rPr lang="en-US" sz="3800" b="1" dirty="0" smtClean="0"/>
               <a:t>!</a:t>
             </a:r>
-            <a:endParaRPr lang="en-US" dirty="0"/>
+          </a:p>
+          <a:p>
+            <a:pPr marL="0" indent="0">
+              <a:buNone/>
+            </a:pPr>
+            <a:endParaRPr lang="en-US" b="1" dirty="0"/>
           </a:p>
           <a:p>
             <a:pPr>
@@ -9575,8 +10130,8 @@
         </p:blipFill>
         <p:spPr>
           <a:xfrm>
-            <a:off x="2892932" y="2621470"/>
-            <a:ext cx="6076950" cy="371475"/>
+            <a:off x="3231598" y="2573868"/>
+            <a:ext cx="7236949" cy="442384"/>
           </a:xfrm>
           <a:prstGeom prst="rect">
             <a:avLst/>
@@ -9599,8 +10154,8 @@
         </p:blipFill>
         <p:spPr>
           <a:xfrm>
-            <a:off x="4524375" y="1857121"/>
-            <a:ext cx="1571625" cy="361950"/>
+            <a:off x="4829176" y="1743996"/>
+            <a:ext cx="2164292" cy="498443"/>
           </a:xfrm>
           <a:prstGeom prst="rect">
             <a:avLst/>
@@ -9861,8 +10416,8 @@
         </p:blipFill>
         <p:spPr>
           <a:xfrm>
-            <a:off x="2426632" y="1825625"/>
-            <a:ext cx="3189818" cy="489105"/>
+            <a:off x="2375832" y="1708862"/>
+            <a:ext cx="3720168" cy="570425"/>
           </a:xfrm>
           <a:prstGeom prst="rect">
             <a:avLst/>
@@ -9885,8 +10440,8 @@
         </p:blipFill>
         <p:spPr>
           <a:xfrm>
-            <a:off x="7204882" y="1555394"/>
-            <a:ext cx="4025900" cy="4621569"/>
+            <a:off x="6823756" y="736825"/>
+            <a:ext cx="4733118" cy="5433426"/>
           </a:xfrm>
           <a:prstGeom prst="rect">
             <a:avLst/>
@@ -9970,8 +10525,17 @@
           <a:p>
             <a:r>
               <a:rPr lang="en-US" dirty="0" smtClean="0"/>
-              <a:t>Cài đặt CSS-Loader và Style-Loader</a:t>
-            </a:r>
+              <a:t>Cài </a:t>
+            </a:r>
+            <a:r>
+              <a:rPr lang="en-US" dirty="0" err="1" smtClean="0"/>
+              <a:t>đặt</a:t>
+            </a:r>
+            <a:r>
+              <a:rPr lang="en-US" dirty="0" smtClean="0"/>
+              <a:t> </a:t>
+            </a:r>
+            <a:endParaRPr lang="en-US" dirty="0" smtClean="0"/>
           </a:p>
           <a:p>
             <a:pPr marL="0" indent="0">
@@ -9979,23 +10543,7 @@
             </a:pPr>
             <a:r>
               <a:rPr lang="en-US" dirty="0" smtClean="0"/>
-              <a:t>(</a:t>
-            </a:r>
-            <a:r>
-              <a:rPr lang="en-US" dirty="0" err="1" smtClean="0"/>
-              <a:t>npm</a:t>
-            </a:r>
-            <a:r>
-              <a:rPr lang="en-US" dirty="0" smtClean="0"/>
-              <a:t> install –save-</a:t>
-            </a:r>
-            <a:r>
-              <a:rPr lang="en-US" dirty="0" err="1" smtClean="0"/>
-              <a:t>dev</a:t>
-            </a:r>
-            <a:r>
-              <a:rPr lang="en-US" dirty="0" smtClean="0"/>
-              <a:t> </a:t>
+              <a:t>	- </a:t>
             </a:r>
             <a:r>
               <a:rPr lang="en-US" dirty="0" err="1" smtClean="0"/>
@@ -10003,20 +10551,7 @@
             </a:r>
             <a:r>
               <a:rPr lang="en-US" dirty="0" smtClean="0"/>
-              <a:t>-loader style-loader)</a:t>
-            </a:r>
-            <a:endParaRPr lang="en-US" dirty="0"/>
-          </a:p>
-          <a:p>
-            <a:endParaRPr lang="en-US" dirty="0" smtClean="0"/>
-          </a:p>
-          <a:p>
-            <a:endParaRPr lang="en-US" dirty="0"/>
-          </a:p>
-          <a:p>
-            <a:r>
-              <a:rPr lang="en-US" dirty="0" smtClean="0"/>
-              <a:t>Khai báo sử dụng CSS-Loader và </a:t>
+              <a:t>-loader </a:t>
             </a:r>
           </a:p>
           <a:p>
@@ -10025,13 +10560,35 @@
             </a:pPr>
             <a:r>
               <a:rPr lang="en-US" dirty="0" smtClean="0"/>
-              <a:t>Style-Loader trong file webpack.config.js</a:t>
-            </a:r>
+              <a:t>	- style-loader</a:t>
+            </a:r>
+            <a:endParaRPr lang="en-US" dirty="0"/>
           </a:p>
           <a:p>
             <a:pPr marL="0" indent="0">
               <a:buNone/>
             </a:pPr>
+            <a:endParaRPr lang="en-US" dirty="0"/>
+          </a:p>
+          <a:p>
+            <a:r>
+              <a:rPr lang="en-US" dirty="0" smtClean="0"/>
+              <a:t>Khai báo sử dụng CSS-Loader và </a:t>
+            </a:r>
+          </a:p>
+          <a:p>
+            <a:pPr marL="0" indent="0">
+              <a:buNone/>
+            </a:pPr>
+            <a:r>
+              <a:rPr lang="en-US" dirty="0" smtClean="0"/>
+              <a:t>Style-Loader trong file webpack.config.js</a:t>
+            </a:r>
+          </a:p>
+          <a:p>
+            <a:pPr marL="0" indent="0">
+              <a:buNone/>
+            </a:pPr>
             <a:r>
               <a:rPr lang="en-US" dirty="0"/>
               <a:t>l</a:t>
@@ -10049,7 +10606,11 @@
               <a:t>style-loader</a:t>
             </a:r>
             <a:r>
-              <a:rPr lang="en-US" sz="4800" b="1" dirty="0" err="1" smtClean="0"/>
+              <a:rPr lang="en-US" sz="4800" b="1" dirty="0" err="1" smtClean="0">
+                <a:solidFill>
+                  <a:srgbClr val="FF0000"/>
+                </a:solidFill>
+              </a:rPr>
               <a:t>!</a:t>
             </a:r>
             <a:r>
@@ -10082,8 +10643,32 @@
         </p:blipFill>
         <p:spPr>
           <a:xfrm>
-            <a:off x="6982624" y="2971466"/>
-            <a:ext cx="4499192" cy="3557668"/>
+            <a:off x="6931824" y="1825625"/>
+            <a:ext cx="4959184" cy="3921400"/>
+          </a:xfrm>
+          <a:prstGeom prst="rect">
+            <a:avLst/>
+          </a:prstGeom>
+        </p:spPr>
+      </p:pic>
+      <p:pic>
+        <p:nvPicPr>
+          <p:cNvPr id="5" name="Picture 4"/>
+          <p:cNvPicPr>
+            <a:picLocks noChangeAspect="1"/>
+          </p:cNvPicPr>
+          <p:nvPr/>
+        </p:nvPicPr>
+        <p:blipFill>
+          <a:blip r:embed="rId4"/>
+          <a:stretch>
+            <a:fillRect/>
+          </a:stretch>
+        </p:blipFill>
+        <p:spPr>
+          <a:xfrm>
+            <a:off x="2375832" y="1711460"/>
+            <a:ext cx="3703235" cy="567828"/>
           </a:xfrm>
           <a:prstGeom prst="rect">
             <a:avLst/>

--- a/Sildewebpack.pptx
+++ b/Sildewebpack.pptx
@@ -5,7 +5,7 @@
     <p:sldMasterId id="2147483648" r:id="rId1"/>
   </p:sldMasterIdLst>
   <p:notesMasterIdLst>
-    <p:notesMasterId r:id="rId21"/>
+    <p:notesMasterId r:id="rId22"/>
   </p:notesMasterIdLst>
   <p:sldIdLst>
     <p:sldId id="256" r:id="rId2"/>
@@ -26,7 +26,8 @@
     <p:sldId id="270" r:id="rId17"/>
     <p:sldId id="274" r:id="rId18"/>
     <p:sldId id="268" r:id="rId19"/>
-    <p:sldId id="275" r:id="rId20"/>
+    <p:sldId id="277" r:id="rId20"/>
+    <p:sldId id="275" r:id="rId21"/>
   </p:sldIdLst>
   <p:sldSz cx="12192000" cy="6858000"/>
   <p:notesSz cx="6858000" cy="9144000"/>
@@ -2300,7 +2301,7 @@
           <a:p>
             <a:fld id="{6F94225C-CF81-4B28-9764-855529CC82FE}" type="slidenum">
               <a:rPr lang="vi-VN" smtClean="0"/>
-              <a:t>19</a:t>
+              <a:t>20</a:t>
             </a:fld>
             <a:endParaRPr lang="vi-VN"/>
           </a:p>
@@ -6805,7 +6806,6 @@
               <a:rPr lang="en-US" sz="2800" dirty="0" smtClean="0"/>
               <a:t>: </a:t>
             </a:r>
-            <a:endParaRPr lang="en-US" sz="2800" dirty="0" smtClean="0"/>
           </a:p>
           <a:p>
             <a:pPr algn="l"/>
@@ -7875,23 +7875,15 @@
             </a:r>
             <a:r>
               <a:rPr lang="en-US" sz="4400" dirty="0" err="1" smtClean="0"/>
-              <a:t>W</a:t>
+              <a:t>Webpack</a:t>
+            </a:r>
+            <a:r>
+              <a:rPr lang="en-US" sz="4400" dirty="0" smtClean="0"/>
+              <a:t> </a:t>
             </a:r>
             <a:r>
               <a:rPr lang="en-US" sz="4400" dirty="0" err="1" smtClean="0"/>
-              <a:t>ebpack</a:t>
-            </a:r>
-            <a:r>
-              <a:rPr lang="en-US" sz="4400" dirty="0" smtClean="0"/>
-              <a:t> </a:t>
-            </a:r>
-            <a:r>
-              <a:rPr lang="en-US" sz="4400" dirty="0" err="1" smtClean="0"/>
-              <a:t>P</a:t>
-            </a:r>
-            <a:r>
-              <a:rPr lang="en-US" sz="4400" dirty="0" err="1" smtClean="0"/>
-              <a:t>luggin</a:t>
+              <a:t>Pluggin</a:t>
             </a:r>
             <a:endParaRPr lang="en-US" sz="4400" dirty="0"/>
           </a:p>
@@ -8302,23 +8294,15 @@
             </a:r>
             <a:r>
               <a:rPr lang="en-US" sz="4400" dirty="0" err="1" smtClean="0"/>
-              <a:t>W</a:t>
+              <a:t>Webpack</a:t>
+            </a:r>
+            <a:r>
+              <a:rPr lang="en-US" sz="4400" dirty="0" smtClean="0"/>
+              <a:t> </a:t>
             </a:r>
             <a:r>
               <a:rPr lang="en-US" sz="4400" dirty="0" err="1" smtClean="0"/>
-              <a:t>ebpack</a:t>
-            </a:r>
-            <a:r>
-              <a:rPr lang="en-US" sz="4400" dirty="0" smtClean="0"/>
-              <a:t> </a:t>
-            </a:r>
-            <a:r>
-              <a:rPr lang="en-US" sz="4400" dirty="0" err="1" smtClean="0"/>
-              <a:t>P</a:t>
-            </a:r>
-            <a:r>
-              <a:rPr lang="en-US" sz="4400" dirty="0" err="1" smtClean="0"/>
-              <a:t>luggin</a:t>
+              <a:t>Pluggin</a:t>
             </a:r>
             <a:endParaRPr lang="en-US" sz="4400" dirty="0"/>
           </a:p>
@@ -8681,7 +8665,6 @@
               <a:rPr lang="en-US" dirty="0" smtClean="0"/>
               <a:t> </a:t>
             </a:r>
-            <a:endParaRPr lang="en-US" dirty="0" smtClean="0"/>
           </a:p>
           <a:p>
             <a:pPr marL="0" indent="0">
@@ -9128,7 +9111,7 @@
             <a:spLocks noGrp="1"/>
           </p:cNvSpPr>
           <p:nvPr>
-            <p:ph type="ctrTitle"/>
+            <p:ph type="title"/>
           </p:nvPr>
         </p:nvSpPr>
         <p:spPr/>
@@ -9137,8 +9120,32 @@
           <a:lstStyle/>
           <a:p>
             <a:r>
-              <a:rPr lang="en-US" dirty="0" smtClean="0"/>
-              <a:t>Thanks For Watching</a:t>
+              <a:rPr lang="en-US" dirty="0" err="1" smtClean="0"/>
+              <a:t>Tài</a:t>
+            </a:r>
+            <a:r>
+              <a:rPr lang="en-US" dirty="0" smtClean="0"/>
+              <a:t> </a:t>
+            </a:r>
+            <a:r>
+              <a:rPr lang="en-US" dirty="0" err="1" smtClean="0"/>
+              <a:t>liệu</a:t>
+            </a:r>
+            <a:r>
+              <a:rPr lang="en-US" dirty="0" smtClean="0"/>
+              <a:t> </a:t>
+            </a:r>
+            <a:r>
+              <a:rPr lang="en-US" dirty="0" err="1" smtClean="0"/>
+              <a:t>tham</a:t>
+            </a:r>
+            <a:r>
+              <a:rPr lang="en-US" dirty="0" smtClean="0"/>
+              <a:t> </a:t>
+            </a:r>
+            <a:r>
+              <a:rPr lang="en-US" dirty="0" err="1" smtClean="0"/>
+              <a:t>khảo</a:t>
             </a:r>
             <a:endParaRPr lang="en-US" dirty="0"/>
           </a:p>
@@ -9146,12 +9153,12 @@
       </p:sp>
       <p:sp>
         <p:nvSpPr>
-          <p:cNvPr id="3" name="Subtitle 2"/>
-          <p:cNvSpPr>
-            <a:spLocks noGrp="1"/>
-          </p:cNvSpPr>
-          <p:nvPr>
-            <p:ph type="subTitle" idx="1"/>
+          <p:cNvPr id="3" name="Content Placeholder 2"/>
+          <p:cNvSpPr>
+            <a:spLocks noGrp="1"/>
+          </p:cNvSpPr>
+          <p:nvPr>
+            <p:ph idx="1"/>
           </p:nvPr>
         </p:nvSpPr>
         <p:spPr/>
@@ -9159,27 +9166,70 @@
           <a:bodyPr/>
           <a:lstStyle/>
           <a:p>
-            <a:endParaRPr lang="en-US" dirty="0"/>
+            <a:r>
+              <a:rPr lang="en-US" dirty="0">
+                <a:hlinkClick r:id="rId2"/>
+              </a:rPr>
+              <a:t>https://webpack.github.io/docs/configuration.html</a:t>
+            </a:r>
+            <a:r>
+              <a:rPr lang="en-US" dirty="0"/>
+              <a:t> </a:t>
+            </a:r>
+            <a:endParaRPr lang="en-US" dirty="0" smtClean="0"/>
+          </a:p>
+          <a:p>
+            <a:r>
+              <a:rPr lang="en-US" smtClean="0">
+                <a:hlinkClick r:id="rId3"/>
+              </a:rPr>
+              <a:t>https</a:t>
+            </a:r>
+            <a:r>
+              <a:rPr lang="en-US">
+                <a:hlinkClick r:id="rId3"/>
+              </a:rPr>
+              <a:t>://scotch.io/tutorials/getting-started-with-webpack-module-bundling-magic</a:t>
+            </a:r>
+            <a:r>
+              <a:rPr lang="en-US"/>
+              <a:t> </a:t>
+            </a:r>
+            <a:endParaRPr lang="en-US" smtClean="0"/>
+          </a:p>
+          <a:p>
+            <a:r>
+              <a:rPr lang="en-US" smtClean="0">
+                <a:hlinkClick r:id="rId4"/>
+              </a:rPr>
+              <a:t>https</a:t>
+            </a:r>
+            <a:r>
+              <a:rPr lang="en-US">
+                <a:hlinkClick r:id="rId4"/>
+              </a:rPr>
+              <a:t>://medium.com/@dabit3/beginner-s-guide-to-webpack-b1f1a3638460</a:t>
+            </a:r>
+            <a:r>
+              <a:rPr lang="en-US">
+                <a:hlinkClick r:id="rId5"/>
+              </a:rPr>
+              <a:t>https://webpack.github.io/docs/what-is-webpack.html</a:t>
+            </a:r>
+            <a:endParaRPr lang="en-US"/>
           </a:p>
         </p:txBody>
       </p:sp>
     </p:spTree>
     <p:extLst>
       <p:ext uri="{BB962C8B-B14F-4D97-AF65-F5344CB8AC3E}">
-        <p14:creationId xmlns:p14="http://schemas.microsoft.com/office/powerpoint/2010/main" val="85719773"/>
+        <p14:creationId xmlns:p14="http://schemas.microsoft.com/office/powerpoint/2010/main" val="1471128869"/>
       </p:ext>
     </p:extLst>
   </p:cSld>
   <p:clrMapOvr>
     <a:masterClrMapping/>
   </p:clrMapOvr>
-  <p:timing>
-    <p:tnLst>
-      <p:par>
-        <p:cTn id="1" dur="indefinite" restart="never" nodeType="tmRoot"/>
-      </p:par>
-    </p:tnLst>
-  </p:timing>
 </p:sld>
 </file>
 
@@ -9319,6 +9369,85 @@
     <p:extLst>
       <p:ext uri="{BB962C8B-B14F-4D97-AF65-F5344CB8AC3E}">
         <p14:creationId xmlns:p14="http://schemas.microsoft.com/office/powerpoint/2010/main" val="2620969178"/>
+      </p:ext>
+    </p:extLst>
+  </p:cSld>
+  <p:clrMapOvr>
+    <a:masterClrMapping/>
+  </p:clrMapOvr>
+  <p:timing>
+    <p:tnLst>
+      <p:par>
+        <p:cTn id="1" dur="indefinite" restart="never" nodeType="tmRoot"/>
+      </p:par>
+    </p:tnLst>
+  </p:timing>
+</p:sld>
+</file>
+
+<file path=ppt/slides/slide20.xml><?xml version="1.0" encoding="utf-8"?>
+<p:sld xmlns:a="http://schemas.openxmlformats.org/drawingml/2006/main" xmlns:r="http://schemas.openxmlformats.org/officeDocument/2006/relationships" xmlns:p="http://schemas.openxmlformats.org/presentationml/2006/main">
+  <p:cSld>
+    <p:spTree>
+      <p:nvGrpSpPr>
+        <p:cNvPr id="1" name=""/>
+        <p:cNvGrpSpPr/>
+        <p:nvPr/>
+      </p:nvGrpSpPr>
+      <p:grpSpPr>
+        <a:xfrm>
+          <a:off x="0" y="0"/>
+          <a:ext cx="0" cy="0"/>
+          <a:chOff x="0" y="0"/>
+          <a:chExt cx="0" cy="0"/>
+        </a:xfrm>
+      </p:grpSpPr>
+      <p:sp>
+        <p:nvSpPr>
+          <p:cNvPr id="2" name="Title 1"/>
+          <p:cNvSpPr>
+            <a:spLocks noGrp="1"/>
+          </p:cNvSpPr>
+          <p:nvPr>
+            <p:ph type="ctrTitle"/>
+          </p:nvPr>
+        </p:nvSpPr>
+        <p:spPr/>
+        <p:txBody>
+          <a:bodyPr/>
+          <a:lstStyle/>
+          <a:p>
+            <a:r>
+              <a:rPr lang="en-US" dirty="0" smtClean="0"/>
+              <a:t>Thanks For Watching</a:t>
+            </a:r>
+            <a:endParaRPr lang="en-US" dirty="0"/>
+          </a:p>
+        </p:txBody>
+      </p:sp>
+      <p:sp>
+        <p:nvSpPr>
+          <p:cNvPr id="3" name="Subtitle 2"/>
+          <p:cNvSpPr>
+            <a:spLocks noGrp="1"/>
+          </p:cNvSpPr>
+          <p:nvPr>
+            <p:ph type="subTitle" idx="1"/>
+          </p:nvPr>
+        </p:nvSpPr>
+        <p:spPr/>
+        <p:txBody>
+          <a:bodyPr/>
+          <a:lstStyle/>
+          <a:p>
+            <a:endParaRPr lang="en-US" dirty="0"/>
+          </a:p>
+        </p:txBody>
+      </p:sp>
+    </p:spTree>
+    <p:extLst>
+      <p:ext uri="{BB962C8B-B14F-4D97-AF65-F5344CB8AC3E}">
+        <p14:creationId xmlns:p14="http://schemas.microsoft.com/office/powerpoint/2010/main" val="85719773"/>
       </p:ext>
     </p:extLst>
   </p:cSld>
@@ -9983,11 +10112,7 @@
             </a:pPr>
             <a:r>
               <a:rPr lang="en-US" sz="4500" dirty="0" smtClean="0"/>
-              <a:t>Cài đặt loader</a:t>
-            </a:r>
-            <a:r>
-              <a:rPr lang="en-US" sz="4500" dirty="0" smtClean="0"/>
-              <a:t>:</a:t>
+              <a:t>Cài đặt loader:</a:t>
             </a:r>
           </a:p>
           <a:p>
@@ -10014,15 +10139,7 @@
                   <a:srgbClr val="FF0000"/>
                 </a:solidFill>
               </a:rPr>
-              <a:t> </a:t>
-            </a:r>
-            <a:r>
-              <a:rPr lang="en-US" sz="3800" b="1" dirty="0" smtClean="0">
-                <a:solidFill>
-                  <a:srgbClr val="FF0000"/>
-                </a:solidFill>
-              </a:rPr>
-              <a:t>ý: </a:t>
+              <a:t> ý: </a:t>
             </a:r>
             <a:r>
               <a:rPr lang="en-US" sz="3800" dirty="0" smtClean="0"/>
@@ -10535,7 +10652,6 @@
               <a:rPr lang="en-US" dirty="0" smtClean="0"/>
               <a:t> </a:t>
             </a:r>
-            <a:endParaRPr lang="en-US" dirty="0" smtClean="0"/>
           </a:p>
           <a:p>
             <a:pPr marL="0" indent="0">
